--- a/post-graduate paper/论文答辩-段世凯-v1.0.pptx
+++ b/post-graduate paper/论文答辩-段世凯-v1.0.pptx
@@ -5,7 +5,7 @@
     <p:sldMasterId id="2147483660" r:id="rId1"/>
   </p:sldMasterIdLst>
   <p:notesMasterIdLst>
-    <p:notesMasterId r:id="rId44"/>
+    <p:notesMasterId r:id="rId45"/>
   </p:notesMasterIdLst>
   <p:sldIdLst>
     <p:sldId id="256" r:id="rId2"/>
@@ -47,9 +47,10 @@
     <p:sldId id="310" r:id="rId38"/>
     <p:sldId id="311" r:id="rId39"/>
     <p:sldId id="312" r:id="rId40"/>
-    <p:sldId id="287" r:id="rId41"/>
-    <p:sldId id="303" r:id="rId42"/>
-    <p:sldId id="288" r:id="rId43"/>
+    <p:sldId id="314" r:id="rId41"/>
+    <p:sldId id="287" r:id="rId42"/>
+    <p:sldId id="303" r:id="rId43"/>
+    <p:sldId id="288" r:id="rId44"/>
   </p:sldIdLst>
   <p:sldSz cx="9144000" cy="6858000" type="screen4x3"/>
   <p:notesSz cx="6858000" cy="9144000"/>
@@ -212,7 +213,6 @@
           </a:p>
         </c:rich>
       </c:tx>
-      <c:layout/>
       <c:overlay val="0"/>
       <c:spPr>
         <a:noFill/>
@@ -633,7 +633,6 @@
     </c:plotArea>
     <c:legend>
       <c:legendPos val="b"/>
-      <c:layout/>
       <c:overlay val="0"/>
       <c:spPr>
         <a:noFill/>
@@ -730,7 +729,6 @@
           </a:p>
         </c:rich>
       </c:tx>
-      <c:layout/>
       <c:overlay val="0"/>
       <c:spPr>
         <a:noFill/>
@@ -820,7 +818,6 @@
             <c:showLeaderLines val="0"/>
             <c:extLst>
               <c:ext xmlns:c15="http://schemas.microsoft.com/office/drawing/2012/chart" uri="{CE6537A1-D6FC-4f65-9D91-7224C49458BB}">
-                <c15:layout/>
                 <c15:showLeaderLines val="1"/>
                 <c15:leaderLines>
                   <c:spPr>
@@ -1043,6 +1040,874 @@
 </c:chartSpace>
 </file>
 
+<file path=ppt/charts/chart11.xml><?xml version="1.0" encoding="utf-8"?>
+<c:chartSpace xmlns:c="http://schemas.openxmlformats.org/drawingml/2006/chart" xmlns:a="http://schemas.openxmlformats.org/drawingml/2006/main" xmlns:r="http://schemas.openxmlformats.org/officeDocument/2006/relationships" xmlns:c16r2="http://schemas.microsoft.com/office/drawing/2015/06/chart">
+  <c:date1904 val="0"/>
+  <c:lang val="zh-CN"/>
+  <c:roundedCorners val="0"/>
+  <mc:AlternateContent xmlns:mc="http://schemas.openxmlformats.org/markup-compatibility/2006">
+    <mc:Choice xmlns:c14="http://schemas.microsoft.com/office/drawing/2007/8/2/chart" Requires="c14">
+      <c14:style val="102"/>
+    </mc:Choice>
+    <mc:Fallback>
+      <c:style val="2"/>
+    </mc:Fallback>
+  </mc:AlternateContent>
+  <c:chart>
+    <c:title>
+      <c:tx>
+        <c:rich>
+          <a:bodyPr rot="0" spcFirstLastPara="1" vertOverflow="ellipsis" vert="horz" wrap="square" anchor="ctr" anchorCtr="1"/>
+          <a:lstStyle/>
+          <a:p>
+            <a:pPr>
+              <a:defRPr sz="1400" b="0" i="0" u="none" strike="noStrike" kern="1200" spc="0" baseline="0">
+                <a:solidFill>
+                  <a:schemeClr val="tx1">
+                    <a:lumMod val="65000"/>
+                    <a:lumOff val="35000"/>
+                  </a:schemeClr>
+                </a:solidFill>
+                <a:latin typeface="+mn-lt"/>
+                <a:ea typeface="+mn-ea"/>
+                <a:cs typeface="+mn-cs"/>
+              </a:defRPr>
+            </a:pPr>
+            <a:r>
+              <a:rPr lang="zh-CN" altLang="en-US"/>
+              <a:t>算法更新冲突概率</a:t>
+            </a:r>
+          </a:p>
+        </c:rich>
+      </c:tx>
+      <c:overlay val="0"/>
+      <c:spPr>
+        <a:noFill/>
+        <a:ln>
+          <a:noFill/>
+        </a:ln>
+        <a:effectLst/>
+      </c:spPr>
+      <c:txPr>
+        <a:bodyPr rot="0" spcFirstLastPara="1" vertOverflow="ellipsis" vert="horz" wrap="square" anchor="ctr" anchorCtr="1"/>
+        <a:lstStyle/>
+        <a:p>
+          <a:pPr>
+            <a:defRPr sz="1400" b="0" i="0" u="none" strike="noStrike" kern="1200" spc="0" baseline="0">
+              <a:solidFill>
+                <a:schemeClr val="tx1">
+                  <a:lumMod val="65000"/>
+                  <a:lumOff val="35000"/>
+                </a:schemeClr>
+              </a:solidFill>
+              <a:latin typeface="+mn-lt"/>
+              <a:ea typeface="+mn-ea"/>
+              <a:cs typeface="+mn-cs"/>
+            </a:defRPr>
+          </a:pPr>
+          <a:endParaRPr lang="zh-CN"/>
+        </a:p>
+      </c:txPr>
+    </c:title>
+    <c:autoTitleDeleted val="0"/>
+    <c:plotArea>
+      <c:layout/>
+      <c:barChart>
+        <c:barDir val="col"/>
+        <c:grouping val="clustered"/>
+        <c:varyColors val="0"/>
+        <c:ser>
+          <c:idx val="0"/>
+          <c:order val="0"/>
+          <c:spPr>
+            <a:solidFill>
+              <a:schemeClr val="accent1"/>
+            </a:solidFill>
+            <a:ln>
+              <a:noFill/>
+            </a:ln>
+            <a:effectLst/>
+          </c:spPr>
+          <c:invertIfNegative val="0"/>
+          <c:dLbls>
+            <c:spPr>
+              <a:noFill/>
+              <a:ln>
+                <a:noFill/>
+              </a:ln>
+              <a:effectLst/>
+            </c:spPr>
+            <c:txPr>
+              <a:bodyPr rot="0" spcFirstLastPara="1" vertOverflow="ellipsis" vert="horz" wrap="square" lIns="38100" tIns="19050" rIns="38100" bIns="19050" anchor="ctr" anchorCtr="1">
+                <a:spAutoFit/>
+              </a:bodyPr>
+              <a:lstStyle/>
+              <a:p>
+                <a:pPr>
+                  <a:defRPr sz="900" b="0" i="0" u="none" strike="noStrike" kern="1200" baseline="0">
+                    <a:solidFill>
+                      <a:schemeClr val="tx1">
+                        <a:lumMod val="75000"/>
+                        <a:lumOff val="25000"/>
+                      </a:schemeClr>
+                    </a:solidFill>
+                    <a:latin typeface="+mn-lt"/>
+                    <a:ea typeface="+mn-ea"/>
+                    <a:cs typeface="+mn-cs"/>
+                  </a:defRPr>
+                </a:pPr>
+                <a:endParaRPr lang="zh-CN"/>
+              </a:p>
+            </c:txPr>
+            <c:dLblPos val="outEnd"/>
+            <c:showLegendKey val="0"/>
+            <c:showVal val="1"/>
+            <c:showCatName val="0"/>
+            <c:showSerName val="0"/>
+            <c:showPercent val="0"/>
+            <c:showBubbleSize val="0"/>
+            <c:showLeaderLines val="0"/>
+            <c:extLst>
+              <c:ext xmlns:c15="http://schemas.microsoft.com/office/drawing/2012/chart" uri="{CE6537A1-D6FC-4f65-9D91-7224C49458BB}">
+                <c15:showLeaderLines val="1"/>
+                <c15:leaderLines>
+                  <c:spPr>
+                    <a:ln w="9525" cap="flat" cmpd="sng" algn="ctr">
+                      <a:solidFill>
+                        <a:schemeClr val="tx1">
+                          <a:lumMod val="35000"/>
+                          <a:lumOff val="65000"/>
+                        </a:schemeClr>
+                      </a:solidFill>
+                      <a:round/>
+                    </a:ln>
+                    <a:effectLst/>
+                  </c:spPr>
+                </c15:leaderLines>
+              </c:ext>
+            </c:extLst>
+          </c:dLbls>
+          <c:cat>
+            <c:strRef>
+              <c:f>Sheet1!$B$1:$E$1</c:f>
+              <c:strCache>
+                <c:ptCount val="4"/>
+                <c:pt idx="0">
+                  <c:v>dd</c:v>
+                </c:pt>
+                <c:pt idx="1">
+                  <c:v>tc</c:v>
+                </c:pt>
+                <c:pt idx="2">
+                  <c:v>sssp</c:v>
+                </c:pt>
+                <c:pt idx="3">
+                  <c:v>pr</c:v>
+                </c:pt>
+              </c:strCache>
+            </c:strRef>
+          </c:cat>
+          <c:val>
+            <c:numRef>
+              <c:f>Sheet1!$B$13:$E$13</c:f>
+              <c:numCache>
+                <c:formatCode>General</c:formatCode>
+                <c:ptCount val="4"/>
+                <c:pt idx="0">
+                  <c:v>7.1000000000000004E-3</c:v>
+                </c:pt>
+                <c:pt idx="1">
+                  <c:v>4.0000000000000002E-4</c:v>
+                </c:pt>
+                <c:pt idx="2">
+                  <c:v>5.0000000000000001E-4</c:v>
+                </c:pt>
+                <c:pt idx="3">
+                  <c:v>2.8799999999999999E-2</c:v>
+                </c:pt>
+              </c:numCache>
+            </c:numRef>
+          </c:val>
+          <c:extLst>
+            <c:ext xmlns:c16="http://schemas.microsoft.com/office/drawing/2014/chart" uri="{C3380CC4-5D6E-409C-BE32-E72D297353CC}">
+              <c16:uniqueId val="{00000000-64EC-4A2B-ABC9-077C43DF2E66}"/>
+            </c:ext>
+          </c:extLst>
+        </c:ser>
+        <c:dLbls>
+          <c:dLblPos val="outEnd"/>
+          <c:showLegendKey val="0"/>
+          <c:showVal val="1"/>
+          <c:showCatName val="0"/>
+          <c:showSerName val="0"/>
+          <c:showPercent val="0"/>
+          <c:showBubbleSize val="0"/>
+        </c:dLbls>
+        <c:gapWidth val="219"/>
+        <c:overlap val="-27"/>
+        <c:axId val="2070068895"/>
+        <c:axId val="2070115071"/>
+      </c:barChart>
+      <c:catAx>
+        <c:axId val="2070068895"/>
+        <c:scaling>
+          <c:orientation val="minMax"/>
+        </c:scaling>
+        <c:delete val="0"/>
+        <c:axPos val="b"/>
+        <c:numFmt formatCode="General" sourceLinked="1"/>
+        <c:majorTickMark val="none"/>
+        <c:minorTickMark val="none"/>
+        <c:tickLblPos val="nextTo"/>
+        <c:spPr>
+          <a:noFill/>
+          <a:ln w="9525" cap="flat" cmpd="sng" algn="ctr">
+            <a:solidFill>
+              <a:schemeClr val="tx1">
+                <a:lumMod val="15000"/>
+                <a:lumOff val="85000"/>
+              </a:schemeClr>
+            </a:solidFill>
+            <a:round/>
+          </a:ln>
+          <a:effectLst/>
+        </c:spPr>
+        <c:txPr>
+          <a:bodyPr rot="-60000000" spcFirstLastPara="1" vertOverflow="ellipsis" vert="horz" wrap="square" anchor="ctr" anchorCtr="1"/>
+          <a:lstStyle/>
+          <a:p>
+            <a:pPr>
+              <a:defRPr sz="900" b="0" i="0" u="none" strike="noStrike" kern="1200" baseline="0">
+                <a:solidFill>
+                  <a:schemeClr val="tx1">
+                    <a:lumMod val="65000"/>
+                    <a:lumOff val="35000"/>
+                  </a:schemeClr>
+                </a:solidFill>
+                <a:latin typeface="+mn-lt"/>
+                <a:ea typeface="+mn-ea"/>
+                <a:cs typeface="+mn-cs"/>
+              </a:defRPr>
+            </a:pPr>
+            <a:endParaRPr lang="zh-CN"/>
+          </a:p>
+        </c:txPr>
+        <c:crossAx val="2070115071"/>
+        <c:crosses val="autoZero"/>
+        <c:auto val="1"/>
+        <c:lblAlgn val="ctr"/>
+        <c:lblOffset val="100"/>
+        <c:noMultiLvlLbl val="0"/>
+      </c:catAx>
+      <c:valAx>
+        <c:axId val="2070115071"/>
+        <c:scaling>
+          <c:orientation val="minMax"/>
+          <c:max val="3.0000000000000006E-2"/>
+        </c:scaling>
+        <c:delete val="0"/>
+        <c:axPos val="l"/>
+        <c:majorGridlines>
+          <c:spPr>
+            <a:ln w="9525" cap="flat" cmpd="sng" algn="ctr">
+              <a:solidFill>
+                <a:schemeClr val="tx1">
+                  <a:lumMod val="15000"/>
+                  <a:lumOff val="85000"/>
+                </a:schemeClr>
+              </a:solidFill>
+              <a:round/>
+            </a:ln>
+            <a:effectLst/>
+          </c:spPr>
+        </c:majorGridlines>
+        <c:numFmt formatCode="General" sourceLinked="1"/>
+        <c:majorTickMark val="none"/>
+        <c:minorTickMark val="none"/>
+        <c:tickLblPos val="nextTo"/>
+        <c:spPr>
+          <a:noFill/>
+          <a:ln>
+            <a:noFill/>
+          </a:ln>
+          <a:effectLst/>
+        </c:spPr>
+        <c:txPr>
+          <a:bodyPr rot="-60000000" spcFirstLastPara="1" vertOverflow="ellipsis" vert="horz" wrap="square" anchor="ctr" anchorCtr="1"/>
+          <a:lstStyle/>
+          <a:p>
+            <a:pPr>
+              <a:defRPr sz="900" b="0" i="0" u="none" strike="noStrike" kern="1200" baseline="0">
+                <a:solidFill>
+                  <a:schemeClr val="tx1">
+                    <a:lumMod val="65000"/>
+                    <a:lumOff val="35000"/>
+                  </a:schemeClr>
+                </a:solidFill>
+                <a:latin typeface="+mn-lt"/>
+                <a:ea typeface="+mn-ea"/>
+                <a:cs typeface="+mn-cs"/>
+              </a:defRPr>
+            </a:pPr>
+            <a:endParaRPr lang="zh-CN"/>
+          </a:p>
+        </c:txPr>
+        <c:crossAx val="2070068895"/>
+        <c:crosses val="autoZero"/>
+        <c:crossBetween val="between"/>
+      </c:valAx>
+      <c:spPr>
+        <a:noFill/>
+        <a:ln>
+          <a:noFill/>
+        </a:ln>
+        <a:effectLst/>
+      </c:spPr>
+    </c:plotArea>
+    <c:plotVisOnly val="1"/>
+    <c:dispBlanksAs val="gap"/>
+    <c:showDLblsOverMax val="0"/>
+  </c:chart>
+  <c:spPr>
+    <a:noFill/>
+    <a:ln>
+      <a:noFill/>
+    </a:ln>
+    <a:effectLst/>
+  </c:spPr>
+  <c:txPr>
+    <a:bodyPr/>
+    <a:lstStyle/>
+    <a:p>
+      <a:pPr>
+        <a:defRPr/>
+      </a:pPr>
+      <a:endParaRPr lang="zh-CN"/>
+    </a:p>
+  </c:txPr>
+  <c:externalData r:id="rId3">
+    <c:autoUpdate val="0"/>
+  </c:externalData>
+</c:chartSpace>
+</file>
+
+<file path=ppt/charts/chart12.xml><?xml version="1.0" encoding="utf-8"?>
+<c:chartSpace xmlns:c="http://schemas.openxmlformats.org/drawingml/2006/chart" xmlns:a="http://schemas.openxmlformats.org/drawingml/2006/main" xmlns:r="http://schemas.openxmlformats.org/officeDocument/2006/relationships" xmlns:c16r2="http://schemas.microsoft.com/office/drawing/2015/06/chart">
+  <c:date1904 val="0"/>
+  <c:lang val="zh-CN"/>
+  <c:roundedCorners val="0"/>
+  <mc:AlternateContent xmlns:mc="http://schemas.openxmlformats.org/markup-compatibility/2006">
+    <mc:Choice xmlns:c14="http://schemas.microsoft.com/office/drawing/2007/8/2/chart" Requires="c14">
+      <c14:style val="102"/>
+    </mc:Choice>
+    <mc:Fallback>
+      <c:style val="2"/>
+    </mc:Fallback>
+  </mc:AlternateContent>
+  <c:chart>
+    <c:title>
+      <c:tx>
+        <c:rich>
+          <a:bodyPr rot="0" spcFirstLastPara="1" vertOverflow="ellipsis" vert="horz" wrap="square" anchor="ctr" anchorCtr="1"/>
+          <a:lstStyle/>
+          <a:p>
+            <a:pPr>
+              <a:defRPr sz="1400" b="0" i="0" u="none" strike="noStrike" kern="1200" spc="0" baseline="0">
+                <a:solidFill>
+                  <a:schemeClr val="tx1">
+                    <a:lumMod val="65000"/>
+                    <a:lumOff val="35000"/>
+                  </a:schemeClr>
+                </a:solidFill>
+                <a:latin typeface="+mn-lt"/>
+                <a:ea typeface="+mn-ea"/>
+                <a:cs typeface="+mn-cs"/>
+              </a:defRPr>
+            </a:pPr>
+            <a:r>
+              <a:rPr lang="zh-CN" altLang="en-US" dirty="0" smtClean="0"/>
+              <a:t>算法准确率</a:t>
+            </a:r>
+            <a:endParaRPr lang="zh-CN" altLang="en-US" dirty="0"/>
+          </a:p>
+        </c:rich>
+      </c:tx>
+      <c:overlay val="0"/>
+      <c:spPr>
+        <a:noFill/>
+        <a:ln>
+          <a:noFill/>
+        </a:ln>
+        <a:effectLst/>
+      </c:spPr>
+      <c:txPr>
+        <a:bodyPr rot="0" spcFirstLastPara="1" vertOverflow="ellipsis" vert="horz" wrap="square" anchor="ctr" anchorCtr="1"/>
+        <a:lstStyle/>
+        <a:p>
+          <a:pPr>
+            <a:defRPr sz="1400" b="0" i="0" u="none" strike="noStrike" kern="1200" spc="0" baseline="0">
+              <a:solidFill>
+                <a:schemeClr val="tx1">
+                  <a:lumMod val="65000"/>
+                  <a:lumOff val="35000"/>
+                </a:schemeClr>
+              </a:solidFill>
+              <a:latin typeface="+mn-lt"/>
+              <a:ea typeface="+mn-ea"/>
+              <a:cs typeface="+mn-cs"/>
+            </a:defRPr>
+          </a:pPr>
+          <a:endParaRPr lang="zh-CN"/>
+        </a:p>
+      </c:txPr>
+    </c:title>
+    <c:autoTitleDeleted val="0"/>
+    <c:plotArea>
+      <c:layout/>
+      <c:barChart>
+        <c:barDir val="col"/>
+        <c:grouping val="clustered"/>
+        <c:varyColors val="0"/>
+        <c:ser>
+          <c:idx val="0"/>
+          <c:order val="0"/>
+          <c:tx>
+            <c:strRef>
+              <c:f>DD!$A$2</c:f>
+              <c:strCache>
+                <c:ptCount val="1"/>
+                <c:pt idx="0">
+                  <c:v>DD</c:v>
+                </c:pt>
+              </c:strCache>
+            </c:strRef>
+          </c:tx>
+          <c:spPr>
+            <a:solidFill>
+              <a:schemeClr val="accent1"/>
+            </a:solidFill>
+            <a:ln>
+              <a:noFill/>
+            </a:ln>
+            <a:effectLst/>
+          </c:spPr>
+          <c:invertIfNegative val="0"/>
+          <c:cat>
+            <c:numRef>
+              <c:f>DD!$B$1:$G$1</c:f>
+              <c:numCache>
+                <c:formatCode>General</c:formatCode>
+                <c:ptCount val="6"/>
+                <c:pt idx="0">
+                  <c:v>1</c:v>
+                </c:pt>
+                <c:pt idx="1">
+                  <c:v>2</c:v>
+                </c:pt>
+                <c:pt idx="2">
+                  <c:v>4</c:v>
+                </c:pt>
+                <c:pt idx="3">
+                  <c:v>6</c:v>
+                </c:pt>
+                <c:pt idx="4">
+                  <c:v>8</c:v>
+                </c:pt>
+                <c:pt idx="5">
+                  <c:v>10</c:v>
+                </c:pt>
+              </c:numCache>
+            </c:numRef>
+          </c:cat>
+          <c:val>
+            <c:numRef>
+              <c:f>DD!$B$2:$G$2</c:f>
+              <c:numCache>
+                <c:formatCode>0%</c:formatCode>
+                <c:ptCount val="6"/>
+                <c:pt idx="0">
+                  <c:v>1</c:v>
+                </c:pt>
+                <c:pt idx="1">
+                  <c:v>1</c:v>
+                </c:pt>
+                <c:pt idx="2">
+                  <c:v>1</c:v>
+                </c:pt>
+                <c:pt idx="3">
+                  <c:v>1</c:v>
+                </c:pt>
+                <c:pt idx="4">
+                  <c:v>1</c:v>
+                </c:pt>
+                <c:pt idx="5" formatCode="0.00%">
+                  <c:v>1</c:v>
+                </c:pt>
+              </c:numCache>
+            </c:numRef>
+          </c:val>
+          <c:extLst>
+            <c:ext xmlns:c16="http://schemas.microsoft.com/office/drawing/2014/chart" uri="{C3380CC4-5D6E-409C-BE32-E72D297353CC}">
+              <c16:uniqueId val="{00000000-8948-49BB-8CA1-841E0EFDC753}"/>
+            </c:ext>
+          </c:extLst>
+        </c:ser>
+        <c:ser>
+          <c:idx val="1"/>
+          <c:order val="1"/>
+          <c:tx>
+            <c:strRef>
+              <c:f>DD!$A$3</c:f>
+              <c:strCache>
+                <c:ptCount val="1"/>
+                <c:pt idx="0">
+                  <c:v>TC</c:v>
+                </c:pt>
+              </c:strCache>
+            </c:strRef>
+          </c:tx>
+          <c:spPr>
+            <a:solidFill>
+              <a:schemeClr val="accent2"/>
+            </a:solidFill>
+            <a:ln>
+              <a:noFill/>
+            </a:ln>
+            <a:effectLst/>
+          </c:spPr>
+          <c:invertIfNegative val="0"/>
+          <c:cat>
+            <c:numRef>
+              <c:f>DD!$B$1:$G$1</c:f>
+              <c:numCache>
+                <c:formatCode>General</c:formatCode>
+                <c:ptCount val="6"/>
+                <c:pt idx="0">
+                  <c:v>1</c:v>
+                </c:pt>
+                <c:pt idx="1">
+                  <c:v>2</c:v>
+                </c:pt>
+                <c:pt idx="2">
+                  <c:v>4</c:v>
+                </c:pt>
+                <c:pt idx="3">
+                  <c:v>6</c:v>
+                </c:pt>
+                <c:pt idx="4">
+                  <c:v>8</c:v>
+                </c:pt>
+                <c:pt idx="5">
+                  <c:v>10</c:v>
+                </c:pt>
+              </c:numCache>
+            </c:numRef>
+          </c:cat>
+          <c:val>
+            <c:numRef>
+              <c:f>DD!$B$3:$G$3</c:f>
+              <c:numCache>
+                <c:formatCode>0%</c:formatCode>
+                <c:ptCount val="6"/>
+                <c:pt idx="0">
+                  <c:v>1</c:v>
+                </c:pt>
+                <c:pt idx="1">
+                  <c:v>1</c:v>
+                </c:pt>
+                <c:pt idx="2">
+                  <c:v>1</c:v>
+                </c:pt>
+                <c:pt idx="3">
+                  <c:v>1</c:v>
+                </c:pt>
+                <c:pt idx="4">
+                  <c:v>1</c:v>
+                </c:pt>
+                <c:pt idx="5">
+                  <c:v>1</c:v>
+                </c:pt>
+              </c:numCache>
+            </c:numRef>
+          </c:val>
+          <c:extLst>
+            <c:ext xmlns:c16="http://schemas.microsoft.com/office/drawing/2014/chart" uri="{C3380CC4-5D6E-409C-BE32-E72D297353CC}">
+              <c16:uniqueId val="{00000001-8948-49BB-8CA1-841E0EFDC753}"/>
+            </c:ext>
+          </c:extLst>
+        </c:ser>
+        <c:ser>
+          <c:idx val="2"/>
+          <c:order val="2"/>
+          <c:tx>
+            <c:strRef>
+              <c:f>DD!$A$4</c:f>
+              <c:strCache>
+                <c:ptCount val="1"/>
+                <c:pt idx="0">
+                  <c:v>SSSP</c:v>
+                </c:pt>
+              </c:strCache>
+            </c:strRef>
+          </c:tx>
+          <c:spPr>
+            <a:solidFill>
+              <a:schemeClr val="accent3"/>
+            </a:solidFill>
+            <a:ln>
+              <a:noFill/>
+            </a:ln>
+            <a:effectLst/>
+          </c:spPr>
+          <c:invertIfNegative val="0"/>
+          <c:cat>
+            <c:numRef>
+              <c:f>DD!$B$1:$G$1</c:f>
+              <c:numCache>
+                <c:formatCode>General</c:formatCode>
+                <c:ptCount val="6"/>
+                <c:pt idx="0">
+                  <c:v>1</c:v>
+                </c:pt>
+                <c:pt idx="1">
+                  <c:v>2</c:v>
+                </c:pt>
+                <c:pt idx="2">
+                  <c:v>4</c:v>
+                </c:pt>
+                <c:pt idx="3">
+                  <c:v>6</c:v>
+                </c:pt>
+                <c:pt idx="4">
+                  <c:v>8</c:v>
+                </c:pt>
+                <c:pt idx="5">
+                  <c:v>10</c:v>
+                </c:pt>
+              </c:numCache>
+            </c:numRef>
+          </c:cat>
+          <c:val>
+            <c:numRef>
+              <c:f>DD!$B$4:$G$4</c:f>
+              <c:numCache>
+                <c:formatCode>0%</c:formatCode>
+                <c:ptCount val="6"/>
+                <c:pt idx="0">
+                  <c:v>1</c:v>
+                </c:pt>
+                <c:pt idx="1">
+                  <c:v>1</c:v>
+                </c:pt>
+                <c:pt idx="2">
+                  <c:v>1</c:v>
+                </c:pt>
+                <c:pt idx="3">
+                  <c:v>1</c:v>
+                </c:pt>
+                <c:pt idx="4">
+                  <c:v>1</c:v>
+                </c:pt>
+                <c:pt idx="5">
+                  <c:v>1</c:v>
+                </c:pt>
+              </c:numCache>
+            </c:numRef>
+          </c:val>
+          <c:extLst>
+            <c:ext xmlns:c16="http://schemas.microsoft.com/office/drawing/2014/chart" uri="{C3380CC4-5D6E-409C-BE32-E72D297353CC}">
+              <c16:uniqueId val="{00000002-8948-49BB-8CA1-841E0EFDC753}"/>
+            </c:ext>
+          </c:extLst>
+        </c:ser>
+        <c:dLbls>
+          <c:showLegendKey val="0"/>
+          <c:showVal val="0"/>
+          <c:showCatName val="0"/>
+          <c:showSerName val="0"/>
+          <c:showPercent val="0"/>
+          <c:showBubbleSize val="0"/>
+        </c:dLbls>
+        <c:gapWidth val="219"/>
+        <c:overlap val="-27"/>
+        <c:axId val="390218640"/>
+        <c:axId val="390215312"/>
+      </c:barChart>
+      <c:catAx>
+        <c:axId val="390218640"/>
+        <c:scaling>
+          <c:orientation val="minMax"/>
+        </c:scaling>
+        <c:delete val="0"/>
+        <c:axPos val="b"/>
+        <c:numFmt formatCode="General" sourceLinked="1"/>
+        <c:majorTickMark val="none"/>
+        <c:minorTickMark val="none"/>
+        <c:tickLblPos val="nextTo"/>
+        <c:spPr>
+          <a:noFill/>
+          <a:ln w="9525" cap="flat" cmpd="sng" algn="ctr">
+            <a:solidFill>
+              <a:schemeClr val="tx1">
+                <a:lumMod val="15000"/>
+                <a:lumOff val="85000"/>
+              </a:schemeClr>
+            </a:solidFill>
+            <a:round/>
+          </a:ln>
+          <a:effectLst/>
+        </c:spPr>
+        <c:txPr>
+          <a:bodyPr rot="-60000000" spcFirstLastPara="1" vertOverflow="ellipsis" vert="horz" wrap="square" anchor="ctr" anchorCtr="1"/>
+          <a:lstStyle/>
+          <a:p>
+            <a:pPr>
+              <a:defRPr sz="900" b="0" i="0" u="none" strike="noStrike" kern="1200" baseline="0">
+                <a:solidFill>
+                  <a:schemeClr val="tx1">
+                    <a:lumMod val="65000"/>
+                    <a:lumOff val="35000"/>
+                  </a:schemeClr>
+                </a:solidFill>
+                <a:latin typeface="+mn-lt"/>
+                <a:ea typeface="+mn-ea"/>
+                <a:cs typeface="+mn-cs"/>
+              </a:defRPr>
+            </a:pPr>
+            <a:endParaRPr lang="zh-CN"/>
+          </a:p>
+        </c:txPr>
+        <c:crossAx val="390215312"/>
+        <c:crosses val="autoZero"/>
+        <c:auto val="1"/>
+        <c:lblAlgn val="ctr"/>
+        <c:lblOffset val="100"/>
+        <c:noMultiLvlLbl val="0"/>
+      </c:catAx>
+      <c:valAx>
+        <c:axId val="390215312"/>
+        <c:scaling>
+          <c:orientation val="minMax"/>
+          <c:max val="1"/>
+          <c:min val="0.9"/>
+        </c:scaling>
+        <c:delete val="0"/>
+        <c:axPos val="l"/>
+        <c:majorGridlines>
+          <c:spPr>
+            <a:ln w="9525" cap="flat" cmpd="sng" algn="ctr">
+              <a:solidFill>
+                <a:schemeClr val="tx1">
+                  <a:lumMod val="15000"/>
+                  <a:lumOff val="85000"/>
+                </a:schemeClr>
+              </a:solidFill>
+              <a:round/>
+            </a:ln>
+            <a:effectLst/>
+          </c:spPr>
+        </c:majorGridlines>
+        <c:numFmt formatCode="0%" sourceLinked="1"/>
+        <c:majorTickMark val="none"/>
+        <c:minorTickMark val="none"/>
+        <c:tickLblPos val="nextTo"/>
+        <c:spPr>
+          <a:noFill/>
+          <a:ln>
+            <a:noFill/>
+          </a:ln>
+          <a:effectLst/>
+        </c:spPr>
+        <c:txPr>
+          <a:bodyPr rot="-60000000" spcFirstLastPara="1" vertOverflow="ellipsis" vert="horz" wrap="square" anchor="ctr" anchorCtr="1"/>
+          <a:lstStyle/>
+          <a:p>
+            <a:pPr>
+              <a:defRPr sz="900" b="0" i="0" u="none" strike="noStrike" kern="1200" baseline="0">
+                <a:solidFill>
+                  <a:schemeClr val="tx1">
+                    <a:lumMod val="65000"/>
+                    <a:lumOff val="35000"/>
+                  </a:schemeClr>
+                </a:solidFill>
+                <a:latin typeface="+mn-lt"/>
+                <a:ea typeface="+mn-ea"/>
+                <a:cs typeface="+mn-cs"/>
+              </a:defRPr>
+            </a:pPr>
+            <a:endParaRPr lang="zh-CN"/>
+          </a:p>
+        </c:txPr>
+        <c:crossAx val="390218640"/>
+        <c:crosses val="autoZero"/>
+        <c:crossBetween val="between"/>
+      </c:valAx>
+      <c:spPr>
+        <a:noFill/>
+        <a:ln>
+          <a:noFill/>
+        </a:ln>
+        <a:effectLst/>
+      </c:spPr>
+    </c:plotArea>
+    <c:legend>
+      <c:legendPos val="b"/>
+      <c:overlay val="0"/>
+      <c:spPr>
+        <a:noFill/>
+        <a:ln>
+          <a:noFill/>
+        </a:ln>
+        <a:effectLst/>
+      </c:spPr>
+      <c:txPr>
+        <a:bodyPr rot="0" spcFirstLastPara="1" vertOverflow="ellipsis" vert="horz" wrap="square" anchor="ctr" anchorCtr="1"/>
+        <a:lstStyle/>
+        <a:p>
+          <a:pPr>
+            <a:defRPr sz="900" b="0" i="0" u="none" strike="noStrike" kern="1200" baseline="0">
+              <a:solidFill>
+                <a:schemeClr val="tx1">
+                  <a:lumMod val="65000"/>
+                  <a:lumOff val="35000"/>
+                </a:schemeClr>
+              </a:solidFill>
+              <a:latin typeface="+mn-lt"/>
+              <a:ea typeface="+mn-ea"/>
+              <a:cs typeface="+mn-cs"/>
+            </a:defRPr>
+          </a:pPr>
+          <a:endParaRPr lang="zh-CN"/>
+        </a:p>
+      </c:txPr>
+    </c:legend>
+    <c:plotVisOnly val="1"/>
+    <c:dispBlanksAs val="gap"/>
+    <c:showDLblsOverMax val="0"/>
+  </c:chart>
+  <c:spPr>
+    <a:noFill/>
+    <a:ln>
+      <a:noFill/>
+    </a:ln>
+    <a:effectLst/>
+  </c:spPr>
+  <c:txPr>
+    <a:bodyPr/>
+    <a:lstStyle/>
+    <a:p>
+      <a:pPr>
+        <a:defRPr/>
+      </a:pPr>
+      <a:endParaRPr lang="zh-CN"/>
+    </a:p>
+  </c:txPr>
+  <c:externalData r:id="rId3">
+    <c:autoUpdate val="0"/>
+  </c:externalData>
+</c:chartSpace>
+</file>
+
 <file path=ppt/charts/chart2.xml><?xml version="1.0" encoding="utf-8"?>
 <c:chartSpace xmlns:c="http://schemas.openxmlformats.org/drawingml/2006/chart" xmlns:a="http://schemas.openxmlformats.org/drawingml/2006/main" xmlns:r="http://schemas.openxmlformats.org/officeDocument/2006/relationships" xmlns:c16r2="http://schemas.microsoft.com/office/drawing/2015/06/chart">
   <c:date1904 val="0"/>
@@ -1095,7 +1960,6 @@
           </a:p>
         </c:rich>
       </c:tx>
-      <c:layout/>
       <c:overlay val="0"/>
       <c:spPr>
         <a:noFill/>
@@ -1509,7 +2373,6 @@
               </a:p>
             </c:rich>
           </c:tx>
-          <c:layout/>
           <c:overlay val="0"/>
           <c:spPr>
             <a:noFill/>
@@ -1630,7 +2493,6 @@
               </a:p>
             </c:rich>
           </c:tx>
-          <c:layout/>
           <c:overlay val="0"/>
           <c:spPr>
             <a:noFill/>
@@ -1782,7 +2644,6 @@
           </a:p>
         </c:rich>
       </c:tx>
-      <c:layout/>
       <c:overlay val="0"/>
       <c:spPr>
         <a:noFill/>
@@ -2040,7 +2901,6 @@
               </a:p>
             </c:rich>
           </c:tx>
-          <c:layout/>
           <c:overlay val="0"/>
           <c:spPr>
             <a:noFill/>
@@ -2161,7 +3021,6 @@
               </a:p>
             </c:rich>
           </c:tx>
-          <c:layout/>
           <c:overlay val="0"/>
           <c:spPr>
             <a:noFill/>
@@ -2305,7 +3164,6 @@
           </a:p>
         </c:rich>
       </c:tx>
-      <c:layout/>
       <c:overlay val="0"/>
       <c:spPr>
         <a:noFill/>
@@ -2514,7 +3372,6 @@
               </a:p>
             </c:rich>
           </c:tx>
-          <c:layout/>
           <c:overlay val="0"/>
           <c:spPr>
             <a:noFill/>
@@ -2635,7 +3492,6 @@
               </a:p>
             </c:rich>
           </c:tx>
-          <c:layout/>
           <c:overlay val="0"/>
           <c:spPr>
             <a:noFill/>
@@ -2779,7 +3635,6 @@
           </a:p>
         </c:rich>
       </c:tx>
-      <c:layout/>
       <c:overlay val="0"/>
       <c:spPr>
         <a:noFill/>
@@ -3026,7 +3881,6 @@
               </a:p>
             </c:rich>
           </c:tx>
-          <c:layout/>
           <c:overlay val="0"/>
           <c:spPr>
             <a:noFill/>
@@ -3147,7 +4001,6 @@
               </a:p>
             </c:rich>
           </c:tx>
-          <c:layout/>
           <c:overlay val="0"/>
           <c:spPr>
             <a:noFill/>
@@ -3299,7 +4152,6 @@
           </a:p>
         </c:rich>
       </c:tx>
-      <c:layout/>
       <c:overlay val="0"/>
       <c:spPr>
         <a:noFill/>
@@ -3659,7 +4511,6 @@
               </a:p>
             </c:rich>
           </c:tx>
-          <c:layout/>
           <c:overlay val="0"/>
           <c:spPr>
             <a:noFill/>
@@ -3780,7 +4631,6 @@
               </a:p>
             </c:rich>
           </c:tx>
-          <c:layout/>
           <c:overlay val="0"/>
           <c:spPr>
             <a:noFill/>
@@ -3924,7 +4774,6 @@
           </a:p>
         </c:rich>
       </c:tx>
-      <c:layout/>
       <c:overlay val="0"/>
       <c:spPr>
         <a:noFill/>
@@ -4177,7 +5026,6 @@
               </a:p>
             </c:rich>
           </c:tx>
-          <c:layout/>
           <c:overlay val="0"/>
           <c:spPr>
             <a:noFill/>
@@ -4298,7 +5146,6 @@
               </a:p>
             </c:rich>
           </c:tx>
-          <c:layout/>
           <c:overlay val="0"/>
           <c:spPr>
             <a:noFill/>
@@ -4442,7 +5289,6 @@
           </a:p>
         </c:rich>
       </c:tx>
-      <c:layout/>
       <c:overlay val="0"/>
       <c:spPr>
         <a:noFill/>
@@ -4687,7 +5533,6 @@
               </a:p>
             </c:rich>
           </c:tx>
-          <c:layout/>
           <c:overlay val="0"/>
           <c:spPr>
             <a:noFill/>
@@ -4808,7 +5653,6 @@
               </a:p>
             </c:rich>
           </c:tx>
-          <c:layout/>
           <c:overlay val="0"/>
           <c:spPr>
             <a:noFill/>
@@ -4960,7 +5804,6 @@
           </a:p>
         </c:rich>
       </c:tx>
-      <c:layout/>
       <c:overlay val="0"/>
       <c:spPr>
         <a:noFill/>
@@ -5374,7 +6217,6 @@
               </a:p>
             </c:rich>
           </c:tx>
-          <c:layout/>
           <c:overlay val="0"/>
           <c:spPr>
             <a:noFill/>
@@ -5495,7 +6337,6 @@
               </a:p>
             </c:rich>
           </c:tx>
-          <c:layout/>
           <c:overlay val="0"/>
           <c:spPr>
             <a:noFill/>
@@ -5636,6 +6477,86 @@
 </file>
 
 <file path=ppt/charts/colors10.xml><?xml version="1.0" encoding="utf-8"?>
+<cs:colorStyle xmlns:cs="http://schemas.microsoft.com/office/drawing/2012/chartStyle" xmlns:a="http://schemas.openxmlformats.org/drawingml/2006/main" meth="cycle" id="10">
+  <a:schemeClr val="accent1"/>
+  <a:schemeClr val="accent2"/>
+  <a:schemeClr val="accent3"/>
+  <a:schemeClr val="accent4"/>
+  <a:schemeClr val="accent5"/>
+  <a:schemeClr val="accent6"/>
+  <cs:variation/>
+  <cs:variation>
+    <a:lumMod val="60000"/>
+  </cs:variation>
+  <cs:variation>
+    <a:lumMod val="80000"/>
+    <a:lumOff val="20000"/>
+  </cs:variation>
+  <cs:variation>
+    <a:lumMod val="80000"/>
+  </cs:variation>
+  <cs:variation>
+    <a:lumMod val="60000"/>
+    <a:lumOff val="40000"/>
+  </cs:variation>
+  <cs:variation>
+    <a:lumMod val="50000"/>
+  </cs:variation>
+  <cs:variation>
+    <a:lumMod val="70000"/>
+    <a:lumOff val="30000"/>
+  </cs:variation>
+  <cs:variation>
+    <a:lumMod val="70000"/>
+  </cs:variation>
+  <cs:variation>
+    <a:lumMod val="50000"/>
+    <a:lumOff val="50000"/>
+  </cs:variation>
+</cs:colorStyle>
+</file>
+
+<file path=ppt/charts/colors11.xml><?xml version="1.0" encoding="utf-8"?>
+<cs:colorStyle xmlns:cs="http://schemas.microsoft.com/office/drawing/2012/chartStyle" xmlns:a="http://schemas.openxmlformats.org/drawingml/2006/main" meth="cycle" id="10">
+  <a:schemeClr val="accent1"/>
+  <a:schemeClr val="accent2"/>
+  <a:schemeClr val="accent3"/>
+  <a:schemeClr val="accent4"/>
+  <a:schemeClr val="accent5"/>
+  <a:schemeClr val="accent6"/>
+  <cs:variation/>
+  <cs:variation>
+    <a:lumMod val="60000"/>
+  </cs:variation>
+  <cs:variation>
+    <a:lumMod val="80000"/>
+    <a:lumOff val="20000"/>
+  </cs:variation>
+  <cs:variation>
+    <a:lumMod val="80000"/>
+  </cs:variation>
+  <cs:variation>
+    <a:lumMod val="60000"/>
+    <a:lumOff val="40000"/>
+  </cs:variation>
+  <cs:variation>
+    <a:lumMod val="50000"/>
+  </cs:variation>
+  <cs:variation>
+    <a:lumMod val="70000"/>
+    <a:lumOff val="30000"/>
+  </cs:variation>
+  <cs:variation>
+    <a:lumMod val="70000"/>
+  </cs:variation>
+  <cs:variation>
+    <a:lumMod val="50000"/>
+    <a:lumOff val="50000"/>
+  </cs:variation>
+</cs:colorStyle>
+</file>
+
+<file path=ppt/charts/colors12.xml><?xml version="1.0" encoding="utf-8"?>
 <cs:colorStyle xmlns:cs="http://schemas.microsoft.com/office/drawing/2012/chartStyle" xmlns:a="http://schemas.openxmlformats.org/drawingml/2006/main" meth="cycle" id="10">
   <a:schemeClr val="accent1"/>
   <a:schemeClr val="accent2"/>
@@ -6499,6 +7420,1012 @@
 </file>
 
 <file path=ppt/charts/style10.xml><?xml version="1.0" encoding="utf-8"?>
+<cs:chartStyle xmlns:cs="http://schemas.microsoft.com/office/drawing/2012/chartStyle" xmlns:a="http://schemas.openxmlformats.org/drawingml/2006/main" id="201">
+  <cs:axisTitle>
+    <cs:lnRef idx="0"/>
+    <cs:fillRef idx="0"/>
+    <cs:effectRef idx="0"/>
+    <cs:fontRef idx="minor">
+      <a:schemeClr val="tx1">
+        <a:lumMod val="65000"/>
+        <a:lumOff val="35000"/>
+      </a:schemeClr>
+    </cs:fontRef>
+    <cs:defRPr sz="1000" kern="1200"/>
+  </cs:axisTitle>
+  <cs:categoryAxis>
+    <cs:lnRef idx="0"/>
+    <cs:fillRef idx="0"/>
+    <cs:effectRef idx="0"/>
+    <cs:fontRef idx="minor">
+      <a:schemeClr val="tx1">
+        <a:lumMod val="65000"/>
+        <a:lumOff val="35000"/>
+      </a:schemeClr>
+    </cs:fontRef>
+    <cs:spPr>
+      <a:ln w="9525" cap="flat" cmpd="sng" algn="ctr">
+        <a:solidFill>
+          <a:schemeClr val="tx1">
+            <a:lumMod val="15000"/>
+            <a:lumOff val="85000"/>
+          </a:schemeClr>
+        </a:solidFill>
+        <a:round/>
+      </a:ln>
+    </cs:spPr>
+    <cs:defRPr sz="900" kern="1200"/>
+  </cs:categoryAxis>
+  <cs:chartArea mods="allowNoFillOverride allowNoLineOverride">
+    <cs:lnRef idx="0"/>
+    <cs:fillRef idx="0"/>
+    <cs:effectRef idx="0"/>
+    <cs:fontRef idx="minor">
+      <a:schemeClr val="tx1"/>
+    </cs:fontRef>
+    <cs:spPr>
+      <a:solidFill>
+        <a:schemeClr val="bg1"/>
+      </a:solidFill>
+      <a:ln w="9525" cap="flat" cmpd="sng" algn="ctr">
+        <a:solidFill>
+          <a:schemeClr val="tx1">
+            <a:lumMod val="15000"/>
+            <a:lumOff val="85000"/>
+          </a:schemeClr>
+        </a:solidFill>
+        <a:round/>
+      </a:ln>
+    </cs:spPr>
+    <cs:defRPr sz="1000" kern="1200"/>
+  </cs:chartArea>
+  <cs:dataLabel>
+    <cs:lnRef idx="0"/>
+    <cs:fillRef idx="0"/>
+    <cs:effectRef idx="0"/>
+    <cs:fontRef idx="minor">
+      <a:schemeClr val="tx1">
+        <a:lumMod val="75000"/>
+        <a:lumOff val="25000"/>
+      </a:schemeClr>
+    </cs:fontRef>
+    <cs:defRPr sz="900" kern="1200"/>
+  </cs:dataLabel>
+  <cs:dataLabelCallout>
+    <cs:lnRef idx="0"/>
+    <cs:fillRef idx="0"/>
+    <cs:effectRef idx="0"/>
+    <cs:fontRef idx="minor">
+      <a:schemeClr val="dk1">
+        <a:lumMod val="65000"/>
+        <a:lumOff val="35000"/>
+      </a:schemeClr>
+    </cs:fontRef>
+    <cs:spPr>
+      <a:solidFill>
+        <a:schemeClr val="lt1"/>
+      </a:solidFill>
+      <a:ln>
+        <a:solidFill>
+          <a:schemeClr val="dk1">
+            <a:lumMod val="25000"/>
+            <a:lumOff val="75000"/>
+          </a:schemeClr>
+        </a:solidFill>
+      </a:ln>
+    </cs:spPr>
+    <cs:defRPr sz="900" kern="1200"/>
+    <cs:bodyPr rot="0" spcFirstLastPara="1" vertOverflow="clip" horzOverflow="clip" vert="horz" wrap="square" lIns="36576" tIns="18288" rIns="36576" bIns="18288" anchor="ctr" anchorCtr="1">
+      <a:spAutoFit/>
+    </cs:bodyPr>
+  </cs:dataLabelCallout>
+  <cs:dataPoint>
+    <cs:lnRef idx="0"/>
+    <cs:fillRef idx="1">
+      <cs:styleClr val="auto"/>
+    </cs:fillRef>
+    <cs:effectRef idx="0"/>
+    <cs:fontRef idx="minor">
+      <a:schemeClr val="tx1"/>
+    </cs:fontRef>
+  </cs:dataPoint>
+  <cs:dataPoint3D>
+    <cs:lnRef idx="0"/>
+    <cs:fillRef idx="1">
+      <cs:styleClr val="auto"/>
+    </cs:fillRef>
+    <cs:effectRef idx="0"/>
+    <cs:fontRef idx="minor">
+      <a:schemeClr val="tx1"/>
+    </cs:fontRef>
+  </cs:dataPoint3D>
+  <cs:dataPointLine>
+    <cs:lnRef idx="0">
+      <cs:styleClr val="auto"/>
+    </cs:lnRef>
+    <cs:fillRef idx="1"/>
+    <cs:effectRef idx="0"/>
+    <cs:fontRef idx="minor">
+      <a:schemeClr val="tx1"/>
+    </cs:fontRef>
+    <cs:spPr>
+      <a:ln w="28575" cap="rnd">
+        <a:solidFill>
+          <a:schemeClr val="phClr"/>
+        </a:solidFill>
+        <a:round/>
+      </a:ln>
+    </cs:spPr>
+  </cs:dataPointLine>
+  <cs:dataPointMarker>
+    <cs:lnRef idx="0">
+      <cs:styleClr val="auto"/>
+    </cs:lnRef>
+    <cs:fillRef idx="1">
+      <cs:styleClr val="auto"/>
+    </cs:fillRef>
+    <cs:effectRef idx="0"/>
+    <cs:fontRef idx="minor">
+      <a:schemeClr val="tx1"/>
+    </cs:fontRef>
+    <cs:spPr>
+      <a:ln w="9525">
+        <a:solidFill>
+          <a:schemeClr val="phClr"/>
+        </a:solidFill>
+      </a:ln>
+    </cs:spPr>
+  </cs:dataPointMarker>
+  <cs:dataPointMarkerLayout symbol="circle" size="5"/>
+  <cs:dataPointWireframe>
+    <cs:lnRef idx="0">
+      <cs:styleClr val="auto"/>
+    </cs:lnRef>
+    <cs:fillRef idx="1"/>
+    <cs:effectRef idx="0"/>
+    <cs:fontRef idx="minor">
+      <a:schemeClr val="tx1"/>
+    </cs:fontRef>
+    <cs:spPr>
+      <a:ln w="9525" cap="rnd">
+        <a:solidFill>
+          <a:schemeClr val="phClr"/>
+        </a:solidFill>
+        <a:round/>
+      </a:ln>
+    </cs:spPr>
+  </cs:dataPointWireframe>
+  <cs:dataTable>
+    <cs:lnRef idx="0"/>
+    <cs:fillRef idx="0"/>
+    <cs:effectRef idx="0"/>
+    <cs:fontRef idx="minor">
+      <a:schemeClr val="tx1">
+        <a:lumMod val="65000"/>
+        <a:lumOff val="35000"/>
+      </a:schemeClr>
+    </cs:fontRef>
+    <cs:spPr>
+      <a:noFill/>
+      <a:ln w="9525" cap="flat" cmpd="sng" algn="ctr">
+        <a:solidFill>
+          <a:schemeClr val="tx1">
+            <a:lumMod val="15000"/>
+            <a:lumOff val="85000"/>
+          </a:schemeClr>
+        </a:solidFill>
+        <a:round/>
+      </a:ln>
+    </cs:spPr>
+    <cs:defRPr sz="900" kern="1200"/>
+  </cs:dataTable>
+  <cs:downBar>
+    <cs:lnRef idx="0"/>
+    <cs:fillRef idx="0"/>
+    <cs:effectRef idx="0"/>
+    <cs:fontRef idx="minor">
+      <a:schemeClr val="dk1"/>
+    </cs:fontRef>
+    <cs:spPr>
+      <a:solidFill>
+        <a:schemeClr val="dk1">
+          <a:lumMod val="65000"/>
+          <a:lumOff val="35000"/>
+        </a:schemeClr>
+      </a:solidFill>
+      <a:ln w="9525">
+        <a:solidFill>
+          <a:schemeClr val="tx1">
+            <a:lumMod val="65000"/>
+            <a:lumOff val="35000"/>
+          </a:schemeClr>
+        </a:solidFill>
+      </a:ln>
+    </cs:spPr>
+  </cs:downBar>
+  <cs:dropLine>
+    <cs:lnRef idx="0"/>
+    <cs:fillRef idx="0"/>
+    <cs:effectRef idx="0"/>
+    <cs:fontRef idx="minor">
+      <a:schemeClr val="tx1"/>
+    </cs:fontRef>
+    <cs:spPr>
+      <a:ln w="9525" cap="flat" cmpd="sng" algn="ctr">
+        <a:solidFill>
+          <a:schemeClr val="tx1">
+            <a:lumMod val="35000"/>
+            <a:lumOff val="65000"/>
+          </a:schemeClr>
+        </a:solidFill>
+        <a:round/>
+      </a:ln>
+    </cs:spPr>
+  </cs:dropLine>
+  <cs:errorBar>
+    <cs:lnRef idx="0"/>
+    <cs:fillRef idx="0"/>
+    <cs:effectRef idx="0"/>
+    <cs:fontRef idx="minor">
+      <a:schemeClr val="tx1"/>
+    </cs:fontRef>
+    <cs:spPr>
+      <a:ln w="9525" cap="flat" cmpd="sng" algn="ctr">
+        <a:solidFill>
+          <a:schemeClr val="tx1">
+            <a:lumMod val="65000"/>
+            <a:lumOff val="35000"/>
+          </a:schemeClr>
+        </a:solidFill>
+        <a:round/>
+      </a:ln>
+    </cs:spPr>
+  </cs:errorBar>
+  <cs:floor>
+    <cs:lnRef idx="0"/>
+    <cs:fillRef idx="0"/>
+    <cs:effectRef idx="0"/>
+    <cs:fontRef idx="minor">
+      <a:schemeClr val="tx1"/>
+    </cs:fontRef>
+    <cs:spPr>
+      <a:noFill/>
+      <a:ln>
+        <a:noFill/>
+      </a:ln>
+    </cs:spPr>
+  </cs:floor>
+  <cs:gridlineMajor>
+    <cs:lnRef idx="0"/>
+    <cs:fillRef idx="0"/>
+    <cs:effectRef idx="0"/>
+    <cs:fontRef idx="minor">
+      <a:schemeClr val="tx1"/>
+    </cs:fontRef>
+    <cs:spPr>
+      <a:ln w="9525" cap="flat" cmpd="sng" algn="ctr">
+        <a:solidFill>
+          <a:schemeClr val="tx1">
+            <a:lumMod val="15000"/>
+            <a:lumOff val="85000"/>
+          </a:schemeClr>
+        </a:solidFill>
+        <a:round/>
+      </a:ln>
+    </cs:spPr>
+  </cs:gridlineMajor>
+  <cs:gridlineMinor>
+    <cs:lnRef idx="0"/>
+    <cs:fillRef idx="0"/>
+    <cs:effectRef idx="0"/>
+    <cs:fontRef idx="minor">
+      <a:schemeClr val="tx1"/>
+    </cs:fontRef>
+    <cs:spPr>
+      <a:ln w="9525" cap="flat" cmpd="sng" algn="ctr">
+        <a:solidFill>
+          <a:schemeClr val="tx1">
+            <a:lumMod val="5000"/>
+            <a:lumOff val="95000"/>
+          </a:schemeClr>
+        </a:solidFill>
+        <a:round/>
+      </a:ln>
+    </cs:spPr>
+  </cs:gridlineMinor>
+  <cs:hiLoLine>
+    <cs:lnRef idx="0"/>
+    <cs:fillRef idx="0"/>
+    <cs:effectRef idx="0"/>
+    <cs:fontRef idx="minor">
+      <a:schemeClr val="tx1"/>
+    </cs:fontRef>
+    <cs:spPr>
+      <a:ln w="9525" cap="flat" cmpd="sng" algn="ctr">
+        <a:solidFill>
+          <a:schemeClr val="tx1">
+            <a:lumMod val="75000"/>
+            <a:lumOff val="25000"/>
+          </a:schemeClr>
+        </a:solidFill>
+        <a:round/>
+      </a:ln>
+    </cs:spPr>
+  </cs:hiLoLine>
+  <cs:leaderLine>
+    <cs:lnRef idx="0"/>
+    <cs:fillRef idx="0"/>
+    <cs:effectRef idx="0"/>
+    <cs:fontRef idx="minor">
+      <a:schemeClr val="tx1"/>
+    </cs:fontRef>
+    <cs:spPr>
+      <a:ln w="9525" cap="flat" cmpd="sng" algn="ctr">
+        <a:solidFill>
+          <a:schemeClr val="tx1">
+            <a:lumMod val="35000"/>
+            <a:lumOff val="65000"/>
+          </a:schemeClr>
+        </a:solidFill>
+        <a:round/>
+      </a:ln>
+    </cs:spPr>
+  </cs:leaderLine>
+  <cs:legend>
+    <cs:lnRef idx="0"/>
+    <cs:fillRef idx="0"/>
+    <cs:effectRef idx="0"/>
+    <cs:fontRef idx="minor">
+      <a:schemeClr val="tx1">
+        <a:lumMod val="65000"/>
+        <a:lumOff val="35000"/>
+      </a:schemeClr>
+    </cs:fontRef>
+    <cs:defRPr sz="900" kern="1200"/>
+  </cs:legend>
+  <cs:plotArea mods="allowNoFillOverride allowNoLineOverride">
+    <cs:lnRef idx="0"/>
+    <cs:fillRef idx="0"/>
+    <cs:effectRef idx="0"/>
+    <cs:fontRef idx="minor">
+      <a:schemeClr val="tx1"/>
+    </cs:fontRef>
+  </cs:plotArea>
+  <cs:plotArea3D mods="allowNoFillOverride allowNoLineOverride">
+    <cs:lnRef idx="0"/>
+    <cs:fillRef idx="0"/>
+    <cs:effectRef idx="0"/>
+    <cs:fontRef idx="minor">
+      <a:schemeClr val="tx1"/>
+    </cs:fontRef>
+  </cs:plotArea3D>
+  <cs:seriesAxis>
+    <cs:lnRef idx="0"/>
+    <cs:fillRef idx="0"/>
+    <cs:effectRef idx="0"/>
+    <cs:fontRef idx="minor">
+      <a:schemeClr val="tx1">
+        <a:lumMod val="65000"/>
+        <a:lumOff val="35000"/>
+      </a:schemeClr>
+    </cs:fontRef>
+    <cs:defRPr sz="900" kern="1200"/>
+  </cs:seriesAxis>
+  <cs:seriesLine>
+    <cs:lnRef idx="0"/>
+    <cs:fillRef idx="0"/>
+    <cs:effectRef idx="0"/>
+    <cs:fontRef idx="minor">
+      <a:schemeClr val="tx1"/>
+    </cs:fontRef>
+    <cs:spPr>
+      <a:ln w="9525" cap="flat" cmpd="sng" algn="ctr">
+        <a:solidFill>
+          <a:schemeClr val="tx1">
+            <a:lumMod val="35000"/>
+            <a:lumOff val="65000"/>
+          </a:schemeClr>
+        </a:solidFill>
+        <a:round/>
+      </a:ln>
+    </cs:spPr>
+  </cs:seriesLine>
+  <cs:title>
+    <cs:lnRef idx="0"/>
+    <cs:fillRef idx="0"/>
+    <cs:effectRef idx="0"/>
+    <cs:fontRef idx="minor">
+      <a:schemeClr val="tx1">
+        <a:lumMod val="65000"/>
+        <a:lumOff val="35000"/>
+      </a:schemeClr>
+    </cs:fontRef>
+    <cs:defRPr sz="1400" b="0" kern="1200" spc="0" baseline="0"/>
+  </cs:title>
+  <cs:trendline>
+    <cs:lnRef idx="0">
+      <cs:styleClr val="auto"/>
+    </cs:lnRef>
+    <cs:fillRef idx="0"/>
+    <cs:effectRef idx="0"/>
+    <cs:fontRef idx="minor">
+      <a:schemeClr val="tx1"/>
+    </cs:fontRef>
+    <cs:spPr>
+      <a:ln w="19050" cap="rnd">
+        <a:solidFill>
+          <a:schemeClr val="phClr"/>
+        </a:solidFill>
+        <a:prstDash val="sysDot"/>
+      </a:ln>
+    </cs:spPr>
+  </cs:trendline>
+  <cs:trendlineLabel>
+    <cs:lnRef idx="0"/>
+    <cs:fillRef idx="0"/>
+    <cs:effectRef idx="0"/>
+    <cs:fontRef idx="minor">
+      <a:schemeClr val="tx1">
+        <a:lumMod val="65000"/>
+        <a:lumOff val="35000"/>
+      </a:schemeClr>
+    </cs:fontRef>
+    <cs:defRPr sz="900" kern="1200"/>
+  </cs:trendlineLabel>
+  <cs:upBar>
+    <cs:lnRef idx="0"/>
+    <cs:fillRef idx="0"/>
+    <cs:effectRef idx="0"/>
+    <cs:fontRef idx="minor">
+      <a:schemeClr val="dk1"/>
+    </cs:fontRef>
+    <cs:spPr>
+      <a:solidFill>
+        <a:schemeClr val="lt1"/>
+      </a:solidFill>
+      <a:ln w="9525">
+        <a:solidFill>
+          <a:schemeClr val="tx1">
+            <a:lumMod val="15000"/>
+            <a:lumOff val="85000"/>
+          </a:schemeClr>
+        </a:solidFill>
+      </a:ln>
+    </cs:spPr>
+  </cs:upBar>
+  <cs:valueAxis>
+    <cs:lnRef idx="0"/>
+    <cs:fillRef idx="0"/>
+    <cs:effectRef idx="0"/>
+    <cs:fontRef idx="minor">
+      <a:schemeClr val="tx1">
+        <a:lumMod val="65000"/>
+        <a:lumOff val="35000"/>
+      </a:schemeClr>
+    </cs:fontRef>
+    <cs:defRPr sz="900" kern="1200"/>
+  </cs:valueAxis>
+  <cs:wall>
+    <cs:lnRef idx="0"/>
+    <cs:fillRef idx="0"/>
+    <cs:effectRef idx="0"/>
+    <cs:fontRef idx="minor">
+      <a:schemeClr val="tx1"/>
+    </cs:fontRef>
+    <cs:spPr>
+      <a:noFill/>
+      <a:ln>
+        <a:noFill/>
+      </a:ln>
+    </cs:spPr>
+  </cs:wall>
+</cs:chartStyle>
+</file>
+
+<file path=ppt/charts/style11.xml><?xml version="1.0" encoding="utf-8"?>
+<cs:chartStyle xmlns:cs="http://schemas.microsoft.com/office/drawing/2012/chartStyle" xmlns:a="http://schemas.openxmlformats.org/drawingml/2006/main" id="201">
+  <cs:axisTitle>
+    <cs:lnRef idx="0"/>
+    <cs:fillRef idx="0"/>
+    <cs:effectRef idx="0"/>
+    <cs:fontRef idx="minor">
+      <a:schemeClr val="tx1">
+        <a:lumMod val="65000"/>
+        <a:lumOff val="35000"/>
+      </a:schemeClr>
+    </cs:fontRef>
+    <cs:defRPr sz="1000" kern="1200"/>
+  </cs:axisTitle>
+  <cs:categoryAxis>
+    <cs:lnRef idx="0"/>
+    <cs:fillRef idx="0"/>
+    <cs:effectRef idx="0"/>
+    <cs:fontRef idx="minor">
+      <a:schemeClr val="tx1">
+        <a:lumMod val="65000"/>
+        <a:lumOff val="35000"/>
+      </a:schemeClr>
+    </cs:fontRef>
+    <cs:spPr>
+      <a:ln w="9525" cap="flat" cmpd="sng" algn="ctr">
+        <a:solidFill>
+          <a:schemeClr val="tx1">
+            <a:lumMod val="15000"/>
+            <a:lumOff val="85000"/>
+          </a:schemeClr>
+        </a:solidFill>
+        <a:round/>
+      </a:ln>
+    </cs:spPr>
+    <cs:defRPr sz="900" kern="1200"/>
+  </cs:categoryAxis>
+  <cs:chartArea mods="allowNoFillOverride allowNoLineOverride">
+    <cs:lnRef idx="0"/>
+    <cs:fillRef idx="0"/>
+    <cs:effectRef idx="0"/>
+    <cs:fontRef idx="minor">
+      <a:schemeClr val="tx1"/>
+    </cs:fontRef>
+    <cs:spPr>
+      <a:solidFill>
+        <a:schemeClr val="bg1"/>
+      </a:solidFill>
+      <a:ln w="9525" cap="flat" cmpd="sng" algn="ctr">
+        <a:solidFill>
+          <a:schemeClr val="tx1">
+            <a:lumMod val="15000"/>
+            <a:lumOff val="85000"/>
+          </a:schemeClr>
+        </a:solidFill>
+        <a:round/>
+      </a:ln>
+    </cs:spPr>
+    <cs:defRPr sz="1000" kern="1200"/>
+  </cs:chartArea>
+  <cs:dataLabel>
+    <cs:lnRef idx="0"/>
+    <cs:fillRef idx="0"/>
+    <cs:effectRef idx="0"/>
+    <cs:fontRef idx="minor">
+      <a:schemeClr val="tx1">
+        <a:lumMod val="75000"/>
+        <a:lumOff val="25000"/>
+      </a:schemeClr>
+    </cs:fontRef>
+    <cs:defRPr sz="900" kern="1200"/>
+  </cs:dataLabel>
+  <cs:dataLabelCallout>
+    <cs:lnRef idx="0"/>
+    <cs:fillRef idx="0"/>
+    <cs:effectRef idx="0"/>
+    <cs:fontRef idx="minor">
+      <a:schemeClr val="dk1">
+        <a:lumMod val="65000"/>
+        <a:lumOff val="35000"/>
+      </a:schemeClr>
+    </cs:fontRef>
+    <cs:spPr>
+      <a:solidFill>
+        <a:schemeClr val="lt1"/>
+      </a:solidFill>
+      <a:ln>
+        <a:solidFill>
+          <a:schemeClr val="dk1">
+            <a:lumMod val="25000"/>
+            <a:lumOff val="75000"/>
+          </a:schemeClr>
+        </a:solidFill>
+      </a:ln>
+    </cs:spPr>
+    <cs:defRPr sz="900" kern="1200"/>
+    <cs:bodyPr rot="0" spcFirstLastPara="1" vertOverflow="clip" horzOverflow="clip" vert="horz" wrap="square" lIns="36576" tIns="18288" rIns="36576" bIns="18288" anchor="ctr" anchorCtr="1">
+      <a:spAutoFit/>
+    </cs:bodyPr>
+  </cs:dataLabelCallout>
+  <cs:dataPoint>
+    <cs:lnRef idx="0"/>
+    <cs:fillRef idx="1">
+      <cs:styleClr val="auto"/>
+    </cs:fillRef>
+    <cs:effectRef idx="0"/>
+    <cs:fontRef idx="minor">
+      <a:schemeClr val="tx1"/>
+    </cs:fontRef>
+  </cs:dataPoint>
+  <cs:dataPoint3D>
+    <cs:lnRef idx="0"/>
+    <cs:fillRef idx="1">
+      <cs:styleClr val="auto"/>
+    </cs:fillRef>
+    <cs:effectRef idx="0"/>
+    <cs:fontRef idx="minor">
+      <a:schemeClr val="tx1"/>
+    </cs:fontRef>
+  </cs:dataPoint3D>
+  <cs:dataPointLine>
+    <cs:lnRef idx="0">
+      <cs:styleClr val="auto"/>
+    </cs:lnRef>
+    <cs:fillRef idx="1"/>
+    <cs:effectRef idx="0"/>
+    <cs:fontRef idx="minor">
+      <a:schemeClr val="tx1"/>
+    </cs:fontRef>
+    <cs:spPr>
+      <a:ln w="28575" cap="rnd">
+        <a:solidFill>
+          <a:schemeClr val="phClr"/>
+        </a:solidFill>
+        <a:round/>
+      </a:ln>
+    </cs:spPr>
+  </cs:dataPointLine>
+  <cs:dataPointMarker>
+    <cs:lnRef idx="0">
+      <cs:styleClr val="auto"/>
+    </cs:lnRef>
+    <cs:fillRef idx="1">
+      <cs:styleClr val="auto"/>
+    </cs:fillRef>
+    <cs:effectRef idx="0"/>
+    <cs:fontRef idx="minor">
+      <a:schemeClr val="tx1"/>
+    </cs:fontRef>
+    <cs:spPr>
+      <a:ln w="9525">
+        <a:solidFill>
+          <a:schemeClr val="phClr"/>
+        </a:solidFill>
+      </a:ln>
+    </cs:spPr>
+  </cs:dataPointMarker>
+  <cs:dataPointMarkerLayout symbol="circle" size="5"/>
+  <cs:dataPointWireframe>
+    <cs:lnRef idx="0">
+      <cs:styleClr val="auto"/>
+    </cs:lnRef>
+    <cs:fillRef idx="1"/>
+    <cs:effectRef idx="0"/>
+    <cs:fontRef idx="minor">
+      <a:schemeClr val="tx1"/>
+    </cs:fontRef>
+    <cs:spPr>
+      <a:ln w="9525" cap="rnd">
+        <a:solidFill>
+          <a:schemeClr val="phClr"/>
+        </a:solidFill>
+        <a:round/>
+      </a:ln>
+    </cs:spPr>
+  </cs:dataPointWireframe>
+  <cs:dataTable>
+    <cs:lnRef idx="0"/>
+    <cs:fillRef idx="0"/>
+    <cs:effectRef idx="0"/>
+    <cs:fontRef idx="minor">
+      <a:schemeClr val="tx1">
+        <a:lumMod val="65000"/>
+        <a:lumOff val="35000"/>
+      </a:schemeClr>
+    </cs:fontRef>
+    <cs:spPr>
+      <a:noFill/>
+      <a:ln w="9525" cap="flat" cmpd="sng" algn="ctr">
+        <a:solidFill>
+          <a:schemeClr val="tx1">
+            <a:lumMod val="15000"/>
+            <a:lumOff val="85000"/>
+          </a:schemeClr>
+        </a:solidFill>
+        <a:round/>
+      </a:ln>
+    </cs:spPr>
+    <cs:defRPr sz="900" kern="1200"/>
+  </cs:dataTable>
+  <cs:downBar>
+    <cs:lnRef idx="0"/>
+    <cs:fillRef idx="0"/>
+    <cs:effectRef idx="0"/>
+    <cs:fontRef idx="minor">
+      <a:schemeClr val="dk1"/>
+    </cs:fontRef>
+    <cs:spPr>
+      <a:solidFill>
+        <a:schemeClr val="dk1">
+          <a:lumMod val="65000"/>
+          <a:lumOff val="35000"/>
+        </a:schemeClr>
+      </a:solidFill>
+      <a:ln w="9525">
+        <a:solidFill>
+          <a:schemeClr val="tx1">
+            <a:lumMod val="65000"/>
+            <a:lumOff val="35000"/>
+          </a:schemeClr>
+        </a:solidFill>
+      </a:ln>
+    </cs:spPr>
+  </cs:downBar>
+  <cs:dropLine>
+    <cs:lnRef idx="0"/>
+    <cs:fillRef idx="0"/>
+    <cs:effectRef idx="0"/>
+    <cs:fontRef idx="minor">
+      <a:schemeClr val="tx1"/>
+    </cs:fontRef>
+    <cs:spPr>
+      <a:ln w="9525" cap="flat" cmpd="sng" algn="ctr">
+        <a:solidFill>
+          <a:schemeClr val="tx1">
+            <a:lumMod val="35000"/>
+            <a:lumOff val="65000"/>
+          </a:schemeClr>
+        </a:solidFill>
+        <a:round/>
+      </a:ln>
+    </cs:spPr>
+  </cs:dropLine>
+  <cs:errorBar>
+    <cs:lnRef idx="0"/>
+    <cs:fillRef idx="0"/>
+    <cs:effectRef idx="0"/>
+    <cs:fontRef idx="minor">
+      <a:schemeClr val="tx1"/>
+    </cs:fontRef>
+    <cs:spPr>
+      <a:ln w="9525" cap="flat" cmpd="sng" algn="ctr">
+        <a:solidFill>
+          <a:schemeClr val="tx1">
+            <a:lumMod val="65000"/>
+            <a:lumOff val="35000"/>
+          </a:schemeClr>
+        </a:solidFill>
+        <a:round/>
+      </a:ln>
+    </cs:spPr>
+  </cs:errorBar>
+  <cs:floor>
+    <cs:lnRef idx="0"/>
+    <cs:fillRef idx="0"/>
+    <cs:effectRef idx="0"/>
+    <cs:fontRef idx="minor">
+      <a:schemeClr val="tx1"/>
+    </cs:fontRef>
+    <cs:spPr>
+      <a:noFill/>
+      <a:ln>
+        <a:noFill/>
+      </a:ln>
+    </cs:spPr>
+  </cs:floor>
+  <cs:gridlineMajor>
+    <cs:lnRef idx="0"/>
+    <cs:fillRef idx="0"/>
+    <cs:effectRef idx="0"/>
+    <cs:fontRef idx="minor">
+      <a:schemeClr val="tx1"/>
+    </cs:fontRef>
+    <cs:spPr>
+      <a:ln w="9525" cap="flat" cmpd="sng" algn="ctr">
+        <a:solidFill>
+          <a:schemeClr val="tx1">
+            <a:lumMod val="15000"/>
+            <a:lumOff val="85000"/>
+          </a:schemeClr>
+        </a:solidFill>
+        <a:round/>
+      </a:ln>
+    </cs:spPr>
+  </cs:gridlineMajor>
+  <cs:gridlineMinor>
+    <cs:lnRef idx="0"/>
+    <cs:fillRef idx="0"/>
+    <cs:effectRef idx="0"/>
+    <cs:fontRef idx="minor">
+      <a:schemeClr val="tx1"/>
+    </cs:fontRef>
+    <cs:spPr>
+      <a:ln w="9525" cap="flat" cmpd="sng" algn="ctr">
+        <a:solidFill>
+          <a:schemeClr val="tx1">
+            <a:lumMod val="5000"/>
+            <a:lumOff val="95000"/>
+          </a:schemeClr>
+        </a:solidFill>
+        <a:round/>
+      </a:ln>
+    </cs:spPr>
+  </cs:gridlineMinor>
+  <cs:hiLoLine>
+    <cs:lnRef idx="0"/>
+    <cs:fillRef idx="0"/>
+    <cs:effectRef idx="0"/>
+    <cs:fontRef idx="minor">
+      <a:schemeClr val="tx1"/>
+    </cs:fontRef>
+    <cs:spPr>
+      <a:ln w="9525" cap="flat" cmpd="sng" algn="ctr">
+        <a:solidFill>
+          <a:schemeClr val="tx1">
+            <a:lumMod val="75000"/>
+            <a:lumOff val="25000"/>
+          </a:schemeClr>
+        </a:solidFill>
+        <a:round/>
+      </a:ln>
+    </cs:spPr>
+  </cs:hiLoLine>
+  <cs:leaderLine>
+    <cs:lnRef idx="0"/>
+    <cs:fillRef idx="0"/>
+    <cs:effectRef idx="0"/>
+    <cs:fontRef idx="minor">
+      <a:schemeClr val="tx1"/>
+    </cs:fontRef>
+    <cs:spPr>
+      <a:ln w="9525" cap="flat" cmpd="sng" algn="ctr">
+        <a:solidFill>
+          <a:schemeClr val="tx1">
+            <a:lumMod val="35000"/>
+            <a:lumOff val="65000"/>
+          </a:schemeClr>
+        </a:solidFill>
+        <a:round/>
+      </a:ln>
+    </cs:spPr>
+  </cs:leaderLine>
+  <cs:legend>
+    <cs:lnRef idx="0"/>
+    <cs:fillRef idx="0"/>
+    <cs:effectRef idx="0"/>
+    <cs:fontRef idx="minor">
+      <a:schemeClr val="tx1">
+        <a:lumMod val="65000"/>
+        <a:lumOff val="35000"/>
+      </a:schemeClr>
+    </cs:fontRef>
+    <cs:defRPr sz="900" kern="1200"/>
+  </cs:legend>
+  <cs:plotArea mods="allowNoFillOverride allowNoLineOverride">
+    <cs:lnRef idx="0"/>
+    <cs:fillRef idx="0"/>
+    <cs:effectRef idx="0"/>
+    <cs:fontRef idx="minor">
+      <a:schemeClr val="tx1"/>
+    </cs:fontRef>
+  </cs:plotArea>
+  <cs:plotArea3D mods="allowNoFillOverride allowNoLineOverride">
+    <cs:lnRef idx="0"/>
+    <cs:fillRef idx="0"/>
+    <cs:effectRef idx="0"/>
+    <cs:fontRef idx="minor">
+      <a:schemeClr val="tx1"/>
+    </cs:fontRef>
+  </cs:plotArea3D>
+  <cs:seriesAxis>
+    <cs:lnRef idx="0"/>
+    <cs:fillRef idx="0"/>
+    <cs:effectRef idx="0"/>
+    <cs:fontRef idx="minor">
+      <a:schemeClr val="tx1">
+        <a:lumMod val="65000"/>
+        <a:lumOff val="35000"/>
+      </a:schemeClr>
+    </cs:fontRef>
+    <cs:defRPr sz="900" kern="1200"/>
+  </cs:seriesAxis>
+  <cs:seriesLine>
+    <cs:lnRef idx="0"/>
+    <cs:fillRef idx="0"/>
+    <cs:effectRef idx="0"/>
+    <cs:fontRef idx="minor">
+      <a:schemeClr val="tx1"/>
+    </cs:fontRef>
+    <cs:spPr>
+      <a:ln w="9525" cap="flat" cmpd="sng" algn="ctr">
+        <a:solidFill>
+          <a:schemeClr val="tx1">
+            <a:lumMod val="35000"/>
+            <a:lumOff val="65000"/>
+          </a:schemeClr>
+        </a:solidFill>
+        <a:round/>
+      </a:ln>
+    </cs:spPr>
+  </cs:seriesLine>
+  <cs:title>
+    <cs:lnRef idx="0"/>
+    <cs:fillRef idx="0"/>
+    <cs:effectRef idx="0"/>
+    <cs:fontRef idx="minor">
+      <a:schemeClr val="tx1">
+        <a:lumMod val="65000"/>
+        <a:lumOff val="35000"/>
+      </a:schemeClr>
+    </cs:fontRef>
+    <cs:defRPr sz="1400" b="0" kern="1200" spc="0" baseline="0"/>
+  </cs:title>
+  <cs:trendline>
+    <cs:lnRef idx="0">
+      <cs:styleClr val="auto"/>
+    </cs:lnRef>
+    <cs:fillRef idx="0"/>
+    <cs:effectRef idx="0"/>
+    <cs:fontRef idx="minor">
+      <a:schemeClr val="tx1"/>
+    </cs:fontRef>
+    <cs:spPr>
+      <a:ln w="19050" cap="rnd">
+        <a:solidFill>
+          <a:schemeClr val="phClr"/>
+        </a:solidFill>
+        <a:prstDash val="sysDot"/>
+      </a:ln>
+    </cs:spPr>
+  </cs:trendline>
+  <cs:trendlineLabel>
+    <cs:lnRef idx="0"/>
+    <cs:fillRef idx="0"/>
+    <cs:effectRef idx="0"/>
+    <cs:fontRef idx="minor">
+      <a:schemeClr val="tx1">
+        <a:lumMod val="65000"/>
+        <a:lumOff val="35000"/>
+      </a:schemeClr>
+    </cs:fontRef>
+    <cs:defRPr sz="900" kern="1200"/>
+  </cs:trendlineLabel>
+  <cs:upBar>
+    <cs:lnRef idx="0"/>
+    <cs:fillRef idx="0"/>
+    <cs:effectRef idx="0"/>
+    <cs:fontRef idx="minor">
+      <a:schemeClr val="dk1"/>
+    </cs:fontRef>
+    <cs:spPr>
+      <a:solidFill>
+        <a:schemeClr val="lt1"/>
+      </a:solidFill>
+      <a:ln w="9525">
+        <a:solidFill>
+          <a:schemeClr val="tx1">
+            <a:lumMod val="15000"/>
+            <a:lumOff val="85000"/>
+          </a:schemeClr>
+        </a:solidFill>
+      </a:ln>
+    </cs:spPr>
+  </cs:upBar>
+  <cs:valueAxis>
+    <cs:lnRef idx="0"/>
+    <cs:fillRef idx="0"/>
+    <cs:effectRef idx="0"/>
+    <cs:fontRef idx="minor">
+      <a:schemeClr val="tx1">
+        <a:lumMod val="65000"/>
+        <a:lumOff val="35000"/>
+      </a:schemeClr>
+    </cs:fontRef>
+    <cs:defRPr sz="900" kern="1200"/>
+  </cs:valueAxis>
+  <cs:wall>
+    <cs:lnRef idx="0"/>
+    <cs:fillRef idx="0"/>
+    <cs:effectRef idx="0"/>
+    <cs:fontRef idx="minor">
+      <a:schemeClr val="tx1"/>
+    </cs:fontRef>
+    <cs:spPr>
+      <a:noFill/>
+      <a:ln>
+        <a:noFill/>
+      </a:ln>
+    </cs:spPr>
+  </cs:wall>
+</cs:chartStyle>
+</file>
+
+<file path=ppt/charts/style12.xml><?xml version="1.0" encoding="utf-8"?>
 <cs:chartStyle xmlns:cs="http://schemas.microsoft.com/office/drawing/2012/chartStyle" xmlns:a="http://schemas.openxmlformats.org/drawingml/2006/main" id="201">
   <cs:axisTitle>
     <cs:lnRef idx="0"/>
@@ -14238,7 +16165,7 @@
           <a:p>
             <a:fld id="{DF5F9D5D-65C7-4B29-B8F1-C8F19B0B530C}" type="datetimeFigureOut">
               <a:rPr lang="zh-CN" altLang="en-US" smtClean="0"/>
-              <a:t>2017/3/29</a:t>
+              <a:t>2017/3/30</a:t>
             </a:fld>
             <a:endParaRPr lang="zh-CN" altLang="en-US"/>
           </a:p>
@@ -14713,72 +16640,130 @@
               <a:defRPr/>
             </a:pPr>
             <a:r>
-              <a:rPr lang="zh-CN" altLang="en-US" sz="1200" dirty="0" smtClean="0"/>
-              <a:t>在流式图数据的场景下，现有的图计算算法有哪些特征呢？</a:t>
-            </a:r>
-          </a:p>
-          <a:p>
-            <a:r>
               <a:rPr lang="zh-CN" altLang="en-US" dirty="0" smtClean="0"/>
-              <a:t>文字说明</a:t>
+              <a:t>第一步，是对图算法进行特征分析。分析常见的图算法它们在流式场景下的典型特征。</a:t>
             </a:r>
             <a:endParaRPr lang="en-US" altLang="zh-CN" dirty="0" smtClean="0"/>
           </a:p>
           <a:p>
+            <a:r>
+              <a:rPr lang="zh-CN" altLang="en-US" dirty="0" smtClean="0"/>
+              <a:t>在这里我们选择了</a:t>
+            </a:r>
+            <a:r>
+              <a:rPr lang="en-US" altLang="zh-CN" dirty="0" smtClean="0"/>
+              <a:t>DD/TC/SSSP/PR</a:t>
+            </a:r>
+            <a:r>
+              <a:rPr lang="zh-CN" altLang="en-US" dirty="0" smtClean="0"/>
+              <a:t>这四个图算法，是因为这四个图算法是图计算中最为典型最为常见也最为</a:t>
+            </a:r>
+            <a:r>
+              <a:rPr lang="zh-CN" altLang="en-US" smtClean="0"/>
+              <a:t>基础的图算法。</a:t>
+            </a:r>
             <a:endParaRPr lang="en-US" altLang="zh-CN" dirty="0" smtClean="0"/>
           </a:p>
           <a:p>
             <a:r>
+              <a:rPr lang="en-US" altLang="zh-CN" dirty="0" smtClean="0"/>
+              <a:t>Triangle Count</a:t>
+            </a:r>
+            <a:r>
               <a:rPr lang="zh-CN" altLang="en-US" dirty="0" smtClean="0"/>
-              <a:t>图计算模型的特征分析（图的计算特点）</a:t>
-            </a:r>
-            <a:endParaRPr lang="en-US" altLang="zh-CN" dirty="0" smtClean="0"/>
-          </a:p>
-          <a:p>
-            <a:r>
-              <a:rPr lang="zh-CN" altLang="en-US" dirty="0" smtClean="0"/>
-              <a:t>分类阐述</a:t>
-            </a:r>
-            <a:endParaRPr lang="en-US" altLang="zh-CN" dirty="0" smtClean="0"/>
-          </a:p>
-          <a:p>
-            <a:endParaRPr lang="en-US" altLang="zh-CN" dirty="0" smtClean="0"/>
-          </a:p>
-          <a:p>
-            <a:r>
-              <a:rPr lang="zh-CN" altLang="en-US" dirty="0" smtClean="0"/>
-              <a:t>计算范围（局部，全局）：控制计算范围减少计算量：用图展示范围的划定</a:t>
-            </a:r>
-            <a:endParaRPr lang="en-US" altLang="zh-CN" dirty="0" smtClean="0"/>
-          </a:p>
-          <a:p>
-            <a:r>
-              <a:rPr lang="zh-CN" altLang="en-US" dirty="0" smtClean="0"/>
-              <a:t>计算方式（独立，单向传播，迭代传播）：流式状态更新模型</a:t>
-            </a:r>
-            <a:endParaRPr lang="en-US" altLang="zh-CN" dirty="0" smtClean="0"/>
-          </a:p>
-          <a:p>
-            <a:r>
-              <a:rPr lang="zh-CN" altLang="en-US" dirty="0" smtClean="0"/>
-              <a:t>计算顺序（计算结果与计算顺序</a:t>
-            </a:r>
-            <a:r>
-              <a:rPr lang="en-US" altLang="zh-CN" dirty="0" smtClean="0"/>
-              <a:t>(</a:t>
-            </a:r>
-            <a:r>
-              <a:rPr lang="zh-CN" altLang="en-US" dirty="0" smtClean="0"/>
-              <a:t>状态更新顺序</a:t>
-            </a:r>
-            <a:r>
-              <a:rPr lang="en-US" altLang="zh-CN" dirty="0" smtClean="0"/>
-              <a:t>)</a:t>
-            </a:r>
-            <a:r>
-              <a:rPr lang="zh-CN" altLang="en-US" dirty="0" smtClean="0"/>
-              <a:t>无关，相关）：冲突检测与处理</a:t>
-            </a:r>
+              <a:t>算法</a:t>
+            </a:r>
+            <a:r>
+              <a:rPr lang="zh-CN" altLang="zh-CN" sz="1200" kern="1200" dirty="0" smtClean="0">
+                <a:solidFill>
+                  <a:schemeClr val="tx1"/>
+                </a:solidFill>
+                <a:effectLst/>
+                <a:latin typeface="+mn-lt"/>
+                <a:ea typeface="+mn-ea"/>
+                <a:cs typeface="+mn-cs"/>
+              </a:rPr>
+              <a:t>在复杂网络分析、链接标签和推荐等多个领域中都是非常基础重要的度量，也是一些诸如复杂网络、聚集系数等图运算中的基本方法。</a:t>
+            </a:r>
+            <a:endParaRPr lang="en-US" altLang="zh-CN" sz="1200" kern="1200" dirty="0" smtClean="0">
+              <a:solidFill>
+                <a:schemeClr val="tx1"/>
+              </a:solidFill>
+              <a:effectLst/>
+              <a:latin typeface="+mn-lt"/>
+              <a:ea typeface="+mn-ea"/>
+              <a:cs typeface="+mn-cs"/>
+            </a:endParaRPr>
+          </a:p>
+          <a:p>
+            <a:r>
+              <a:rPr lang="en-US" altLang="zh-CN" sz="1200" kern="1200" dirty="0" smtClean="0">
+                <a:solidFill>
+                  <a:schemeClr val="tx1"/>
+                </a:solidFill>
+                <a:effectLst/>
+                <a:latin typeface="+mn-lt"/>
+                <a:ea typeface="+mn-ea"/>
+                <a:cs typeface="+mn-cs"/>
+              </a:rPr>
+              <a:t>PageRank</a:t>
+            </a:r>
+            <a:r>
+              <a:rPr lang="zh-CN" altLang="en-US" sz="1200" kern="1200" dirty="0" smtClean="0">
+                <a:solidFill>
+                  <a:schemeClr val="tx1"/>
+                </a:solidFill>
+                <a:effectLst/>
+                <a:latin typeface="+mn-lt"/>
+                <a:ea typeface="+mn-ea"/>
+                <a:cs typeface="+mn-cs"/>
+              </a:rPr>
+              <a:t>算法是连接分析相关算法的代表，而且相关的衍生算法有很多，比如</a:t>
+            </a:r>
+            <a:r>
+              <a:rPr lang="en-US" altLang="zh-CN" sz="1200" kern="1200" dirty="0" smtClean="0">
+                <a:solidFill>
+                  <a:schemeClr val="tx1"/>
+                </a:solidFill>
+                <a:effectLst/>
+                <a:latin typeface="+mn-lt"/>
+                <a:ea typeface="+mn-ea"/>
+                <a:cs typeface="+mn-cs"/>
+              </a:rPr>
+              <a:t>Trust Rank</a:t>
+            </a:r>
+            <a:r>
+              <a:rPr lang="zh-CN" altLang="en-US" sz="1200" kern="1200" dirty="0" smtClean="0">
+                <a:solidFill>
+                  <a:schemeClr val="tx1"/>
+                </a:solidFill>
+                <a:effectLst/>
+                <a:latin typeface="+mn-lt"/>
+                <a:ea typeface="+mn-ea"/>
+                <a:cs typeface="+mn-cs"/>
+              </a:rPr>
+              <a:t>等。</a:t>
+            </a:r>
+            <a:endParaRPr lang="zh-CN" altLang="en-US" dirty="0" smtClean="0"/>
+          </a:p>
+          <a:p>
+            <a:pPr marL="0" marR="0" lvl="0" indent="0" algn="l" defTabSz="914400" rtl="0" eaLnBrk="1" fontAlgn="auto" latinLnBrk="0" hangingPunct="1">
+              <a:lnSpc>
+                <a:spcPct val="100000"/>
+              </a:lnSpc>
+              <a:spcBef>
+                <a:spcPts val="0"/>
+              </a:spcBef>
+              <a:spcAft>
+                <a:spcPts val="0"/>
+              </a:spcAft>
+              <a:buClrTx/>
+              <a:buSzTx/>
+              <a:buFontTx/>
+              <a:buNone/>
+              <a:tabLst/>
+              <a:defRPr/>
+            </a:pPr>
             <a:endParaRPr lang="zh-CN" altLang="en-US" dirty="0"/>
           </a:p>
         </p:txBody>
@@ -15405,71 +17390,328 @@
               <a:defRPr/>
             </a:pPr>
             <a:r>
-              <a:rPr lang="zh-CN" altLang="en-US" sz="1200" dirty="0" smtClean="0"/>
-              <a:t>在流式图数据的场景下，现有的图计算算法有哪些特征呢？</a:t>
-            </a:r>
-          </a:p>
-          <a:p>
-            <a:r>
               <a:rPr lang="zh-CN" altLang="en-US" dirty="0" smtClean="0"/>
-              <a:t>文字说明</a:t>
+              <a:t>我们从影响范围、计算方法、计算顺序、计算性质和计算次数这</a:t>
+            </a:r>
+            <a:r>
+              <a:rPr lang="en-US" altLang="zh-CN" dirty="0" smtClean="0"/>
+              <a:t>5</a:t>
+            </a:r>
+            <a:r>
+              <a:rPr lang="zh-CN" altLang="en-US" dirty="0" smtClean="0"/>
+              <a:t>个方面对图算法进行归纳总结。</a:t>
             </a:r>
             <a:endParaRPr lang="en-US" altLang="zh-CN" dirty="0" smtClean="0"/>
           </a:p>
           <a:p>
-            <a:endParaRPr lang="en-US" altLang="zh-CN" dirty="0" smtClean="0"/>
-          </a:p>
-          <a:p>
-            <a:r>
-              <a:rPr lang="zh-CN" altLang="en-US" dirty="0" smtClean="0"/>
-              <a:t>图计算模型的特征分析（图的计算特点）</a:t>
-            </a:r>
-            <a:endParaRPr lang="en-US" altLang="zh-CN" dirty="0" smtClean="0"/>
-          </a:p>
-          <a:p>
-            <a:r>
-              <a:rPr lang="zh-CN" altLang="en-US" dirty="0" smtClean="0"/>
-              <a:t>分类阐述</a:t>
-            </a:r>
-            <a:endParaRPr lang="en-US" altLang="zh-CN" dirty="0" smtClean="0"/>
-          </a:p>
-          <a:p>
-            <a:endParaRPr lang="en-US" altLang="zh-CN" dirty="0" smtClean="0"/>
-          </a:p>
-          <a:p>
-            <a:r>
-              <a:rPr lang="zh-CN" altLang="en-US" dirty="0" smtClean="0"/>
-              <a:t>计算范围（局部，全局）：控制计算范围减少计算量：用图展示范围的划定</a:t>
-            </a:r>
-            <a:endParaRPr lang="en-US" altLang="zh-CN" dirty="0" smtClean="0"/>
-          </a:p>
-          <a:p>
-            <a:r>
-              <a:rPr lang="zh-CN" altLang="en-US" dirty="0" smtClean="0"/>
-              <a:t>计算方式（独立，单向传播，迭代传播）：流式状态更新模型</a:t>
-            </a:r>
-            <a:endParaRPr lang="en-US" altLang="zh-CN" dirty="0" smtClean="0"/>
-          </a:p>
-          <a:p>
-            <a:r>
-              <a:rPr lang="zh-CN" altLang="en-US" dirty="0" smtClean="0"/>
-              <a:t>计算顺序（计算结果与计算顺序</a:t>
-            </a:r>
-            <a:r>
-              <a:rPr lang="en-US" altLang="zh-CN" dirty="0" smtClean="0"/>
-              <a:t>(</a:t>
-            </a:r>
-            <a:r>
-              <a:rPr lang="zh-CN" altLang="en-US" dirty="0" smtClean="0"/>
-              <a:t>状态更新顺序</a:t>
-            </a:r>
-            <a:r>
-              <a:rPr lang="en-US" altLang="zh-CN" dirty="0" smtClean="0"/>
-              <a:t>)</a:t>
-            </a:r>
-            <a:r>
-              <a:rPr lang="zh-CN" altLang="en-US" dirty="0" smtClean="0"/>
-              <a:t>无关，相关）：冲突检测与处理</a:t>
+            <a:pPr marL="0" marR="0" lvl="0" indent="0" algn="l" defTabSz="914400" rtl="0" eaLnBrk="1" fontAlgn="auto" latinLnBrk="0" hangingPunct="1">
+              <a:lnSpc>
+                <a:spcPct val="100000"/>
+              </a:lnSpc>
+              <a:spcBef>
+                <a:spcPts val="0"/>
+              </a:spcBef>
+              <a:spcAft>
+                <a:spcPts val="0"/>
+              </a:spcAft>
+              <a:buClrTx/>
+              <a:buSzTx/>
+              <a:buFontTx/>
+              <a:buNone/>
+              <a:tabLst/>
+              <a:defRPr/>
+            </a:pPr>
+            <a:r>
+              <a:rPr lang="zh-CN" altLang="zh-CN" sz="1200" kern="1200" dirty="0" smtClean="0">
+                <a:solidFill>
+                  <a:schemeClr val="tx1"/>
+                </a:solidFill>
+                <a:effectLst/>
+                <a:latin typeface="+mn-lt"/>
+                <a:ea typeface="+mn-ea"/>
+                <a:cs typeface="+mn-cs"/>
+              </a:rPr>
+              <a:t>（</a:t>
+            </a:r>
+            <a:r>
+              <a:rPr lang="en-US" altLang="zh-CN" sz="1200" kern="1200" dirty="0" smtClean="0">
+                <a:solidFill>
+                  <a:schemeClr val="tx1"/>
+                </a:solidFill>
+                <a:effectLst/>
+                <a:latin typeface="+mn-lt"/>
+                <a:ea typeface="+mn-ea"/>
+                <a:cs typeface="+mn-cs"/>
+              </a:rPr>
+              <a:t>1</a:t>
+            </a:r>
+            <a:r>
+              <a:rPr lang="zh-CN" altLang="zh-CN" sz="1200" kern="1200" dirty="0" smtClean="0">
+                <a:solidFill>
+                  <a:schemeClr val="tx1"/>
+                </a:solidFill>
+                <a:effectLst/>
+                <a:latin typeface="+mn-lt"/>
+                <a:ea typeface="+mn-ea"/>
+                <a:cs typeface="+mn-cs"/>
+              </a:rPr>
+              <a:t>）影响范围是指新增加的这条边可能会影响到哪些顶点的状态；</a:t>
+            </a:r>
+            <a:endParaRPr lang="en-US" altLang="zh-CN" sz="1200" kern="1200" dirty="0" smtClean="0">
+              <a:solidFill>
+                <a:schemeClr val="tx1"/>
+              </a:solidFill>
+              <a:effectLst/>
+              <a:latin typeface="+mn-lt"/>
+              <a:ea typeface="+mn-ea"/>
+              <a:cs typeface="+mn-cs"/>
+            </a:endParaRPr>
+          </a:p>
+          <a:p>
+            <a:pPr marL="0" marR="0" lvl="0" indent="0" algn="l" defTabSz="914400" rtl="0" eaLnBrk="1" fontAlgn="auto" latinLnBrk="0" hangingPunct="1">
+              <a:lnSpc>
+                <a:spcPct val="100000"/>
+              </a:lnSpc>
+              <a:spcBef>
+                <a:spcPts val="0"/>
+              </a:spcBef>
+              <a:spcAft>
+                <a:spcPts val="0"/>
+              </a:spcAft>
+              <a:buClrTx/>
+              <a:buSzTx/>
+              <a:buFontTx/>
+              <a:buNone/>
+              <a:tabLst/>
+              <a:defRPr/>
+            </a:pPr>
+            <a:r>
+              <a:rPr lang="zh-CN" altLang="zh-CN" sz="1200" kern="1200" dirty="0" smtClean="0">
+                <a:solidFill>
+                  <a:schemeClr val="tx1"/>
+                </a:solidFill>
+                <a:effectLst/>
+                <a:latin typeface="+mn-lt"/>
+                <a:ea typeface="+mn-ea"/>
+                <a:cs typeface="+mn-cs"/>
+              </a:rPr>
+              <a:t>（</a:t>
+            </a:r>
+            <a:r>
+              <a:rPr lang="en-US" altLang="zh-CN" sz="1200" kern="1200" dirty="0" smtClean="0">
+                <a:solidFill>
+                  <a:schemeClr val="tx1"/>
+                </a:solidFill>
+                <a:effectLst/>
+                <a:latin typeface="+mn-lt"/>
+                <a:ea typeface="+mn-ea"/>
+                <a:cs typeface="+mn-cs"/>
+              </a:rPr>
+              <a:t>2</a:t>
+            </a:r>
+            <a:r>
+              <a:rPr lang="zh-CN" altLang="zh-CN" sz="1200" kern="1200" dirty="0" smtClean="0">
+                <a:solidFill>
+                  <a:schemeClr val="tx1"/>
+                </a:solidFill>
+                <a:effectLst/>
+                <a:latin typeface="+mn-lt"/>
+                <a:ea typeface="+mn-ea"/>
+                <a:cs typeface="+mn-cs"/>
+              </a:rPr>
+              <a:t>）计算方法是指采用何种计算模型来进行计算；</a:t>
+            </a:r>
+            <a:endParaRPr lang="en-US" altLang="zh-CN" sz="1200" kern="1200" dirty="0" smtClean="0">
+              <a:solidFill>
+                <a:schemeClr val="tx1"/>
+              </a:solidFill>
+              <a:effectLst/>
+              <a:latin typeface="+mn-lt"/>
+              <a:ea typeface="+mn-ea"/>
+              <a:cs typeface="+mn-cs"/>
+            </a:endParaRPr>
+          </a:p>
+          <a:p>
+            <a:pPr marL="0" marR="0" lvl="0" indent="0" algn="l" defTabSz="914400" rtl="0" eaLnBrk="1" fontAlgn="auto" latinLnBrk="0" hangingPunct="1">
+              <a:lnSpc>
+                <a:spcPct val="100000"/>
+              </a:lnSpc>
+              <a:spcBef>
+                <a:spcPts val="0"/>
+              </a:spcBef>
+              <a:spcAft>
+                <a:spcPts val="0"/>
+              </a:spcAft>
+              <a:buClrTx/>
+              <a:buSzTx/>
+              <a:buFontTx/>
+              <a:buNone/>
+              <a:tabLst/>
+              <a:defRPr/>
+            </a:pPr>
+            <a:r>
+              <a:rPr lang="zh-CN" altLang="zh-CN" sz="1200" kern="1200" dirty="0" smtClean="0">
+                <a:solidFill>
+                  <a:schemeClr val="tx1"/>
+                </a:solidFill>
+                <a:effectLst/>
+                <a:latin typeface="+mn-lt"/>
+                <a:ea typeface="+mn-ea"/>
+                <a:cs typeface="+mn-cs"/>
+              </a:rPr>
+              <a:t>（</a:t>
+            </a:r>
+            <a:r>
+              <a:rPr lang="en-US" altLang="zh-CN" sz="1200" kern="1200" dirty="0" smtClean="0">
+                <a:solidFill>
+                  <a:schemeClr val="tx1"/>
+                </a:solidFill>
+                <a:effectLst/>
+                <a:latin typeface="+mn-lt"/>
+                <a:ea typeface="+mn-ea"/>
+                <a:cs typeface="+mn-cs"/>
+              </a:rPr>
+              <a:t>3</a:t>
+            </a:r>
+            <a:r>
+              <a:rPr lang="zh-CN" altLang="zh-CN" sz="1200" kern="1200" dirty="0" smtClean="0">
+                <a:solidFill>
+                  <a:schemeClr val="tx1"/>
+                </a:solidFill>
+                <a:effectLst/>
+                <a:latin typeface="+mn-lt"/>
+                <a:ea typeface="+mn-ea"/>
+                <a:cs typeface="+mn-cs"/>
+              </a:rPr>
+              <a:t>）计算顺序是指被影响的顶点谁先参与计算对最终的计算结果是否相关；</a:t>
+            </a:r>
+            <a:endParaRPr lang="en-US" altLang="zh-CN" sz="1200" kern="1200" dirty="0" smtClean="0">
+              <a:solidFill>
+                <a:schemeClr val="tx1"/>
+              </a:solidFill>
+              <a:effectLst/>
+              <a:latin typeface="+mn-lt"/>
+              <a:ea typeface="+mn-ea"/>
+              <a:cs typeface="+mn-cs"/>
+            </a:endParaRPr>
+          </a:p>
+          <a:p>
+            <a:pPr marL="0" marR="0" lvl="0" indent="0" algn="l" defTabSz="914400" rtl="0" eaLnBrk="1" fontAlgn="auto" latinLnBrk="0" hangingPunct="1">
+              <a:lnSpc>
+                <a:spcPct val="100000"/>
+              </a:lnSpc>
+              <a:spcBef>
+                <a:spcPts val="0"/>
+              </a:spcBef>
+              <a:spcAft>
+                <a:spcPts val="0"/>
+              </a:spcAft>
+              <a:buClrTx/>
+              <a:buSzTx/>
+              <a:buFontTx/>
+              <a:buNone/>
+              <a:tabLst/>
+              <a:defRPr/>
+            </a:pPr>
+            <a:r>
+              <a:rPr lang="zh-CN" altLang="zh-CN" sz="1200" kern="1200" dirty="0" smtClean="0">
+                <a:solidFill>
+                  <a:schemeClr val="tx1"/>
+                </a:solidFill>
+                <a:effectLst/>
+                <a:latin typeface="+mn-lt"/>
+                <a:ea typeface="+mn-ea"/>
+                <a:cs typeface="+mn-cs"/>
+              </a:rPr>
+              <a:t>（</a:t>
+            </a:r>
+            <a:r>
+              <a:rPr lang="en-US" altLang="zh-CN" sz="1200" kern="1200" dirty="0" smtClean="0">
+                <a:solidFill>
+                  <a:schemeClr val="tx1"/>
+                </a:solidFill>
+                <a:effectLst/>
+                <a:latin typeface="+mn-lt"/>
+                <a:ea typeface="+mn-ea"/>
+                <a:cs typeface="+mn-cs"/>
+              </a:rPr>
+              <a:t>4</a:t>
+            </a:r>
+            <a:r>
+              <a:rPr lang="zh-CN" altLang="zh-CN" sz="1200" kern="1200" dirty="0" smtClean="0">
+                <a:solidFill>
+                  <a:schemeClr val="tx1"/>
+                </a:solidFill>
+                <a:effectLst/>
+                <a:latin typeface="+mn-lt"/>
+                <a:ea typeface="+mn-ea"/>
+                <a:cs typeface="+mn-cs"/>
+              </a:rPr>
+              <a:t>）计算特性是指被影响的顶点的更新函数满足哪些代数运算的性质；</a:t>
+            </a:r>
+            <a:endParaRPr lang="en-US" altLang="zh-CN" sz="1200" kern="1200" dirty="0" smtClean="0">
+              <a:solidFill>
+                <a:schemeClr val="tx1"/>
+              </a:solidFill>
+              <a:effectLst/>
+              <a:latin typeface="+mn-lt"/>
+              <a:ea typeface="+mn-ea"/>
+              <a:cs typeface="+mn-cs"/>
+            </a:endParaRPr>
+          </a:p>
+          <a:p>
+            <a:pPr marL="0" marR="0" lvl="0" indent="0" algn="l" defTabSz="914400" rtl="0" eaLnBrk="1" fontAlgn="auto" latinLnBrk="0" hangingPunct="1">
+              <a:lnSpc>
+                <a:spcPct val="100000"/>
+              </a:lnSpc>
+              <a:spcBef>
+                <a:spcPts val="0"/>
+              </a:spcBef>
+              <a:spcAft>
+                <a:spcPts val="0"/>
+              </a:spcAft>
+              <a:buClrTx/>
+              <a:buSzTx/>
+              <a:buFontTx/>
+              <a:buNone/>
+              <a:tabLst/>
+              <a:defRPr/>
+            </a:pPr>
+            <a:r>
+              <a:rPr lang="zh-CN" altLang="zh-CN" sz="1200" kern="1200" dirty="0" smtClean="0">
+                <a:solidFill>
+                  <a:schemeClr val="tx1"/>
+                </a:solidFill>
+                <a:effectLst/>
+                <a:latin typeface="+mn-lt"/>
+                <a:ea typeface="+mn-ea"/>
+                <a:cs typeface="+mn-cs"/>
+              </a:rPr>
+              <a:t>（</a:t>
+            </a:r>
+            <a:r>
+              <a:rPr lang="en-US" altLang="zh-CN" sz="1200" kern="1200" dirty="0" smtClean="0">
+                <a:solidFill>
+                  <a:schemeClr val="tx1"/>
+                </a:solidFill>
+                <a:effectLst/>
+                <a:latin typeface="+mn-lt"/>
+                <a:ea typeface="+mn-ea"/>
+                <a:cs typeface="+mn-cs"/>
+              </a:rPr>
+              <a:t>5</a:t>
+            </a:r>
+            <a:r>
+              <a:rPr lang="zh-CN" altLang="zh-CN" sz="1200" kern="1200" dirty="0" smtClean="0">
+                <a:solidFill>
+                  <a:schemeClr val="tx1"/>
+                </a:solidFill>
+                <a:effectLst/>
+                <a:latin typeface="+mn-lt"/>
+                <a:ea typeface="+mn-ea"/>
+                <a:cs typeface="+mn-cs"/>
+              </a:rPr>
+              <a:t>）计算次数是指这种更新函数是否会被多次触发</a:t>
             </a:r>
             <a:endParaRPr lang="zh-CN" altLang="en-US" dirty="0"/>
           </a:p>
@@ -20281,6 +22523,23 @@
           <a:bodyPr/>
           <a:lstStyle/>
           <a:p>
+            <a:pPr marL="0" marR="0" lvl="0" indent="0" algn="l" defTabSz="914400" rtl="0" eaLnBrk="1" fontAlgn="auto" latinLnBrk="0" hangingPunct="1">
+              <a:lnSpc>
+                <a:spcPct val="100000"/>
+              </a:lnSpc>
+              <a:spcBef>
+                <a:spcPts val="0"/>
+              </a:spcBef>
+              <a:spcAft>
+                <a:spcPts val="0"/>
+              </a:spcAft>
+              <a:buClrTx/>
+              <a:buSzTx/>
+              <a:buFontTx/>
+              <a:buNone/>
+              <a:tabLst/>
+              <a:defRPr/>
+            </a:pPr>
             <a:r>
               <a:rPr lang="zh-CN" altLang="zh-CN" sz="1200" kern="1200" dirty="0" smtClean="0">
                 <a:solidFill>
@@ -20291,7 +22550,7 @@
                 <a:ea typeface="+mn-ea"/>
                 <a:cs typeface="+mn-cs"/>
               </a:rPr>
-              <a:t>从十月中旬接收这个项目为止，到现在</a:t>
+              <a:t>由图</a:t>
             </a:r>
             <a:r>
               <a:rPr lang="en-US" altLang="zh-CN" sz="1200" kern="1200" dirty="0" smtClean="0">
@@ -20303,7 +22562,7 @@
                 <a:ea typeface="+mn-ea"/>
                 <a:cs typeface="+mn-cs"/>
               </a:rPr>
-              <a:t>12</a:t>
+              <a:t>6-8</a:t>
             </a:r>
             <a:r>
               <a:rPr lang="zh-CN" altLang="zh-CN" sz="1200" kern="1200" dirty="0" smtClean="0">
@@ -20315,7 +22574,7 @@
                 <a:ea typeface="+mn-ea"/>
                 <a:cs typeface="+mn-cs"/>
               </a:rPr>
-              <a:t>月中下旬，减去中间去成都出差两周时间，在这总共两个多月的时间里，我阅读了大量的论文，</a:t>
+              <a:t>可以看出，这四个算法的更新冲突概率都在</a:t>
             </a:r>
             <a:r>
               <a:rPr lang="en-US" altLang="zh-CN" sz="1200" kern="1200" dirty="0" smtClean="0">
@@ -20327,7 +22586,7 @@
                 <a:ea typeface="+mn-ea"/>
                 <a:cs typeface="+mn-cs"/>
               </a:rPr>
-              <a:t>Flink</a:t>
+              <a:t>3%</a:t>
             </a:r>
             <a:r>
               <a:rPr lang="zh-CN" altLang="zh-CN" sz="1200" kern="1200" dirty="0" smtClean="0">
@@ -20339,7 +22598,7 @@
                 <a:ea typeface="+mn-ea"/>
                 <a:cs typeface="+mn-cs"/>
               </a:rPr>
-              <a:t>的技术文档，</a:t>
+              <a:t>以下，每个算法的更新冲突概率略有不同。整体上来看，</a:t>
             </a:r>
             <a:r>
               <a:rPr lang="en-US" altLang="zh-CN" sz="1200" kern="1200" dirty="0" smtClean="0">
@@ -20351,7 +22610,7 @@
                 <a:ea typeface="+mn-ea"/>
                 <a:cs typeface="+mn-cs"/>
               </a:rPr>
-              <a:t>Flink</a:t>
+              <a:t>PR</a:t>
             </a:r>
             <a:r>
               <a:rPr lang="zh-CN" altLang="zh-CN" sz="1200" kern="1200" dirty="0" smtClean="0">
@@ -20363,7 +22622,7 @@
                 <a:ea typeface="+mn-ea"/>
                 <a:cs typeface="+mn-cs"/>
               </a:rPr>
-              <a:t>的源码和其他相关的开源代码，终于在</a:t>
+              <a:t>算法更新冲突概率最大，这是因为</a:t>
             </a:r>
             <a:r>
               <a:rPr lang="en-US" altLang="zh-CN" sz="1200" kern="1200" dirty="0" smtClean="0">
@@ -20375,7 +22634,7 @@
                 <a:ea typeface="+mn-ea"/>
                 <a:cs typeface="+mn-cs"/>
               </a:rPr>
-              <a:t>12</a:t>
+              <a:t>PR</a:t>
             </a:r>
             <a:r>
               <a:rPr lang="zh-CN" altLang="zh-CN" sz="1200" kern="1200" dirty="0" smtClean="0">
@@ -20387,10 +22646,20 @@
                 <a:ea typeface="+mn-ea"/>
                 <a:cs typeface="+mn-cs"/>
               </a:rPr>
-              <a:t>月份有了实质性的突破。</a:t>
-            </a:r>
-          </a:p>
-          <a:p>
+              <a:t>算法每次更新时，会以新增的边的两个顶点为中心向外传播，可能会影响整个连通子图内的所有顶点，所以更新冲突概率最大；而</a:t>
+            </a:r>
+            <a:r>
+              <a:rPr lang="en-US" altLang="zh-CN" sz="1200" kern="1200" dirty="0" smtClean="0">
+                <a:solidFill>
+                  <a:schemeClr val="tx1"/>
+                </a:solidFill>
+                <a:effectLst/>
+                <a:latin typeface="+mn-lt"/>
+                <a:ea typeface="+mn-ea"/>
+                <a:cs typeface="+mn-cs"/>
+              </a:rPr>
+              <a:t>SSSP</a:t>
+            </a:r>
             <a:r>
               <a:rPr lang="zh-CN" altLang="zh-CN" sz="1200" kern="1200" dirty="0" smtClean="0">
                 <a:solidFill>
@@ -20401,10 +22670,20 @@
                 <a:ea typeface="+mn-ea"/>
                 <a:cs typeface="+mn-cs"/>
               </a:rPr>
-              <a:t>现阶段已经基本完成：</a:t>
-            </a:r>
-          </a:p>
-          <a:p>
+              <a:t>算法是按照以新增边的源顶点为中心，沿着某条路径往外传播，而且有可能传播到某个顶点就结束（当新增的这条边不能使得其它邻接点的</a:t>
+            </a:r>
+            <a:r>
+              <a:rPr lang="en-US" altLang="zh-CN" sz="1200" kern="1200" dirty="0" smtClean="0">
+                <a:solidFill>
+                  <a:schemeClr val="tx1"/>
+                </a:solidFill>
+                <a:effectLst/>
+                <a:latin typeface="+mn-lt"/>
+                <a:ea typeface="+mn-ea"/>
+                <a:cs typeface="+mn-cs"/>
+              </a:rPr>
+              <a:t>SP</a:t>
+            </a:r>
             <a:r>
               <a:rPr lang="zh-CN" altLang="zh-CN" sz="1200" kern="1200" dirty="0" smtClean="0">
                 <a:solidFill>
@@ -20415,7 +22694,7 @@
                 <a:ea typeface="+mn-ea"/>
                 <a:cs typeface="+mn-cs"/>
               </a:rPr>
-              <a:t>（</a:t>
+              <a:t>值减小时传播结束），因此传播的影响范围没有</a:t>
             </a:r>
             <a:r>
               <a:rPr lang="en-US" altLang="zh-CN" sz="1200" kern="1200" dirty="0" smtClean="0">
@@ -20427,7 +22706,7 @@
                 <a:ea typeface="+mn-ea"/>
                 <a:cs typeface="+mn-cs"/>
               </a:rPr>
-              <a:t>1</a:t>
+              <a:t>PR</a:t>
             </a:r>
             <a:r>
               <a:rPr lang="zh-CN" altLang="zh-CN" sz="1200" kern="1200" dirty="0" smtClean="0">
@@ -20439,10 +22718,20 @@
                 <a:ea typeface="+mn-ea"/>
                 <a:cs typeface="+mn-cs"/>
               </a:rPr>
-              <a:t>）本文第一部分：分析对比批处理流图模型和流处理流图模型的优缺点；</a:t>
-            </a:r>
-          </a:p>
-          <a:p>
+              <a:t>算法大，所以更新冲突的概率相比</a:t>
+            </a:r>
+            <a:r>
+              <a:rPr lang="en-US" altLang="zh-CN" sz="1200" kern="1200" dirty="0" smtClean="0">
+                <a:solidFill>
+                  <a:schemeClr val="tx1"/>
+                </a:solidFill>
+                <a:effectLst/>
+                <a:latin typeface="+mn-lt"/>
+                <a:ea typeface="+mn-ea"/>
+                <a:cs typeface="+mn-cs"/>
+              </a:rPr>
+              <a:t>PR</a:t>
+            </a:r>
             <a:r>
               <a:rPr lang="zh-CN" altLang="zh-CN" sz="1200" kern="1200" dirty="0" smtClean="0">
                 <a:solidFill>
@@ -20453,7 +22742,7 @@
                 <a:ea typeface="+mn-ea"/>
                 <a:cs typeface="+mn-cs"/>
               </a:rPr>
-              <a:t>（</a:t>
+              <a:t>算法会小很多，</a:t>
             </a:r>
             <a:r>
               <a:rPr lang="en-US" altLang="zh-CN" sz="1200" kern="1200" dirty="0" smtClean="0">
@@ -20465,7 +22754,7 @@
                 <a:ea typeface="+mn-ea"/>
                 <a:cs typeface="+mn-cs"/>
               </a:rPr>
-              <a:t>2</a:t>
+              <a:t>TC</a:t>
             </a:r>
             <a:r>
               <a:rPr lang="zh-CN" altLang="zh-CN" sz="1200" kern="1200" dirty="0" smtClean="0">
@@ -20477,10 +22766,20 @@
                 <a:ea typeface="+mn-ea"/>
                 <a:cs typeface="+mn-cs"/>
               </a:rPr>
-              <a:t>）本文第二部分：建立面向连续流式图数据的处理模型和框架；</a:t>
-            </a:r>
-          </a:p>
-          <a:p>
+              <a:t>算法只会影响新增边的两个顶点的所有公共邻接点，影响范围更小，更新冲突的概率就更小，至于</a:t>
+            </a:r>
+            <a:r>
+              <a:rPr lang="en-US" altLang="zh-CN" sz="1200" kern="1200" dirty="0" smtClean="0">
+                <a:solidFill>
+                  <a:schemeClr val="tx1"/>
+                </a:solidFill>
+                <a:effectLst/>
+                <a:latin typeface="+mn-lt"/>
+                <a:ea typeface="+mn-ea"/>
+                <a:cs typeface="+mn-cs"/>
+              </a:rPr>
+              <a:t>DD</a:t>
+            </a:r>
             <a:r>
               <a:rPr lang="zh-CN" altLang="zh-CN" sz="1200" kern="1200" dirty="0" smtClean="0">
                 <a:solidFill>
@@ -20491,7 +22790,7 @@
                 <a:ea typeface="+mn-ea"/>
                 <a:cs typeface="+mn-cs"/>
               </a:rPr>
-              <a:t>（</a:t>
+              <a:t>算法，按照影响范围来看应该是最小的，但是由于本实验的人为设计，即将顶点编号相近的边尽量安排在不同的计算节点上，这将导致多个计算节点同时争取更新同一个顶点的状态，所以更新冲突的概率也比较高，如果在自然分发的情况下，因为</a:t>
             </a:r>
             <a:r>
               <a:rPr lang="en-US" altLang="zh-CN" sz="1200" kern="1200" dirty="0" smtClean="0">
@@ -20503,7 +22802,7 @@
                 <a:ea typeface="+mn-ea"/>
                 <a:cs typeface="+mn-cs"/>
               </a:rPr>
-              <a:t>3</a:t>
+              <a:t>DD</a:t>
             </a:r>
             <a:r>
               <a:rPr lang="zh-CN" altLang="zh-CN" sz="1200" kern="1200" dirty="0" smtClean="0">
@@ -20515,184 +22814,11 @@
                 <a:ea typeface="+mn-ea"/>
                 <a:cs typeface="+mn-cs"/>
               </a:rPr>
-              <a:t>）对于第三部分，在该模型上实现图算法，目前只实现了</a:t>
-            </a:r>
-            <a:r>
-              <a:rPr lang="en-US" altLang="zh-CN" sz="1200" kern="1200" dirty="0" smtClean="0">
-                <a:solidFill>
-                  <a:schemeClr val="tx1"/>
-                </a:solidFill>
-                <a:effectLst/>
-                <a:latin typeface="+mn-lt"/>
-                <a:ea typeface="+mn-ea"/>
-                <a:cs typeface="+mn-cs"/>
-              </a:rPr>
-              <a:t>Triangle Count</a:t>
-            </a:r>
-            <a:r>
-              <a:rPr lang="zh-CN" altLang="zh-CN" sz="1200" kern="1200" dirty="0" smtClean="0">
-                <a:solidFill>
-                  <a:schemeClr val="tx1"/>
-                </a:solidFill>
-                <a:effectLst/>
-                <a:latin typeface="+mn-lt"/>
-                <a:ea typeface="+mn-ea"/>
-                <a:cs typeface="+mn-cs"/>
-              </a:rPr>
-              <a:t>算法。</a:t>
-            </a:r>
-          </a:p>
-          <a:p>
-            <a:r>
-              <a:rPr lang="zh-CN" altLang="zh-CN" sz="1200" kern="1200" dirty="0" smtClean="0">
-                <a:solidFill>
-                  <a:schemeClr val="tx1"/>
-                </a:solidFill>
-                <a:effectLst/>
-                <a:latin typeface="+mn-lt"/>
-                <a:ea typeface="+mn-ea"/>
-                <a:cs typeface="+mn-cs"/>
-              </a:rPr>
-              <a:t>接下来的工作重心主要集中在：</a:t>
-            </a:r>
-          </a:p>
-          <a:p>
-            <a:r>
-              <a:rPr lang="zh-CN" altLang="zh-CN" sz="1200" kern="1200" dirty="0" smtClean="0">
-                <a:solidFill>
-                  <a:schemeClr val="tx1"/>
-                </a:solidFill>
-                <a:effectLst/>
-                <a:latin typeface="+mn-lt"/>
-                <a:ea typeface="+mn-ea"/>
-                <a:cs typeface="+mn-cs"/>
-              </a:rPr>
-              <a:t>（</a:t>
-            </a:r>
-            <a:r>
-              <a:rPr lang="en-US" altLang="zh-CN" sz="1200" kern="1200" dirty="0" smtClean="0">
-                <a:solidFill>
-                  <a:schemeClr val="tx1"/>
-                </a:solidFill>
-                <a:effectLst/>
-                <a:latin typeface="+mn-lt"/>
-                <a:ea typeface="+mn-ea"/>
-                <a:cs typeface="+mn-cs"/>
-              </a:rPr>
-              <a:t>1</a:t>
-            </a:r>
-            <a:r>
-              <a:rPr lang="zh-CN" altLang="zh-CN" sz="1200" kern="1200" dirty="0" smtClean="0">
-                <a:solidFill>
-                  <a:schemeClr val="tx1"/>
-                </a:solidFill>
-                <a:effectLst/>
-                <a:latin typeface="+mn-lt"/>
-                <a:ea typeface="+mn-ea"/>
-                <a:cs typeface="+mn-cs"/>
-              </a:rPr>
-              <a:t>）其他几个核心算法</a:t>
-            </a:r>
-            <a:r>
-              <a:rPr lang="en-US" altLang="zh-CN" sz="1200" kern="1200" dirty="0" smtClean="0">
-                <a:solidFill>
-                  <a:schemeClr val="tx1"/>
-                </a:solidFill>
-                <a:effectLst/>
-                <a:latin typeface="+mn-lt"/>
-                <a:ea typeface="+mn-ea"/>
-                <a:cs typeface="+mn-cs"/>
-              </a:rPr>
-              <a:t>-PageRank, Connected Components, K-Cores</a:t>
-            </a:r>
-            <a:r>
-              <a:rPr lang="zh-CN" altLang="zh-CN" sz="1200" kern="1200" dirty="0" smtClean="0">
-                <a:solidFill>
-                  <a:schemeClr val="tx1"/>
-                </a:solidFill>
-                <a:effectLst/>
-                <a:latin typeface="+mn-lt"/>
-                <a:ea typeface="+mn-ea"/>
-                <a:cs typeface="+mn-cs"/>
-              </a:rPr>
-              <a:t>等的实现；</a:t>
-            </a:r>
-          </a:p>
-          <a:p>
-            <a:r>
-              <a:rPr lang="zh-CN" altLang="zh-CN" sz="1200" kern="1200" dirty="0" smtClean="0">
-                <a:solidFill>
-                  <a:schemeClr val="tx1"/>
-                </a:solidFill>
-                <a:effectLst/>
-                <a:latin typeface="+mn-lt"/>
-                <a:ea typeface="+mn-ea"/>
-                <a:cs typeface="+mn-cs"/>
-              </a:rPr>
-              <a:t>（</a:t>
-            </a:r>
-            <a:r>
-              <a:rPr lang="en-US" altLang="zh-CN" sz="1200" kern="1200" dirty="0" smtClean="0">
-                <a:solidFill>
-                  <a:schemeClr val="tx1"/>
-                </a:solidFill>
-                <a:effectLst/>
-                <a:latin typeface="+mn-lt"/>
-                <a:ea typeface="+mn-ea"/>
-                <a:cs typeface="+mn-cs"/>
-              </a:rPr>
-              <a:t>2</a:t>
-            </a:r>
-            <a:r>
-              <a:rPr lang="zh-CN" altLang="zh-CN" sz="1200" kern="1200" dirty="0" smtClean="0">
-                <a:solidFill>
-                  <a:schemeClr val="tx1"/>
-                </a:solidFill>
-                <a:effectLst/>
-                <a:latin typeface="+mn-lt"/>
-                <a:ea typeface="+mn-ea"/>
-                <a:cs typeface="+mn-cs"/>
-              </a:rPr>
-              <a:t>）实现完算法之后，对这些算法和整个系统进行系统的测试，并且根据测试结果进行总结和反思；</a:t>
-            </a:r>
-          </a:p>
-          <a:p>
-            <a:r>
-              <a:rPr lang="zh-CN" altLang="zh-CN" sz="1200" kern="1200" dirty="0" smtClean="0">
-                <a:solidFill>
-                  <a:schemeClr val="tx1"/>
-                </a:solidFill>
-                <a:effectLst/>
-                <a:latin typeface="+mn-lt"/>
-                <a:ea typeface="+mn-ea"/>
-                <a:cs typeface="+mn-cs"/>
-              </a:rPr>
-              <a:t>（</a:t>
-            </a:r>
-            <a:r>
-              <a:rPr lang="en-US" altLang="zh-CN" sz="1200" kern="1200" dirty="0" smtClean="0">
-                <a:solidFill>
-                  <a:schemeClr val="tx1"/>
-                </a:solidFill>
-                <a:effectLst/>
-                <a:latin typeface="+mn-lt"/>
-                <a:ea typeface="+mn-ea"/>
-                <a:cs typeface="+mn-cs"/>
-              </a:rPr>
-              <a:t>3</a:t>
-            </a:r>
-            <a:r>
-              <a:rPr lang="zh-CN" altLang="zh-CN" sz="1200" kern="1200" dirty="0" smtClean="0">
-                <a:solidFill>
-                  <a:schemeClr val="tx1"/>
-                </a:solidFill>
-                <a:effectLst/>
-                <a:latin typeface="+mn-lt"/>
-                <a:ea typeface="+mn-ea"/>
-                <a:cs typeface="+mn-cs"/>
-              </a:rPr>
-              <a:t>）搭建完整系统之后，在该系统之上，构建金融反欺诈应用，利用该应用来验证整个系统的正确性，可靠性，稳定性和实时性。</a:t>
-            </a:r>
+              <a:t>算法的更新只会影响到新增这条边的两个顶点，影响范围最小，所以更新冲突概率是最小的。</a:t>
+            </a:r>
+          </a:p>
+          <a:p>
+            <a:endParaRPr lang="zh-CN" altLang="en-US" dirty="0"/>
           </a:p>
         </p:txBody>
       </p:sp>
@@ -20722,7 +22848,7 @@
     </p:spTree>
     <p:extLst>
       <p:ext uri="{BB962C8B-B14F-4D97-AF65-F5344CB8AC3E}">
-        <p14:creationId xmlns:p14="http://schemas.microsoft.com/office/powerpoint/2010/main" val="1926099446"/>
+        <p14:creationId xmlns:p14="http://schemas.microsoft.com/office/powerpoint/2010/main" val="574041152"/>
       </p:ext>
     </p:extLst>
   </p:cSld>
@@ -20733,113 +22859,6 @@
 </file>
 
 <file path=ppt/notesSlides/notesSlide32.xml><?xml version="1.0" encoding="utf-8"?>
-<p:notes xmlns:a="http://schemas.openxmlformats.org/drawingml/2006/main" xmlns:r="http://schemas.openxmlformats.org/officeDocument/2006/relationships" xmlns:p="http://schemas.openxmlformats.org/presentationml/2006/main">
-  <p:cSld>
-    <p:spTree>
-      <p:nvGrpSpPr>
-        <p:cNvPr id="1" name=""/>
-        <p:cNvGrpSpPr/>
-        <p:nvPr/>
-      </p:nvGrpSpPr>
-      <p:grpSpPr>
-        <a:xfrm>
-          <a:off x="0" y="0"/>
-          <a:ext cx="0" cy="0"/>
-          <a:chOff x="0" y="0"/>
-          <a:chExt cx="0" cy="0"/>
-        </a:xfrm>
-      </p:grpSpPr>
-      <p:sp>
-        <p:nvSpPr>
-          <p:cNvPr id="2" name="幻灯片图像占位符 1"/>
-          <p:cNvSpPr>
-            <a:spLocks noGrp="1" noRot="1" noChangeAspect="1"/>
-          </p:cNvSpPr>
-          <p:nvPr>
-            <p:ph type="sldImg"/>
-          </p:nvPr>
-        </p:nvSpPr>
-        <p:spPr/>
-      </p:sp>
-      <p:sp>
-        <p:nvSpPr>
-          <p:cNvPr id="3" name="备注占位符 2"/>
-          <p:cNvSpPr>
-            <a:spLocks noGrp="1"/>
-          </p:cNvSpPr>
-          <p:nvPr>
-            <p:ph type="body" idx="1"/>
-          </p:nvPr>
-        </p:nvSpPr>
-        <p:spPr/>
-        <p:txBody>
-          <a:bodyPr/>
-          <a:lstStyle/>
-          <a:p>
-            <a:endParaRPr lang="zh-CN" altLang="en-US" dirty="0"/>
-          </a:p>
-        </p:txBody>
-      </p:sp>
-      <p:sp>
-        <p:nvSpPr>
-          <p:cNvPr id="4" name="日期占位符 3"/>
-          <p:cNvSpPr>
-            <a:spLocks noGrp="1"/>
-          </p:cNvSpPr>
-          <p:nvPr>
-            <p:ph type="dt" idx="10"/>
-          </p:nvPr>
-        </p:nvSpPr>
-        <p:spPr/>
-        <p:txBody>
-          <a:bodyPr/>
-          <a:lstStyle/>
-          <a:p>
-            <a:fld id="{BAC876FC-2E35-4016-8A70-33D810966BEA}" type="datetime1">
-              <a:rPr lang="zh-CN" altLang="en-US" smtClean="0"/>
-              <a:t>2017/3/29</a:t>
-            </a:fld>
-            <a:endParaRPr lang="zh-CN" altLang="en-US"/>
-          </a:p>
-        </p:txBody>
-      </p:sp>
-      <p:sp>
-        <p:nvSpPr>
-          <p:cNvPr id="5" name="灯片编号占位符 4"/>
-          <p:cNvSpPr>
-            <a:spLocks noGrp="1"/>
-          </p:cNvSpPr>
-          <p:nvPr>
-            <p:ph type="sldNum" sz="quarter" idx="11"/>
-          </p:nvPr>
-        </p:nvSpPr>
-        <p:spPr/>
-        <p:txBody>
-          <a:bodyPr/>
-          <a:lstStyle/>
-          <a:p>
-            <a:fld id="{D203AB0F-8D4D-414D-9B72-28D3C77562CE}" type="slidenum">
-              <a:rPr lang="zh-CN" altLang="en-US" smtClean="0"/>
-              <a:t>41</a:t>
-            </a:fld>
-            <a:endParaRPr lang="zh-CN" altLang="en-US"/>
-          </a:p>
-        </p:txBody>
-      </p:sp>
-    </p:spTree>
-    <p:extLst>
-      <p:ext uri="{BB962C8B-B14F-4D97-AF65-F5344CB8AC3E}">
-        <p14:creationId xmlns:p14="http://schemas.microsoft.com/office/powerpoint/2010/main" val="690512038"/>
-      </p:ext>
-    </p:extLst>
-  </p:cSld>
-  <p:clrMapOvr>
-    <a:masterClrMapping/>
-  </p:clrMapOvr>
-</p:notes>
-</file>
-
-<file path=ppt/notesSlides/notesSlide33.xml><?xml version="1.0" encoding="utf-8"?>
 <p:notes xmlns:a="http://schemas.openxmlformats.org/drawingml/2006/main" xmlns:r="http://schemas.openxmlformats.org/officeDocument/2006/relationships" xmlns:p="http://schemas.openxmlformats.org/presentationml/2006/main">
   <p:cSld>
     <p:spTree>
@@ -20888,7 +22907,418 @@
           <a:bodyPr/>
           <a:lstStyle/>
           <a:p>
-            <a:endParaRPr lang="zh-CN" altLang="en-US" dirty="0"/>
+            <a:r>
+              <a:rPr lang="zh-CN" altLang="zh-CN" sz="1200" kern="1200" dirty="0" smtClean="0">
+                <a:solidFill>
+                  <a:schemeClr val="tx1"/>
+                </a:solidFill>
+                <a:effectLst/>
+                <a:latin typeface="+mn-lt"/>
+                <a:ea typeface="+mn-ea"/>
+                <a:cs typeface="+mn-cs"/>
+              </a:rPr>
+              <a:t>从十月中旬接收这个项目为止，到现在</a:t>
+            </a:r>
+            <a:r>
+              <a:rPr lang="en-US" altLang="zh-CN" sz="1200" kern="1200" dirty="0" smtClean="0">
+                <a:solidFill>
+                  <a:schemeClr val="tx1"/>
+                </a:solidFill>
+                <a:effectLst/>
+                <a:latin typeface="+mn-lt"/>
+                <a:ea typeface="+mn-ea"/>
+                <a:cs typeface="+mn-cs"/>
+              </a:rPr>
+              <a:t>12</a:t>
+            </a:r>
+            <a:r>
+              <a:rPr lang="zh-CN" altLang="zh-CN" sz="1200" kern="1200" dirty="0" smtClean="0">
+                <a:solidFill>
+                  <a:schemeClr val="tx1"/>
+                </a:solidFill>
+                <a:effectLst/>
+                <a:latin typeface="+mn-lt"/>
+                <a:ea typeface="+mn-ea"/>
+                <a:cs typeface="+mn-cs"/>
+              </a:rPr>
+              <a:t>月中下旬，减去中间去成都出差两周时间，在这总共两个多月的时间里，我阅读了大量的论文，</a:t>
+            </a:r>
+            <a:r>
+              <a:rPr lang="en-US" altLang="zh-CN" sz="1200" kern="1200" dirty="0" smtClean="0">
+                <a:solidFill>
+                  <a:schemeClr val="tx1"/>
+                </a:solidFill>
+                <a:effectLst/>
+                <a:latin typeface="+mn-lt"/>
+                <a:ea typeface="+mn-ea"/>
+                <a:cs typeface="+mn-cs"/>
+              </a:rPr>
+              <a:t>Flink</a:t>
+            </a:r>
+            <a:r>
+              <a:rPr lang="zh-CN" altLang="zh-CN" sz="1200" kern="1200" dirty="0" smtClean="0">
+                <a:solidFill>
+                  <a:schemeClr val="tx1"/>
+                </a:solidFill>
+                <a:effectLst/>
+                <a:latin typeface="+mn-lt"/>
+                <a:ea typeface="+mn-ea"/>
+                <a:cs typeface="+mn-cs"/>
+              </a:rPr>
+              <a:t>的技术文档，</a:t>
+            </a:r>
+            <a:r>
+              <a:rPr lang="en-US" altLang="zh-CN" sz="1200" kern="1200" dirty="0" smtClean="0">
+                <a:solidFill>
+                  <a:schemeClr val="tx1"/>
+                </a:solidFill>
+                <a:effectLst/>
+                <a:latin typeface="+mn-lt"/>
+                <a:ea typeface="+mn-ea"/>
+                <a:cs typeface="+mn-cs"/>
+              </a:rPr>
+              <a:t>Flink</a:t>
+            </a:r>
+            <a:r>
+              <a:rPr lang="zh-CN" altLang="zh-CN" sz="1200" kern="1200" dirty="0" smtClean="0">
+                <a:solidFill>
+                  <a:schemeClr val="tx1"/>
+                </a:solidFill>
+                <a:effectLst/>
+                <a:latin typeface="+mn-lt"/>
+                <a:ea typeface="+mn-ea"/>
+                <a:cs typeface="+mn-cs"/>
+              </a:rPr>
+              <a:t>的源码和其他相关的开源代码，终于在</a:t>
+            </a:r>
+            <a:r>
+              <a:rPr lang="en-US" altLang="zh-CN" sz="1200" kern="1200" dirty="0" smtClean="0">
+                <a:solidFill>
+                  <a:schemeClr val="tx1"/>
+                </a:solidFill>
+                <a:effectLst/>
+                <a:latin typeface="+mn-lt"/>
+                <a:ea typeface="+mn-ea"/>
+                <a:cs typeface="+mn-cs"/>
+              </a:rPr>
+              <a:t>12</a:t>
+            </a:r>
+            <a:r>
+              <a:rPr lang="zh-CN" altLang="zh-CN" sz="1200" kern="1200" dirty="0" smtClean="0">
+                <a:solidFill>
+                  <a:schemeClr val="tx1"/>
+                </a:solidFill>
+                <a:effectLst/>
+                <a:latin typeface="+mn-lt"/>
+                <a:ea typeface="+mn-ea"/>
+                <a:cs typeface="+mn-cs"/>
+              </a:rPr>
+              <a:t>月份有了实质性的突破。</a:t>
+            </a:r>
+          </a:p>
+          <a:p>
+            <a:r>
+              <a:rPr lang="zh-CN" altLang="zh-CN" sz="1200" kern="1200" dirty="0" smtClean="0">
+                <a:solidFill>
+                  <a:schemeClr val="tx1"/>
+                </a:solidFill>
+                <a:effectLst/>
+                <a:latin typeface="+mn-lt"/>
+                <a:ea typeface="+mn-ea"/>
+                <a:cs typeface="+mn-cs"/>
+              </a:rPr>
+              <a:t>现阶段已经基本完成：</a:t>
+            </a:r>
+          </a:p>
+          <a:p>
+            <a:r>
+              <a:rPr lang="zh-CN" altLang="zh-CN" sz="1200" kern="1200" dirty="0" smtClean="0">
+                <a:solidFill>
+                  <a:schemeClr val="tx1"/>
+                </a:solidFill>
+                <a:effectLst/>
+                <a:latin typeface="+mn-lt"/>
+                <a:ea typeface="+mn-ea"/>
+                <a:cs typeface="+mn-cs"/>
+              </a:rPr>
+              <a:t>（</a:t>
+            </a:r>
+            <a:r>
+              <a:rPr lang="en-US" altLang="zh-CN" sz="1200" kern="1200" dirty="0" smtClean="0">
+                <a:solidFill>
+                  <a:schemeClr val="tx1"/>
+                </a:solidFill>
+                <a:effectLst/>
+                <a:latin typeface="+mn-lt"/>
+                <a:ea typeface="+mn-ea"/>
+                <a:cs typeface="+mn-cs"/>
+              </a:rPr>
+              <a:t>1</a:t>
+            </a:r>
+            <a:r>
+              <a:rPr lang="zh-CN" altLang="zh-CN" sz="1200" kern="1200" dirty="0" smtClean="0">
+                <a:solidFill>
+                  <a:schemeClr val="tx1"/>
+                </a:solidFill>
+                <a:effectLst/>
+                <a:latin typeface="+mn-lt"/>
+                <a:ea typeface="+mn-ea"/>
+                <a:cs typeface="+mn-cs"/>
+              </a:rPr>
+              <a:t>）本文第一部分：分析对比批处理流图模型和流处理流图模型的优缺点；</a:t>
+            </a:r>
+          </a:p>
+          <a:p>
+            <a:r>
+              <a:rPr lang="zh-CN" altLang="zh-CN" sz="1200" kern="1200" dirty="0" smtClean="0">
+                <a:solidFill>
+                  <a:schemeClr val="tx1"/>
+                </a:solidFill>
+                <a:effectLst/>
+                <a:latin typeface="+mn-lt"/>
+                <a:ea typeface="+mn-ea"/>
+                <a:cs typeface="+mn-cs"/>
+              </a:rPr>
+              <a:t>（</a:t>
+            </a:r>
+            <a:r>
+              <a:rPr lang="en-US" altLang="zh-CN" sz="1200" kern="1200" dirty="0" smtClean="0">
+                <a:solidFill>
+                  <a:schemeClr val="tx1"/>
+                </a:solidFill>
+                <a:effectLst/>
+                <a:latin typeface="+mn-lt"/>
+                <a:ea typeface="+mn-ea"/>
+                <a:cs typeface="+mn-cs"/>
+              </a:rPr>
+              <a:t>2</a:t>
+            </a:r>
+            <a:r>
+              <a:rPr lang="zh-CN" altLang="zh-CN" sz="1200" kern="1200" dirty="0" smtClean="0">
+                <a:solidFill>
+                  <a:schemeClr val="tx1"/>
+                </a:solidFill>
+                <a:effectLst/>
+                <a:latin typeface="+mn-lt"/>
+                <a:ea typeface="+mn-ea"/>
+                <a:cs typeface="+mn-cs"/>
+              </a:rPr>
+              <a:t>）本文第二部分：建立面向连续流式图数据的处理模型和框架；</a:t>
+            </a:r>
+          </a:p>
+          <a:p>
+            <a:r>
+              <a:rPr lang="zh-CN" altLang="zh-CN" sz="1200" kern="1200" dirty="0" smtClean="0">
+                <a:solidFill>
+                  <a:schemeClr val="tx1"/>
+                </a:solidFill>
+                <a:effectLst/>
+                <a:latin typeface="+mn-lt"/>
+                <a:ea typeface="+mn-ea"/>
+                <a:cs typeface="+mn-cs"/>
+              </a:rPr>
+              <a:t>（</a:t>
+            </a:r>
+            <a:r>
+              <a:rPr lang="en-US" altLang="zh-CN" sz="1200" kern="1200" dirty="0" smtClean="0">
+                <a:solidFill>
+                  <a:schemeClr val="tx1"/>
+                </a:solidFill>
+                <a:effectLst/>
+                <a:latin typeface="+mn-lt"/>
+                <a:ea typeface="+mn-ea"/>
+                <a:cs typeface="+mn-cs"/>
+              </a:rPr>
+              <a:t>3</a:t>
+            </a:r>
+            <a:r>
+              <a:rPr lang="zh-CN" altLang="zh-CN" sz="1200" kern="1200" dirty="0" smtClean="0">
+                <a:solidFill>
+                  <a:schemeClr val="tx1"/>
+                </a:solidFill>
+                <a:effectLst/>
+                <a:latin typeface="+mn-lt"/>
+                <a:ea typeface="+mn-ea"/>
+                <a:cs typeface="+mn-cs"/>
+              </a:rPr>
+              <a:t>）对于第三部分，在该模型上实现图算法，目前只实现了</a:t>
+            </a:r>
+            <a:r>
+              <a:rPr lang="en-US" altLang="zh-CN" sz="1200" kern="1200" dirty="0" smtClean="0">
+                <a:solidFill>
+                  <a:schemeClr val="tx1"/>
+                </a:solidFill>
+                <a:effectLst/>
+                <a:latin typeface="+mn-lt"/>
+                <a:ea typeface="+mn-ea"/>
+                <a:cs typeface="+mn-cs"/>
+              </a:rPr>
+              <a:t>Triangle Count</a:t>
+            </a:r>
+            <a:r>
+              <a:rPr lang="zh-CN" altLang="zh-CN" sz="1200" kern="1200" dirty="0" smtClean="0">
+                <a:solidFill>
+                  <a:schemeClr val="tx1"/>
+                </a:solidFill>
+                <a:effectLst/>
+                <a:latin typeface="+mn-lt"/>
+                <a:ea typeface="+mn-ea"/>
+                <a:cs typeface="+mn-cs"/>
+              </a:rPr>
+              <a:t>算法。</a:t>
+            </a:r>
+          </a:p>
+          <a:p>
+            <a:r>
+              <a:rPr lang="zh-CN" altLang="zh-CN" sz="1200" kern="1200" dirty="0" smtClean="0">
+                <a:solidFill>
+                  <a:schemeClr val="tx1"/>
+                </a:solidFill>
+                <a:effectLst/>
+                <a:latin typeface="+mn-lt"/>
+                <a:ea typeface="+mn-ea"/>
+                <a:cs typeface="+mn-cs"/>
+              </a:rPr>
+              <a:t>接下来的工作重心主要集中在：</a:t>
+            </a:r>
+          </a:p>
+          <a:p>
+            <a:r>
+              <a:rPr lang="zh-CN" altLang="zh-CN" sz="1200" kern="1200" dirty="0" smtClean="0">
+                <a:solidFill>
+                  <a:schemeClr val="tx1"/>
+                </a:solidFill>
+                <a:effectLst/>
+                <a:latin typeface="+mn-lt"/>
+                <a:ea typeface="+mn-ea"/>
+                <a:cs typeface="+mn-cs"/>
+              </a:rPr>
+              <a:t>（</a:t>
+            </a:r>
+            <a:r>
+              <a:rPr lang="en-US" altLang="zh-CN" sz="1200" kern="1200" dirty="0" smtClean="0">
+                <a:solidFill>
+                  <a:schemeClr val="tx1"/>
+                </a:solidFill>
+                <a:effectLst/>
+                <a:latin typeface="+mn-lt"/>
+                <a:ea typeface="+mn-ea"/>
+                <a:cs typeface="+mn-cs"/>
+              </a:rPr>
+              <a:t>1</a:t>
+            </a:r>
+            <a:r>
+              <a:rPr lang="zh-CN" altLang="zh-CN" sz="1200" kern="1200" dirty="0" smtClean="0">
+                <a:solidFill>
+                  <a:schemeClr val="tx1"/>
+                </a:solidFill>
+                <a:effectLst/>
+                <a:latin typeface="+mn-lt"/>
+                <a:ea typeface="+mn-ea"/>
+                <a:cs typeface="+mn-cs"/>
+              </a:rPr>
+              <a:t>）其他几个核心算法</a:t>
+            </a:r>
+            <a:r>
+              <a:rPr lang="en-US" altLang="zh-CN" sz="1200" kern="1200" dirty="0" smtClean="0">
+                <a:solidFill>
+                  <a:schemeClr val="tx1"/>
+                </a:solidFill>
+                <a:effectLst/>
+                <a:latin typeface="+mn-lt"/>
+                <a:ea typeface="+mn-ea"/>
+                <a:cs typeface="+mn-cs"/>
+              </a:rPr>
+              <a:t>-PageRank, Connected Components, K-Cores</a:t>
+            </a:r>
+            <a:r>
+              <a:rPr lang="zh-CN" altLang="zh-CN" sz="1200" kern="1200" dirty="0" smtClean="0">
+                <a:solidFill>
+                  <a:schemeClr val="tx1"/>
+                </a:solidFill>
+                <a:effectLst/>
+                <a:latin typeface="+mn-lt"/>
+                <a:ea typeface="+mn-ea"/>
+                <a:cs typeface="+mn-cs"/>
+              </a:rPr>
+              <a:t>等的实现；</a:t>
+            </a:r>
+          </a:p>
+          <a:p>
+            <a:r>
+              <a:rPr lang="zh-CN" altLang="zh-CN" sz="1200" kern="1200" dirty="0" smtClean="0">
+                <a:solidFill>
+                  <a:schemeClr val="tx1"/>
+                </a:solidFill>
+                <a:effectLst/>
+                <a:latin typeface="+mn-lt"/>
+                <a:ea typeface="+mn-ea"/>
+                <a:cs typeface="+mn-cs"/>
+              </a:rPr>
+              <a:t>（</a:t>
+            </a:r>
+            <a:r>
+              <a:rPr lang="en-US" altLang="zh-CN" sz="1200" kern="1200" dirty="0" smtClean="0">
+                <a:solidFill>
+                  <a:schemeClr val="tx1"/>
+                </a:solidFill>
+                <a:effectLst/>
+                <a:latin typeface="+mn-lt"/>
+                <a:ea typeface="+mn-ea"/>
+                <a:cs typeface="+mn-cs"/>
+              </a:rPr>
+              <a:t>2</a:t>
+            </a:r>
+            <a:r>
+              <a:rPr lang="zh-CN" altLang="zh-CN" sz="1200" kern="1200" dirty="0" smtClean="0">
+                <a:solidFill>
+                  <a:schemeClr val="tx1"/>
+                </a:solidFill>
+                <a:effectLst/>
+                <a:latin typeface="+mn-lt"/>
+                <a:ea typeface="+mn-ea"/>
+                <a:cs typeface="+mn-cs"/>
+              </a:rPr>
+              <a:t>）实现完算法之后，对这些算法和整个系统进行系统的测试，并且根据测试结果进行总结和反思；</a:t>
+            </a:r>
+          </a:p>
+          <a:p>
+            <a:r>
+              <a:rPr lang="zh-CN" altLang="zh-CN" sz="1200" kern="1200" dirty="0" smtClean="0">
+                <a:solidFill>
+                  <a:schemeClr val="tx1"/>
+                </a:solidFill>
+                <a:effectLst/>
+                <a:latin typeface="+mn-lt"/>
+                <a:ea typeface="+mn-ea"/>
+                <a:cs typeface="+mn-cs"/>
+              </a:rPr>
+              <a:t>（</a:t>
+            </a:r>
+            <a:r>
+              <a:rPr lang="en-US" altLang="zh-CN" sz="1200" kern="1200" dirty="0" smtClean="0">
+                <a:solidFill>
+                  <a:schemeClr val="tx1"/>
+                </a:solidFill>
+                <a:effectLst/>
+                <a:latin typeface="+mn-lt"/>
+                <a:ea typeface="+mn-ea"/>
+                <a:cs typeface="+mn-cs"/>
+              </a:rPr>
+              <a:t>3</a:t>
+            </a:r>
+            <a:r>
+              <a:rPr lang="zh-CN" altLang="zh-CN" sz="1200" kern="1200" dirty="0" smtClean="0">
+                <a:solidFill>
+                  <a:schemeClr val="tx1"/>
+                </a:solidFill>
+                <a:effectLst/>
+                <a:latin typeface="+mn-lt"/>
+                <a:ea typeface="+mn-ea"/>
+                <a:cs typeface="+mn-cs"/>
+              </a:rPr>
+              <a:t>）搭建完整系统之后，在该系统之上，构建金融反欺诈应用，利用该应用来验证整个系统的正确性，可靠性，稳定性和实时性。</a:t>
+            </a:r>
           </a:p>
         </p:txBody>
       </p:sp>
@@ -20909,7 +23339,203 @@
           <a:p>
             <a:fld id="{F0C3C563-C797-4C8B-8F0E-EEACFB564611}" type="slidenum">
               <a:rPr lang="zh-CN" altLang="en-US" smtClean="0"/>
+              <a:t>41</a:t>
+            </a:fld>
+            <a:endParaRPr lang="zh-CN" altLang="en-US"/>
+          </a:p>
+        </p:txBody>
+      </p:sp>
+    </p:spTree>
+    <p:extLst>
+      <p:ext uri="{BB962C8B-B14F-4D97-AF65-F5344CB8AC3E}">
+        <p14:creationId xmlns:p14="http://schemas.microsoft.com/office/powerpoint/2010/main" val="1926099446"/>
+      </p:ext>
+    </p:extLst>
+  </p:cSld>
+  <p:clrMapOvr>
+    <a:masterClrMapping/>
+  </p:clrMapOvr>
+</p:notes>
+</file>
+
+<file path=ppt/notesSlides/notesSlide33.xml><?xml version="1.0" encoding="utf-8"?>
+<p:notes xmlns:a="http://schemas.openxmlformats.org/drawingml/2006/main" xmlns:r="http://schemas.openxmlformats.org/officeDocument/2006/relationships" xmlns:p="http://schemas.openxmlformats.org/presentationml/2006/main">
+  <p:cSld>
+    <p:spTree>
+      <p:nvGrpSpPr>
+        <p:cNvPr id="1" name=""/>
+        <p:cNvGrpSpPr/>
+        <p:nvPr/>
+      </p:nvGrpSpPr>
+      <p:grpSpPr>
+        <a:xfrm>
+          <a:off x="0" y="0"/>
+          <a:ext cx="0" cy="0"/>
+          <a:chOff x="0" y="0"/>
+          <a:chExt cx="0" cy="0"/>
+        </a:xfrm>
+      </p:grpSpPr>
+      <p:sp>
+        <p:nvSpPr>
+          <p:cNvPr id="2" name="幻灯片图像占位符 1"/>
+          <p:cNvSpPr>
+            <a:spLocks noGrp="1" noRot="1" noChangeAspect="1"/>
+          </p:cNvSpPr>
+          <p:nvPr>
+            <p:ph type="sldImg"/>
+          </p:nvPr>
+        </p:nvSpPr>
+        <p:spPr/>
+      </p:sp>
+      <p:sp>
+        <p:nvSpPr>
+          <p:cNvPr id="3" name="备注占位符 2"/>
+          <p:cNvSpPr>
+            <a:spLocks noGrp="1"/>
+          </p:cNvSpPr>
+          <p:nvPr>
+            <p:ph type="body" idx="1"/>
+          </p:nvPr>
+        </p:nvSpPr>
+        <p:spPr/>
+        <p:txBody>
+          <a:bodyPr/>
+          <a:lstStyle/>
+          <a:p>
+            <a:endParaRPr lang="zh-CN" altLang="en-US" dirty="0"/>
+          </a:p>
+        </p:txBody>
+      </p:sp>
+      <p:sp>
+        <p:nvSpPr>
+          <p:cNvPr id="4" name="日期占位符 3"/>
+          <p:cNvSpPr>
+            <a:spLocks noGrp="1"/>
+          </p:cNvSpPr>
+          <p:nvPr>
+            <p:ph type="dt" idx="10"/>
+          </p:nvPr>
+        </p:nvSpPr>
+        <p:spPr/>
+        <p:txBody>
+          <a:bodyPr/>
+          <a:lstStyle/>
+          <a:p>
+            <a:fld id="{BAC876FC-2E35-4016-8A70-33D810966BEA}" type="datetime1">
+              <a:rPr lang="zh-CN" altLang="en-US" smtClean="0"/>
+              <a:t>2017/3/30</a:t>
+            </a:fld>
+            <a:endParaRPr lang="zh-CN" altLang="en-US"/>
+          </a:p>
+        </p:txBody>
+      </p:sp>
+      <p:sp>
+        <p:nvSpPr>
+          <p:cNvPr id="5" name="灯片编号占位符 4"/>
+          <p:cNvSpPr>
+            <a:spLocks noGrp="1"/>
+          </p:cNvSpPr>
+          <p:nvPr>
+            <p:ph type="sldNum" sz="quarter" idx="11"/>
+          </p:nvPr>
+        </p:nvSpPr>
+        <p:spPr/>
+        <p:txBody>
+          <a:bodyPr/>
+          <a:lstStyle/>
+          <a:p>
+            <a:fld id="{D203AB0F-8D4D-414D-9B72-28D3C77562CE}" type="slidenum">
+              <a:rPr lang="zh-CN" altLang="en-US" smtClean="0"/>
               <a:t>42</a:t>
+            </a:fld>
+            <a:endParaRPr lang="zh-CN" altLang="en-US"/>
+          </a:p>
+        </p:txBody>
+      </p:sp>
+    </p:spTree>
+    <p:extLst>
+      <p:ext uri="{BB962C8B-B14F-4D97-AF65-F5344CB8AC3E}">
+        <p14:creationId xmlns:p14="http://schemas.microsoft.com/office/powerpoint/2010/main" val="690512038"/>
+      </p:ext>
+    </p:extLst>
+  </p:cSld>
+  <p:clrMapOvr>
+    <a:masterClrMapping/>
+  </p:clrMapOvr>
+</p:notes>
+</file>
+
+<file path=ppt/notesSlides/notesSlide34.xml><?xml version="1.0" encoding="utf-8"?>
+<p:notes xmlns:a="http://schemas.openxmlformats.org/drawingml/2006/main" xmlns:r="http://schemas.openxmlformats.org/officeDocument/2006/relationships" xmlns:p="http://schemas.openxmlformats.org/presentationml/2006/main">
+  <p:cSld>
+    <p:spTree>
+      <p:nvGrpSpPr>
+        <p:cNvPr id="1" name=""/>
+        <p:cNvGrpSpPr/>
+        <p:nvPr/>
+      </p:nvGrpSpPr>
+      <p:grpSpPr>
+        <a:xfrm>
+          <a:off x="0" y="0"/>
+          <a:ext cx="0" cy="0"/>
+          <a:chOff x="0" y="0"/>
+          <a:chExt cx="0" cy="0"/>
+        </a:xfrm>
+      </p:grpSpPr>
+      <p:sp>
+        <p:nvSpPr>
+          <p:cNvPr id="2" name="幻灯片图像占位符 1"/>
+          <p:cNvSpPr>
+            <a:spLocks noGrp="1" noRot="1" noChangeAspect="1"/>
+          </p:cNvSpPr>
+          <p:nvPr>
+            <p:ph type="sldImg"/>
+          </p:nvPr>
+        </p:nvSpPr>
+        <p:spPr>
+          <a:xfrm>
+            <a:off x="1371600" y="1143000"/>
+            <a:ext cx="4114800" cy="3086100"/>
+          </a:xfrm>
+        </p:spPr>
+      </p:sp>
+      <p:sp>
+        <p:nvSpPr>
+          <p:cNvPr id="3" name="备注占位符 2"/>
+          <p:cNvSpPr>
+            <a:spLocks noGrp="1"/>
+          </p:cNvSpPr>
+          <p:nvPr>
+            <p:ph type="body" idx="1"/>
+          </p:nvPr>
+        </p:nvSpPr>
+        <p:spPr/>
+        <p:txBody>
+          <a:bodyPr/>
+          <a:lstStyle/>
+          <a:p>
+            <a:endParaRPr lang="zh-CN" altLang="en-US" dirty="0"/>
+          </a:p>
+        </p:txBody>
+      </p:sp>
+      <p:sp>
+        <p:nvSpPr>
+          <p:cNvPr id="4" name="灯片编号占位符 3"/>
+          <p:cNvSpPr>
+            <a:spLocks noGrp="1"/>
+          </p:cNvSpPr>
+          <p:nvPr>
+            <p:ph type="sldNum" sz="quarter" idx="10"/>
+          </p:nvPr>
+        </p:nvSpPr>
+        <p:spPr/>
+        <p:txBody>
+          <a:bodyPr/>
+          <a:lstStyle/>
+          <a:p>
+            <a:fld id="{F0C3C563-C797-4C8B-8F0E-EEACFB564611}" type="slidenum">
+              <a:rPr lang="zh-CN" altLang="en-US" smtClean="0"/>
+              <a:t>43</a:t>
             </a:fld>
             <a:endParaRPr lang="zh-CN" altLang="en-US"/>
           </a:p>
@@ -22712,136 +25338,7 @@
           <a:p>
             <a:r>
               <a:rPr lang="zh-CN" altLang="en-US" dirty="0" smtClean="0"/>
-              <a:t>更细致的说明问题</a:t>
-            </a:r>
-            <a:endParaRPr lang="en-US" altLang="zh-CN" dirty="0" smtClean="0"/>
-          </a:p>
-          <a:p>
-            <a:r>
-              <a:rPr lang="zh-CN" altLang="en-US" dirty="0" smtClean="0"/>
-              <a:t>影响范围，影响步数</a:t>
-            </a:r>
-            <a:endParaRPr lang="en-US" altLang="zh-CN" dirty="0" smtClean="0"/>
-          </a:p>
-          <a:p>
-            <a:r>
-              <a:rPr lang="zh-CN" altLang="en-US" dirty="0" smtClean="0"/>
-              <a:t>有些过程需要一条一条处理，有些需要整体到达后批处理</a:t>
-            </a:r>
-            <a:endParaRPr lang="en-US" altLang="zh-CN" dirty="0" smtClean="0"/>
-          </a:p>
-          <a:p>
-            <a:endParaRPr lang="en-US" altLang="zh-CN" dirty="0" smtClean="0"/>
-          </a:p>
-          <a:p>
-            <a:r>
-              <a:rPr lang="zh-CN" altLang="en-US" dirty="0" smtClean="0"/>
-              <a:t>有些是一步做完，有些是多步做完；有些影响范围是局部的，有些是全部的。</a:t>
-            </a:r>
-            <a:endParaRPr lang="en-US" altLang="zh-CN" dirty="0" smtClean="0"/>
-          </a:p>
-          <a:p>
-            <a:endParaRPr lang="en-US" altLang="zh-CN" dirty="0" smtClean="0"/>
-          </a:p>
-          <a:p>
-            <a:r>
-              <a:rPr lang="zh-CN" altLang="en-US" dirty="0" smtClean="0"/>
-              <a:t>更新测策略是多样化的：针对不同的算法有不同的方案</a:t>
-            </a:r>
-            <a:endParaRPr lang="en-US" altLang="zh-CN" dirty="0" smtClean="0"/>
-          </a:p>
-          <a:p>
-            <a:r>
-              <a:rPr lang="zh-CN" altLang="en-US" dirty="0" smtClean="0"/>
-              <a:t>多步传播</a:t>
-            </a:r>
-            <a:r>
-              <a:rPr lang="en-US" altLang="zh-CN" dirty="0" smtClean="0"/>
-              <a:t>-&gt;</a:t>
-            </a:r>
-            <a:r>
-              <a:rPr lang="en-US" altLang="zh-CN" baseline="0" dirty="0" smtClean="0"/>
-              <a:t> 1. </a:t>
-            </a:r>
-            <a:r>
-              <a:rPr lang="zh-CN" altLang="en-US" baseline="0" dirty="0" smtClean="0"/>
-              <a:t>更新的边和点放在同一个</a:t>
-            </a:r>
-            <a:r>
-              <a:rPr lang="en-US" altLang="zh-CN" baseline="0" dirty="0" smtClean="0"/>
-              <a:t>partition,</a:t>
-            </a:r>
-            <a:endParaRPr lang="en-US" altLang="zh-CN" dirty="0" smtClean="0"/>
-          </a:p>
-          <a:p>
-            <a:endParaRPr lang="en-US" altLang="zh-CN" dirty="0" smtClean="0"/>
-          </a:p>
-          <a:p>
-            <a:r>
-              <a:rPr lang="zh-CN" altLang="en-US" dirty="0" smtClean="0"/>
-              <a:t>在流场景下，设计代价小，精确度高的模型。</a:t>
-            </a:r>
-            <a:endParaRPr lang="en-US" altLang="zh-CN" dirty="0" smtClean="0"/>
-          </a:p>
-          <a:p>
-            <a:endParaRPr lang="en-US" altLang="zh-CN" dirty="0" smtClean="0"/>
-          </a:p>
-          <a:p>
-            <a:r>
-              <a:rPr lang="zh-CN" altLang="en-US" dirty="0" smtClean="0"/>
-              <a:t>和批代价小相比，提高多少倍</a:t>
-            </a:r>
-            <a:endParaRPr lang="en-US" altLang="zh-CN" dirty="0" smtClean="0"/>
-          </a:p>
-          <a:p>
-            <a:endParaRPr lang="en-US" altLang="zh-CN" dirty="0" smtClean="0"/>
-          </a:p>
-          <a:p>
-            <a:r>
-              <a:rPr lang="zh-CN" altLang="en-US" dirty="0" smtClean="0"/>
-              <a:t>和流的精确度比，提高多少</a:t>
-            </a:r>
-            <a:endParaRPr lang="en-US" altLang="zh-CN" dirty="0" smtClean="0"/>
-          </a:p>
-          <a:p>
-            <a:endParaRPr lang="en-US" altLang="zh-CN" dirty="0" smtClean="0"/>
-          </a:p>
-          <a:p>
-            <a:r>
-              <a:rPr lang="zh-CN" altLang="en-US" dirty="0" smtClean="0"/>
-              <a:t>可调的更新模式，</a:t>
-            </a:r>
-            <a:endParaRPr lang="en-US" altLang="zh-CN" dirty="0" smtClean="0"/>
-          </a:p>
-          <a:p>
-            <a:r>
-              <a:rPr lang="zh-CN" altLang="en-US" dirty="0" smtClean="0"/>
-              <a:t>转换成流或批的方式，</a:t>
-            </a:r>
-            <a:endParaRPr lang="en-US" altLang="zh-CN" dirty="0" smtClean="0"/>
-          </a:p>
-          <a:p>
-            <a:r>
-              <a:rPr lang="zh-CN" altLang="en-US" dirty="0" smtClean="0"/>
-              <a:t>图划分问题</a:t>
-            </a:r>
-            <a:endParaRPr lang="en-US" altLang="zh-CN" dirty="0" smtClean="0"/>
-          </a:p>
-          <a:p>
-            <a:r>
-              <a:rPr lang="zh-CN" altLang="en-US" dirty="0" smtClean="0"/>
-              <a:t>并发做更新。</a:t>
-            </a:r>
-            <a:endParaRPr lang="en-US" altLang="zh-CN" dirty="0" smtClean="0"/>
-          </a:p>
-          <a:p>
-            <a:r>
-              <a:rPr lang="en-US" altLang="zh-CN" dirty="0" smtClean="0"/>
-              <a:t>Delta</a:t>
-            </a:r>
-            <a:r>
-              <a:rPr lang="zh-CN" altLang="en-US" dirty="0" smtClean="0"/>
-              <a:t>并发更新</a:t>
+              <a:t>为实现这个目标，我们首先需要分析流式场景下图算法的典型特点，在该特点的基础之上，抽象出通用的图计算模型，并反过来在该模型的基础上再去构建算法，最后实现该模型和算法，并且验证了模型和算法的正确性和实时性。</a:t>
             </a:r>
             <a:endParaRPr lang="en-US" altLang="zh-CN" dirty="0" smtClean="0"/>
           </a:p>
@@ -23014,7 +25511,7 @@
           <a:p>
             <a:fld id="{3D8148F8-7DF0-4C39-8865-7D6C0322E3B0}" type="datetimeFigureOut">
               <a:rPr lang="zh-CN" altLang="en-US" smtClean="0"/>
-              <a:t>2017/3/29</a:t>
+              <a:t>2017/3/30</a:t>
             </a:fld>
             <a:endParaRPr lang="zh-CN" altLang="en-US"/>
           </a:p>
@@ -23184,7 +25681,7 @@
           <a:p>
             <a:fld id="{3D8148F8-7DF0-4C39-8865-7D6C0322E3B0}" type="datetimeFigureOut">
               <a:rPr lang="zh-CN" altLang="en-US" smtClean="0"/>
-              <a:t>2017/3/29</a:t>
+              <a:t>2017/3/30</a:t>
             </a:fld>
             <a:endParaRPr lang="zh-CN" altLang="en-US"/>
           </a:p>
@@ -23364,7 +25861,7 @@
           <a:p>
             <a:fld id="{3D8148F8-7DF0-4C39-8865-7D6C0322E3B0}" type="datetimeFigureOut">
               <a:rPr lang="zh-CN" altLang="en-US" smtClean="0"/>
-              <a:t>2017/3/29</a:t>
+              <a:t>2017/3/30</a:t>
             </a:fld>
             <a:endParaRPr lang="zh-CN" altLang="en-US"/>
           </a:p>
@@ -23534,7 +26031,7 @@
           <a:p>
             <a:fld id="{3D8148F8-7DF0-4C39-8865-7D6C0322E3B0}" type="datetimeFigureOut">
               <a:rPr lang="zh-CN" altLang="en-US" smtClean="0"/>
-              <a:t>2017/3/29</a:t>
+              <a:t>2017/3/30</a:t>
             </a:fld>
             <a:endParaRPr lang="zh-CN" altLang="en-US"/>
           </a:p>
@@ -23778,7 +26275,7 @@
           <a:p>
             <a:fld id="{3D8148F8-7DF0-4C39-8865-7D6C0322E3B0}" type="datetimeFigureOut">
               <a:rPr lang="zh-CN" altLang="en-US" smtClean="0"/>
-              <a:t>2017/3/29</a:t>
+              <a:t>2017/3/30</a:t>
             </a:fld>
             <a:endParaRPr lang="zh-CN" altLang="en-US"/>
           </a:p>
@@ -24010,7 +26507,7 @@
           <a:p>
             <a:fld id="{3D8148F8-7DF0-4C39-8865-7D6C0322E3B0}" type="datetimeFigureOut">
               <a:rPr lang="zh-CN" altLang="en-US" smtClean="0"/>
-              <a:t>2017/3/29</a:t>
+              <a:t>2017/3/30</a:t>
             </a:fld>
             <a:endParaRPr lang="zh-CN" altLang="en-US"/>
           </a:p>
@@ -24377,7 +26874,7 @@
           <a:p>
             <a:fld id="{3D8148F8-7DF0-4C39-8865-7D6C0322E3B0}" type="datetimeFigureOut">
               <a:rPr lang="zh-CN" altLang="en-US" smtClean="0"/>
-              <a:t>2017/3/29</a:t>
+              <a:t>2017/3/30</a:t>
             </a:fld>
             <a:endParaRPr lang="zh-CN" altLang="en-US"/>
           </a:p>
@@ -24495,7 +26992,7 @@
           <a:p>
             <a:fld id="{3D8148F8-7DF0-4C39-8865-7D6C0322E3B0}" type="datetimeFigureOut">
               <a:rPr lang="zh-CN" altLang="en-US" smtClean="0"/>
-              <a:t>2017/3/29</a:t>
+              <a:t>2017/3/30</a:t>
             </a:fld>
             <a:endParaRPr lang="zh-CN" altLang="en-US"/>
           </a:p>
@@ -24590,7 +27087,7 @@
           <a:p>
             <a:fld id="{3D8148F8-7DF0-4C39-8865-7D6C0322E3B0}" type="datetimeFigureOut">
               <a:rPr lang="zh-CN" altLang="en-US" smtClean="0"/>
-              <a:t>2017/3/29</a:t>
+              <a:t>2017/3/30</a:t>
             </a:fld>
             <a:endParaRPr lang="zh-CN" altLang="en-US"/>
           </a:p>
@@ -24867,7 +27364,7 @@
           <a:p>
             <a:fld id="{3D8148F8-7DF0-4C39-8865-7D6C0322E3B0}" type="datetimeFigureOut">
               <a:rPr lang="zh-CN" altLang="en-US" smtClean="0"/>
-              <a:t>2017/3/29</a:t>
+              <a:t>2017/3/30</a:t>
             </a:fld>
             <a:endParaRPr lang="zh-CN" altLang="en-US"/>
           </a:p>
@@ -25124,7 +27621,7 @@
           <a:p>
             <a:fld id="{3D8148F8-7DF0-4C39-8865-7D6C0322E3B0}" type="datetimeFigureOut">
               <a:rPr lang="zh-CN" altLang="en-US" smtClean="0"/>
-              <a:t>2017/3/29</a:t>
+              <a:t>2017/3/30</a:t>
             </a:fld>
             <a:endParaRPr lang="zh-CN" altLang="en-US"/>
           </a:p>
@@ -25337,7 +27834,7 @@
           <a:p>
             <a:fld id="{3D8148F8-7DF0-4C39-8865-7D6C0322E3B0}" type="datetimeFigureOut">
               <a:rPr lang="zh-CN" altLang="en-US" smtClean="0"/>
-              <a:t>2017/3/29</a:t>
+              <a:t>2017/3/30</a:t>
             </a:fld>
             <a:endParaRPr lang="zh-CN" altLang="en-US"/>
           </a:p>
@@ -32826,14 +35323,14 @@
           <p:nvPr>
             <p:extLst>
               <p:ext uri="{D42A27DB-BD31-4B8C-83A1-F6EECF244321}">
-                <p14:modId xmlns:p14="http://schemas.microsoft.com/office/powerpoint/2010/main" val="3646212572"/>
+                <p14:modId xmlns:p14="http://schemas.microsoft.com/office/powerpoint/2010/main" val="3886955155"/>
               </p:ext>
             </p:extLst>
           </p:nvPr>
         </p:nvGraphicFramePr>
         <p:xfrm>
-          <a:off x="626532" y="1470269"/>
-          <a:ext cx="8144933" cy="5181600"/>
+          <a:off x="588432" y="1477486"/>
+          <a:ext cx="8144933" cy="5071430"/>
         </p:xfrm>
         <a:graphic>
           <a:graphicData uri="http://schemas.openxmlformats.org/drawingml/2006/table">
@@ -32856,28 +35353,28 @@
                     </a:ext>
                   </a:extLst>
                 </a:gridCol>
-                <a:gridCol w="1397367">
+                <a:gridCol w="1446890">
                   <a:extLst>
                     <a:ext uri="{9D8B030D-6E8A-4147-A177-3AD203B41FA5}">
                       <a16:colId xmlns:a16="http://schemas.microsoft.com/office/drawing/2014/main" val="203285374"/>
                     </a:ext>
                   </a:extLst>
                 </a:gridCol>
-                <a:gridCol w="1458164">
+                <a:gridCol w="1408641">
                   <a:extLst>
                     <a:ext uri="{9D8B030D-6E8A-4147-A177-3AD203B41FA5}">
                       <a16:colId xmlns:a16="http://schemas.microsoft.com/office/drawing/2014/main" val="2768004889"/>
                     </a:ext>
                   </a:extLst>
                 </a:gridCol>
-                <a:gridCol w="1455222">
+                <a:gridCol w="1391709">
                   <a:extLst>
                     <a:ext uri="{9D8B030D-6E8A-4147-A177-3AD203B41FA5}">
                       <a16:colId xmlns:a16="http://schemas.microsoft.com/office/drawing/2014/main" val="3795103737"/>
                     </a:ext>
                   </a:extLst>
                 </a:gridCol>
-                <a:gridCol w="1468952">
+                <a:gridCol w="1532465">
                   <a:extLst>
                     <a:ext uri="{9D8B030D-6E8A-4147-A177-3AD203B41FA5}">
                       <a16:colId xmlns:a16="http://schemas.microsoft.com/office/drawing/2014/main" val="3619591535"/>
@@ -32958,12 +35455,12 @@
                         </a:spcAft>
                       </a:pPr>
                       <a:r>
-                        <a:rPr lang="zh-CN" sz="1600" kern="100">
+                        <a:rPr lang="zh-CN" sz="1600" kern="100" dirty="0">
                           <a:effectLst/>
                         </a:rPr>
                         <a:t>计算方法</a:t>
                       </a:r>
-                      <a:endParaRPr lang="zh-CN" sz="1600" kern="100">
+                      <a:endParaRPr lang="zh-CN" sz="1600" kern="100" dirty="0">
                         <a:effectLst/>
                         <a:latin typeface="等线" panose="02010600030101010101" pitchFamily="2" charset="-122"/>
                         <a:ea typeface="等线" panose="02010600030101010101" pitchFamily="2" charset="-122"/>
@@ -33139,7 +35636,7 @@
                         </a:spcAft>
                       </a:pPr>
                       <a:r>
-                        <a:rPr lang="zh-CN" sz="1600" kern="100">
+                        <a:rPr lang="zh-CN" sz="1600" kern="100" dirty="0">
                           <a:effectLst/>
                         </a:rPr>
                         <a:t>利用原始状态进行增量式计算</a:t>
@@ -33155,12 +35652,12 @@
                         </a:spcAft>
                       </a:pPr>
                       <a:r>
-                        <a:rPr lang="en-US" sz="1600" kern="100">
+                        <a:rPr lang="en-US" sz="1600" kern="100" dirty="0">
                           <a:effectLst/>
                         </a:rPr>
                         <a:t> </a:t>
                       </a:r>
-                      <a:endParaRPr lang="zh-CN" sz="1600" kern="100">
+                      <a:endParaRPr lang="zh-CN" sz="1600" kern="100" dirty="0">
                         <a:effectLst/>
                         <a:latin typeface="等线" panose="02010600030101010101" pitchFamily="2" charset="-122"/>
                         <a:ea typeface="等线" panose="02010600030101010101" pitchFamily="2" charset="-122"/>
@@ -33184,12 +35681,12 @@
                         </a:spcAft>
                       </a:pPr>
                       <a:r>
-                        <a:rPr lang="zh-CN" sz="1600" kern="100">
+                        <a:rPr lang="zh-CN" sz="1600" kern="100" dirty="0">
                           <a:effectLst/>
                         </a:rPr>
                         <a:t>最终计算结果和被影响的节点的计算顺序无关</a:t>
                       </a:r>
-                      <a:endParaRPr lang="zh-CN" sz="1600" kern="100">
+                      <a:endParaRPr lang="zh-CN" sz="1600" kern="100" dirty="0">
                         <a:effectLst/>
                         <a:latin typeface="等线" panose="02010600030101010101" pitchFamily="2" charset="-122"/>
                         <a:ea typeface="等线" panose="02010600030101010101" pitchFamily="2" charset="-122"/>
@@ -33213,12 +35710,12 @@
                         </a:spcAft>
                       </a:pPr>
                       <a:r>
-                        <a:rPr lang="zh-CN" sz="1600" kern="100">
+                        <a:rPr lang="zh-CN" sz="1600" kern="100" dirty="0">
                           <a:effectLst/>
                         </a:rPr>
                         <a:t>更新函数为加法运算</a:t>
                       </a:r>
-                      <a:endParaRPr lang="zh-CN" sz="1600" kern="100">
+                      <a:endParaRPr lang="zh-CN" sz="1600" kern="100" dirty="0">
                         <a:effectLst/>
                         <a:latin typeface="等线" panose="02010600030101010101" pitchFamily="2" charset="-122"/>
                         <a:ea typeface="等线" panose="02010600030101010101" pitchFamily="2" charset="-122"/>
@@ -33336,7 +35833,7 @@
                         </a:spcAft>
                       </a:pPr>
                       <a:r>
-                        <a:rPr lang="zh-CN" sz="1600" kern="100">
+                        <a:rPr lang="zh-CN" sz="1600" kern="100" dirty="0">
                           <a:effectLst/>
                         </a:rPr>
                         <a:t>利用原始状态进行增量式计算</a:t>
@@ -33352,12 +35849,12 @@
                         </a:spcAft>
                       </a:pPr>
                       <a:r>
-                        <a:rPr lang="en-US" sz="1600" kern="100">
+                        <a:rPr lang="en-US" sz="1600" kern="100" dirty="0">
                           <a:effectLst/>
                         </a:rPr>
                         <a:t> </a:t>
                       </a:r>
-                      <a:endParaRPr lang="zh-CN" sz="1600" kern="100">
+                      <a:endParaRPr lang="zh-CN" sz="1600" kern="100" dirty="0">
                         <a:effectLst/>
                         <a:latin typeface="等线" panose="02010600030101010101" pitchFamily="2" charset="-122"/>
                         <a:ea typeface="等线" panose="02010600030101010101" pitchFamily="2" charset="-122"/>
@@ -33381,12 +35878,12 @@
                         </a:spcAft>
                       </a:pPr>
                       <a:r>
-                        <a:rPr lang="zh-CN" sz="1600" kern="100">
+                        <a:rPr lang="zh-CN" sz="1600" kern="100" dirty="0">
                           <a:effectLst/>
                         </a:rPr>
                         <a:t>最终计算结果和被影响的节点的计算顺序无关</a:t>
                       </a:r>
-                      <a:endParaRPr lang="zh-CN" sz="1600" kern="100">
+                      <a:endParaRPr lang="zh-CN" sz="1600" kern="100" dirty="0">
                         <a:effectLst/>
                         <a:latin typeface="等线" panose="02010600030101010101" pitchFamily="2" charset="-122"/>
                         <a:ea typeface="等线" panose="02010600030101010101" pitchFamily="2" charset="-122"/>
@@ -33410,12 +35907,12 @@
                         </a:spcAft>
                       </a:pPr>
                       <a:r>
-                        <a:rPr lang="zh-CN" sz="1600" kern="100">
+                        <a:rPr lang="zh-CN" sz="1600" kern="100" dirty="0">
                           <a:effectLst/>
                         </a:rPr>
                         <a:t>更新函数为加法运算</a:t>
                       </a:r>
-                      <a:endParaRPr lang="zh-CN" sz="1600" kern="100">
+                      <a:endParaRPr lang="zh-CN" sz="1600" kern="100" dirty="0">
                         <a:effectLst/>
                         <a:latin typeface="等线" panose="02010600030101010101" pitchFamily="2" charset="-122"/>
                         <a:ea typeface="等线" panose="02010600030101010101" pitchFamily="2" charset="-122"/>
@@ -33742,7 +36239,7 @@
                         </a:spcAft>
                       </a:pPr>
                       <a:r>
-                        <a:rPr lang="zh-CN" sz="1600" kern="100">
+                        <a:rPr lang="zh-CN" sz="1600" kern="100" dirty="0">
                           <a:effectLst/>
                         </a:rPr>
                         <a:t>利用原始状态进行增量式计算</a:t>
@@ -33758,12 +36255,12 @@
                         </a:spcAft>
                       </a:pPr>
                       <a:r>
-                        <a:rPr lang="en-US" sz="1600" kern="100">
+                        <a:rPr lang="en-US" sz="1600" kern="100" dirty="0">
                           <a:effectLst/>
                         </a:rPr>
                         <a:t> </a:t>
                       </a:r>
-                      <a:endParaRPr lang="zh-CN" sz="1600" kern="100">
+                      <a:endParaRPr lang="zh-CN" sz="1600" kern="100" dirty="0">
                         <a:effectLst/>
                         <a:latin typeface="等线" panose="02010600030101010101" pitchFamily="2" charset="-122"/>
                         <a:ea typeface="等线" panose="02010600030101010101" pitchFamily="2" charset="-122"/>
@@ -33816,12 +36313,12 @@
                         </a:spcAft>
                       </a:pPr>
                       <a:r>
-                        <a:rPr lang="zh-CN" sz="1600" kern="100">
+                        <a:rPr lang="zh-CN" sz="1600" kern="100" dirty="0">
                           <a:effectLst/>
                         </a:rPr>
                         <a:t>更新函数为累加运算</a:t>
                       </a:r>
-                      <a:endParaRPr lang="zh-CN" sz="1600" kern="100">
+                      <a:endParaRPr lang="zh-CN" sz="1600" kern="100" dirty="0">
                         <a:effectLst/>
                         <a:latin typeface="等线" panose="02010600030101010101" pitchFamily="2" charset="-122"/>
                         <a:ea typeface="等线" panose="02010600030101010101" pitchFamily="2" charset="-122"/>
@@ -33870,6 +36367,196 @@
           </a:graphicData>
         </a:graphic>
       </p:graphicFrame>
+      <p:sp>
+        <p:nvSpPr>
+          <p:cNvPr id="5" name="矩形 4"/>
+          <p:cNvSpPr/>
+          <p:nvPr/>
+        </p:nvSpPr>
+        <p:spPr>
+          <a:xfrm>
+            <a:off x="2974975" y="1488668"/>
+            <a:ext cx="1384300" cy="5283200"/>
+          </a:xfrm>
+          <a:prstGeom prst="rect">
+            <a:avLst/>
+          </a:prstGeom>
+          <a:noFill/>
+          <a:ln w="28575">
+            <a:solidFill>
+              <a:srgbClr val="FF0000"/>
+            </a:solidFill>
+          </a:ln>
+        </p:spPr>
+        <p:style>
+          <a:lnRef idx="2">
+            <a:schemeClr val="accent1">
+              <a:shade val="50000"/>
+            </a:schemeClr>
+          </a:lnRef>
+          <a:fillRef idx="1">
+            <a:schemeClr val="accent1"/>
+          </a:fillRef>
+          <a:effectRef idx="0">
+            <a:schemeClr val="accent1"/>
+          </a:effectRef>
+          <a:fontRef idx="minor">
+            <a:schemeClr val="lt1"/>
+          </a:fontRef>
+        </p:style>
+        <p:txBody>
+          <a:bodyPr rtlCol="0" anchor="ctr"/>
+          <a:lstStyle/>
+          <a:p>
+            <a:pPr algn="ctr"/>
+            <a:endParaRPr lang="zh-CN" altLang="en-US"/>
+          </a:p>
+        </p:txBody>
+      </p:sp>
+      <p:sp>
+        <p:nvSpPr>
+          <p:cNvPr id="8" name="圆角矩形标注 7"/>
+          <p:cNvSpPr/>
+          <p:nvPr/>
+        </p:nvSpPr>
+        <p:spPr>
+          <a:xfrm>
+            <a:off x="2143125" y="685800"/>
+            <a:ext cx="1663700" cy="568734"/>
+          </a:xfrm>
+          <a:prstGeom prst="wedgeRoundRectCallout">
+            <a:avLst>
+              <a:gd name="adj1" fmla="val 31075"/>
+              <a:gd name="adj2" fmla="val 81996"/>
+              <a:gd name="adj3" fmla="val 16667"/>
+            </a:avLst>
+          </a:prstGeom>
+        </p:spPr>
+        <p:style>
+          <a:lnRef idx="2">
+            <a:schemeClr val="accent1">
+              <a:shade val="50000"/>
+            </a:schemeClr>
+          </a:lnRef>
+          <a:fillRef idx="1">
+            <a:schemeClr val="accent1"/>
+          </a:fillRef>
+          <a:effectRef idx="0">
+            <a:schemeClr val="accent1"/>
+          </a:effectRef>
+          <a:fontRef idx="minor">
+            <a:schemeClr val="lt1"/>
+          </a:fontRef>
+        </p:style>
+        <p:txBody>
+          <a:bodyPr rtlCol="0" anchor="ctr"/>
+          <a:lstStyle/>
+          <a:p>
+            <a:pPr algn="ctr"/>
+            <a:r>
+              <a:rPr lang="zh-CN" altLang="en-US" dirty="0" smtClean="0"/>
+              <a:t>增量计算方法</a:t>
+            </a:r>
+            <a:endParaRPr lang="zh-CN" altLang="en-US" dirty="0"/>
+          </a:p>
+        </p:txBody>
+      </p:sp>
+      <p:sp>
+        <p:nvSpPr>
+          <p:cNvPr id="9" name="圆角矩形标注 8"/>
+          <p:cNvSpPr/>
+          <p:nvPr/>
+        </p:nvSpPr>
+        <p:spPr>
+          <a:xfrm>
+            <a:off x="3943350" y="685800"/>
+            <a:ext cx="1663700" cy="568734"/>
+          </a:xfrm>
+          <a:prstGeom prst="wedgeRoundRectCallout">
+            <a:avLst>
+              <a:gd name="adj1" fmla="val 31075"/>
+              <a:gd name="adj2" fmla="val 81996"/>
+              <a:gd name="adj3" fmla="val 16667"/>
+            </a:avLst>
+          </a:prstGeom>
+        </p:spPr>
+        <p:style>
+          <a:lnRef idx="2">
+            <a:schemeClr val="accent1">
+              <a:shade val="50000"/>
+            </a:schemeClr>
+          </a:lnRef>
+          <a:fillRef idx="1">
+            <a:schemeClr val="accent1"/>
+          </a:fillRef>
+          <a:effectRef idx="0">
+            <a:schemeClr val="accent1"/>
+          </a:effectRef>
+          <a:fontRef idx="minor">
+            <a:schemeClr val="lt1"/>
+          </a:fontRef>
+        </p:style>
+        <p:txBody>
+          <a:bodyPr rtlCol="0" anchor="ctr"/>
+          <a:lstStyle/>
+          <a:p>
+            <a:pPr algn="ctr"/>
+            <a:r>
+              <a:rPr lang="zh-CN" altLang="en-US" dirty="0" smtClean="0"/>
+              <a:t>序列一致性</a:t>
+            </a:r>
+            <a:endParaRPr lang="zh-CN" altLang="en-US" dirty="0"/>
+          </a:p>
+        </p:txBody>
+      </p:sp>
+      <p:sp>
+        <p:nvSpPr>
+          <p:cNvPr id="10" name="圆角矩形标注 9"/>
+          <p:cNvSpPr/>
+          <p:nvPr/>
+        </p:nvSpPr>
+        <p:spPr>
+          <a:xfrm>
+            <a:off x="5785908" y="685800"/>
+            <a:ext cx="1859492" cy="568734"/>
+          </a:xfrm>
+          <a:prstGeom prst="wedgeRoundRectCallout">
+            <a:avLst>
+              <a:gd name="adj1" fmla="val -4281"/>
+              <a:gd name="adj2" fmla="val 81996"/>
+              <a:gd name="adj3" fmla="val 16667"/>
+            </a:avLst>
+          </a:prstGeom>
+        </p:spPr>
+        <p:style>
+          <a:lnRef idx="2">
+            <a:schemeClr val="accent1">
+              <a:shade val="50000"/>
+            </a:schemeClr>
+          </a:lnRef>
+          <a:fillRef idx="1">
+            <a:schemeClr val="accent1"/>
+          </a:fillRef>
+          <a:effectRef idx="0">
+            <a:schemeClr val="accent1"/>
+          </a:effectRef>
+          <a:fontRef idx="minor">
+            <a:schemeClr val="lt1"/>
+          </a:fontRef>
+        </p:style>
+        <p:txBody>
+          <a:bodyPr rtlCol="0" anchor="ctr"/>
+          <a:lstStyle/>
+          <a:p>
+            <a:pPr algn="ctr"/>
+            <a:r>
+              <a:rPr lang="zh-CN" altLang="en-US" dirty="0" smtClean="0"/>
+              <a:t>交换律和结合律</a:t>
+            </a:r>
+            <a:endParaRPr lang="zh-CN" altLang="en-US" dirty="0"/>
+          </a:p>
+        </p:txBody>
+      </p:sp>
     </p:spTree>
     <p:extLst>
       <p:ext uri="{BB962C8B-B14F-4D97-AF65-F5344CB8AC3E}">
@@ -33891,9 +36578,305 @@
   <p:timing>
     <p:tnLst>
       <p:par>
-        <p:cTn id="1" dur="indefinite" restart="never" nodeType="tmRoot"/>
+        <p:cTn id="1" dur="indefinite" restart="never" nodeType="tmRoot">
+          <p:childTnLst>
+            <p:seq concurrent="1" nextAc="seek">
+              <p:cTn id="2" dur="indefinite" nodeType="mainSeq">
+                <p:childTnLst>
+                  <p:par>
+                    <p:cTn id="3" fill="hold">
+                      <p:stCondLst>
+                        <p:cond delay="indefinite"/>
+                      </p:stCondLst>
+                      <p:childTnLst>
+                        <p:par>
+                          <p:cTn id="4" fill="hold">
+                            <p:stCondLst>
+                              <p:cond delay="0"/>
+                            </p:stCondLst>
+                            <p:childTnLst>
+                              <p:par>
+                                <p:cTn id="5" presetID="16" presetClass="entr" presetSubtype="21" fill="hold" grpId="0" nodeType="clickEffect">
+                                  <p:stCondLst>
+                                    <p:cond delay="0"/>
+                                  </p:stCondLst>
+                                  <p:childTnLst>
+                                    <p:set>
+                                      <p:cBhvr>
+                                        <p:cTn id="6" dur="1" fill="hold">
+                                          <p:stCondLst>
+                                            <p:cond delay="0"/>
+                                          </p:stCondLst>
+                                        </p:cTn>
+                                        <p:tgtEl>
+                                          <p:spTgt spid="5"/>
+                                        </p:tgtEl>
+                                        <p:attrNameLst>
+                                          <p:attrName>style.visibility</p:attrName>
+                                        </p:attrNameLst>
+                                      </p:cBhvr>
+                                      <p:to>
+                                        <p:strVal val="visible"/>
+                                      </p:to>
+                                    </p:set>
+                                    <p:animEffect transition="in" filter="barn(inVertical)">
+                                      <p:cBhvr>
+                                        <p:cTn id="7" dur="500"/>
+                                        <p:tgtEl>
+                                          <p:spTgt spid="5"/>
+                                        </p:tgtEl>
+                                      </p:cBhvr>
+                                    </p:animEffect>
+                                  </p:childTnLst>
+                                </p:cTn>
+                              </p:par>
+                            </p:childTnLst>
+                          </p:cTn>
+                        </p:par>
+                        <p:par>
+                          <p:cTn id="8" fill="hold">
+                            <p:stCondLst>
+                              <p:cond delay="500"/>
+                            </p:stCondLst>
+                            <p:childTnLst>
+                              <p:par>
+                                <p:cTn id="9" presetID="16" presetClass="entr" presetSubtype="21" fill="hold" grpId="0" nodeType="afterEffect">
+                                  <p:stCondLst>
+                                    <p:cond delay="0"/>
+                                  </p:stCondLst>
+                                  <p:childTnLst>
+                                    <p:set>
+                                      <p:cBhvr>
+                                        <p:cTn id="10" dur="1" fill="hold">
+                                          <p:stCondLst>
+                                            <p:cond delay="0"/>
+                                          </p:stCondLst>
+                                        </p:cTn>
+                                        <p:tgtEl>
+                                          <p:spTgt spid="8"/>
+                                        </p:tgtEl>
+                                        <p:attrNameLst>
+                                          <p:attrName>style.visibility</p:attrName>
+                                        </p:attrNameLst>
+                                      </p:cBhvr>
+                                      <p:to>
+                                        <p:strVal val="visible"/>
+                                      </p:to>
+                                    </p:set>
+                                    <p:animEffect transition="in" filter="barn(inVertical)">
+                                      <p:cBhvr>
+                                        <p:cTn id="11" dur="500"/>
+                                        <p:tgtEl>
+                                          <p:spTgt spid="8"/>
+                                        </p:tgtEl>
+                                      </p:cBhvr>
+                                    </p:animEffect>
+                                  </p:childTnLst>
+                                </p:cTn>
+                              </p:par>
+                            </p:childTnLst>
+                          </p:cTn>
+                        </p:par>
+                      </p:childTnLst>
+                    </p:cTn>
+                  </p:par>
+                  <p:par>
+                    <p:cTn id="12" fill="hold">
+                      <p:stCondLst>
+                        <p:cond delay="indefinite"/>
+                      </p:stCondLst>
+                      <p:childTnLst>
+                        <p:par>
+                          <p:cTn id="13" fill="hold">
+                            <p:stCondLst>
+                              <p:cond delay="0"/>
+                            </p:stCondLst>
+                            <p:childTnLst>
+                              <p:par>
+                                <p:cTn id="14" presetID="63" presetClass="path" presetSubtype="0" accel="50000" decel="50000" fill="hold" grpId="1" nodeType="clickEffect">
+                                  <p:stCondLst>
+                                    <p:cond delay="0"/>
+                                  </p:stCondLst>
+                                  <p:childTnLst>
+                                    <p:animMotion origin="layout" path="M -0.00069 -4.81481E-6 L 0.15417 -4.81481E-6 " pathEditMode="relative" rAng="0" ptsTypes="AA">
+                                      <p:cBhvr>
+                                        <p:cTn id="15" dur="2000" fill="hold"/>
+                                        <p:tgtEl>
+                                          <p:spTgt spid="5"/>
+                                        </p:tgtEl>
+                                        <p:attrNameLst>
+                                          <p:attrName>ppt_x</p:attrName>
+                                          <p:attrName>ppt_y</p:attrName>
+                                        </p:attrNameLst>
+                                      </p:cBhvr>
+                                      <p:rCtr x="7743" y="0"/>
+                                    </p:animMotion>
+                                  </p:childTnLst>
+                                </p:cTn>
+                              </p:par>
+                            </p:childTnLst>
+                          </p:cTn>
+                        </p:par>
+                        <p:par>
+                          <p:cTn id="16" fill="hold">
+                            <p:stCondLst>
+                              <p:cond delay="2000"/>
+                            </p:stCondLst>
+                            <p:childTnLst>
+                              <p:par>
+                                <p:cTn id="17" presetID="16" presetClass="entr" presetSubtype="21" fill="hold" grpId="0" nodeType="afterEffect">
+                                  <p:stCondLst>
+                                    <p:cond delay="0"/>
+                                  </p:stCondLst>
+                                  <p:childTnLst>
+                                    <p:set>
+                                      <p:cBhvr>
+                                        <p:cTn id="18" dur="1" fill="hold">
+                                          <p:stCondLst>
+                                            <p:cond delay="0"/>
+                                          </p:stCondLst>
+                                        </p:cTn>
+                                        <p:tgtEl>
+                                          <p:spTgt spid="9"/>
+                                        </p:tgtEl>
+                                        <p:attrNameLst>
+                                          <p:attrName>style.visibility</p:attrName>
+                                        </p:attrNameLst>
+                                      </p:cBhvr>
+                                      <p:to>
+                                        <p:strVal val="visible"/>
+                                      </p:to>
+                                    </p:set>
+                                    <p:animEffect transition="in" filter="barn(inVertical)">
+                                      <p:cBhvr>
+                                        <p:cTn id="19" dur="500"/>
+                                        <p:tgtEl>
+                                          <p:spTgt spid="9"/>
+                                        </p:tgtEl>
+                                      </p:cBhvr>
+                                    </p:animEffect>
+                                  </p:childTnLst>
+                                </p:cTn>
+                              </p:par>
+                            </p:childTnLst>
+                          </p:cTn>
+                        </p:par>
+                      </p:childTnLst>
+                    </p:cTn>
+                  </p:par>
+                  <p:par>
+                    <p:cTn id="20" fill="hold">
+                      <p:stCondLst>
+                        <p:cond delay="indefinite"/>
+                      </p:stCondLst>
+                      <p:childTnLst>
+                        <p:par>
+                          <p:cTn id="21" fill="hold">
+                            <p:stCondLst>
+                              <p:cond delay="0"/>
+                            </p:stCondLst>
+                            <p:childTnLst>
+                              <p:par>
+                                <p:cTn id="22" presetID="63" presetClass="path" presetSubtype="0" accel="50000" decel="50000" fill="hold" grpId="2" nodeType="clickEffect">
+                                  <p:stCondLst>
+                                    <p:cond delay="0"/>
+                                  </p:stCondLst>
+                                  <p:childTnLst>
+                                    <p:animMotion origin="layout" path="M 0.15416 -4.81481E-6 L 0.31041 0.00047 " pathEditMode="relative" rAng="0" ptsTypes="AA">
+                                      <p:cBhvr>
+                                        <p:cTn id="23" dur="2000" fill="hold"/>
+                                        <p:tgtEl>
+                                          <p:spTgt spid="5"/>
+                                        </p:tgtEl>
+                                        <p:attrNameLst>
+                                          <p:attrName>ppt_x</p:attrName>
+                                          <p:attrName>ppt_y</p:attrName>
+                                        </p:attrNameLst>
+                                      </p:cBhvr>
+                                      <p:rCtr x="7813" y="23"/>
+                                    </p:animMotion>
+                                  </p:childTnLst>
+                                </p:cTn>
+                              </p:par>
+                            </p:childTnLst>
+                          </p:cTn>
+                        </p:par>
+                        <p:par>
+                          <p:cTn id="24" fill="hold">
+                            <p:stCondLst>
+                              <p:cond delay="2000"/>
+                            </p:stCondLst>
+                            <p:childTnLst>
+                              <p:par>
+                                <p:cTn id="25" presetID="16" presetClass="entr" presetSubtype="21" fill="hold" grpId="0" nodeType="afterEffect">
+                                  <p:stCondLst>
+                                    <p:cond delay="0"/>
+                                  </p:stCondLst>
+                                  <p:childTnLst>
+                                    <p:set>
+                                      <p:cBhvr>
+                                        <p:cTn id="26" dur="1" fill="hold">
+                                          <p:stCondLst>
+                                            <p:cond delay="0"/>
+                                          </p:stCondLst>
+                                        </p:cTn>
+                                        <p:tgtEl>
+                                          <p:spTgt spid="10"/>
+                                        </p:tgtEl>
+                                        <p:attrNameLst>
+                                          <p:attrName>style.visibility</p:attrName>
+                                        </p:attrNameLst>
+                                      </p:cBhvr>
+                                      <p:to>
+                                        <p:strVal val="visible"/>
+                                      </p:to>
+                                    </p:set>
+                                    <p:animEffect transition="in" filter="barn(inVertical)">
+                                      <p:cBhvr>
+                                        <p:cTn id="27" dur="500"/>
+                                        <p:tgtEl>
+                                          <p:spTgt spid="10"/>
+                                        </p:tgtEl>
+                                      </p:cBhvr>
+                                    </p:animEffect>
+                                  </p:childTnLst>
+                                </p:cTn>
+                              </p:par>
+                            </p:childTnLst>
+                          </p:cTn>
+                        </p:par>
+                      </p:childTnLst>
+                    </p:cTn>
+                  </p:par>
+                </p:childTnLst>
+              </p:cTn>
+              <p:prevCondLst>
+                <p:cond evt="onPrev" delay="0">
+                  <p:tgtEl>
+                    <p:sldTgt/>
+                  </p:tgtEl>
+                </p:cond>
+              </p:prevCondLst>
+              <p:nextCondLst>
+                <p:cond evt="onNext" delay="0">
+                  <p:tgtEl>
+                    <p:sldTgt/>
+                  </p:tgtEl>
+                </p:cond>
+              </p:nextCondLst>
+            </p:seq>
+          </p:childTnLst>
+        </p:cTn>
       </p:par>
     </p:tnLst>
+    <p:bldLst>
+      <p:bldP spid="5" grpId="0" animBg="1"/>
+      <p:bldP spid="5" grpId="1" animBg="1"/>
+      <p:bldP spid="5" grpId="2" animBg="1"/>
+      <p:bldP spid="8" grpId="0" animBg="1"/>
+      <p:bldP spid="9" grpId="0" animBg="1"/>
+      <p:bldP spid="10" grpId="0" animBg="1"/>
+    </p:bldLst>
   </p:timing>
 </p:sld>
 </file>
@@ -34542,7 +37525,7 @@
           <a:graphicData uri="http://schemas.openxmlformats.org/presentationml/2006/ole">
             <mc:AlternateContent xmlns:mc="http://schemas.openxmlformats.org/markup-compatibility/2006">
               <mc:Choice xmlns:v="urn:schemas-microsoft-com:vml" Requires="v">
-                <p:oleObj spid="_x0000_s7267" name="Visio" r:id="rId4" imgW="10307769" imgH="4213807" progId="Visio.Drawing.15">
+                <p:oleObj spid="_x0000_s7285" name="Visio" r:id="rId4" imgW="10307769" imgH="4213807" progId="Visio.Drawing.15">
                   <p:embed/>
                 </p:oleObj>
               </mc:Choice>
@@ -34788,7 +37771,7 @@
           <a:graphicData uri="http://schemas.openxmlformats.org/presentationml/2006/ole">
             <mc:AlternateContent xmlns:mc="http://schemas.openxmlformats.org/markup-compatibility/2006">
               <mc:Choice xmlns:v="urn:schemas-microsoft-com:vml" Requires="v">
-                <p:oleObj spid="_x0000_s3379" name="Visio" r:id="rId4" imgW="12467620" imgH="4329842" progId="Visio.Drawing.15">
+                <p:oleObj spid="_x0000_s3397" name="Visio" r:id="rId4" imgW="12467620" imgH="4329842" progId="Visio.Drawing.15">
                   <p:embed/>
                 </p:oleObj>
               </mc:Choice>
@@ -40691,11 +43674,11 @@
   <p:clrMapOvr>
     <a:masterClrMapping/>
   </p:clrMapOvr>
-  <mc:AlternateContent xmlns:mc="http://schemas.openxmlformats.org/markup-compatibility/2006">
-    <mc:Choice xmlns:p14="http://schemas.microsoft.com/office/powerpoint/2010/main" Requires="p14">
+  <mc:AlternateContent xmlns:mc="http://schemas.openxmlformats.org/markup-compatibility/2006" xmlns:p14="http://schemas.microsoft.com/office/powerpoint/2010/main">
+    <mc:Choice Requires="p14">
       <p:transition spd="slow" p14:dur="2000" advTm="48900"/>
     </mc:Choice>
-    <mc:Fallback>
+    <mc:Fallback xmlns="">
       <p:transition spd="slow" advTm="48900"/>
     </mc:Fallback>
   </mc:AlternateContent>
@@ -44558,7 +47541,7 @@
             <a:graphicData uri="http://schemas.openxmlformats.org/presentationml/2006/ole">
               <mc:AlternateContent xmlns:mc="http://schemas.openxmlformats.org/markup-compatibility/2006">
                 <mc:Choice xmlns:v="urn:schemas-microsoft-com:vml" Requires="v">
-                  <p:oleObj spid="_x0000_s5680" name="Visio" r:id="rId4" imgW="5249789" imgH="5698709" progId="Visio.Drawing.15">
+                  <p:oleObj spid="_x0000_s5716" name="Visio" r:id="rId4" imgW="5249789" imgH="5698709" progId="Visio.Drawing.15">
                     <p:embed/>
                   </p:oleObj>
                 </mc:Choice>
@@ -44678,7 +47661,7 @@
             <a:graphicData uri="http://schemas.openxmlformats.org/presentationml/2006/ole">
               <mc:AlternateContent xmlns:mc="http://schemas.openxmlformats.org/markup-compatibility/2006">
                 <mc:Choice xmlns:v="urn:schemas-microsoft-com:vml" Requires="v">
-                  <p:oleObj spid="_x0000_s5681" name="Visio" r:id="rId6" imgW="5251048" imgH="5158477" progId="Visio.Drawing.15">
+                  <p:oleObj spid="_x0000_s5717" name="Visio" r:id="rId6" imgW="5251048" imgH="5158477" progId="Visio.Drawing.15">
                     <p:embed/>
                   </p:oleObj>
                 </mc:Choice>
@@ -49430,43 +52413,6 @@
       </p:grpSpPr>
       <p:sp>
         <p:nvSpPr>
-          <p:cNvPr id="24" name="文本框 23"/>
-          <p:cNvSpPr txBox="1"/>
-          <p:nvPr/>
-        </p:nvSpPr>
-        <p:spPr>
-          <a:xfrm>
-            <a:off x="471029" y="1618598"/>
-            <a:ext cx="5819411" cy="415498"/>
-          </a:xfrm>
-          <a:prstGeom prst="rect">
-            <a:avLst/>
-          </a:prstGeom>
-          <a:noFill/>
-        </p:spPr>
-        <p:txBody>
-          <a:bodyPr wrap="square" rtlCol="0">
-            <a:spAutoFit/>
-          </a:bodyPr>
-          <a:lstStyle/>
-          <a:p>
-            <a:r>
-              <a:rPr lang="zh-CN" altLang="en-US" sz="2100" dirty="0"/>
-              <a:t>批处理模型</a:t>
-            </a:r>
-            <a:r>
-              <a:rPr lang="zh-CN" altLang="en-US" sz="2100" dirty="0" smtClean="0"/>
-              <a:t>：离线计算，解决</a:t>
-            </a:r>
-            <a:r>
-              <a:rPr lang="zh-CN" altLang="en-US" sz="2100" dirty="0"/>
-              <a:t>静态图计算问题</a:t>
-            </a:r>
-          </a:p>
-        </p:txBody>
-      </p:sp>
-      <p:sp>
-        <p:nvSpPr>
           <p:cNvPr id="26" name="文本框 25"/>
           <p:cNvSpPr txBox="1"/>
           <p:nvPr/>
@@ -49920,8 +52866,16 @@
           <a:lstStyle/>
           <a:p>
             <a:r>
-              <a:rPr lang="zh-CN" altLang="en-US" dirty="0" smtClean="0"/>
-              <a:t>六、总结和下一步工作</a:t>
+              <a:rPr lang="zh-CN" altLang="en-US" dirty="0"/>
+              <a:t>五、实验结果和演示</a:t>
+            </a:r>
+            <a:r>
+              <a:rPr lang="en-US" altLang="zh-CN" dirty="0" smtClean="0"/>
+              <a:t>-</a:t>
+            </a:r>
+            <a:r>
+              <a:rPr lang="zh-CN" altLang="en-US" sz="2100" dirty="0" smtClean="0"/>
+              <a:t>扩展性</a:t>
             </a:r>
             <a:endParaRPr lang="zh-CN" altLang="en-US" sz="2100" dirty="0"/>
           </a:p>
@@ -49961,16 +52915,64 @@
           </a:p>
         </p:txBody>
       </p:sp>
+      <p:graphicFrame>
+        <p:nvGraphicFramePr>
+          <p:cNvPr id="9" name="图表 8"/>
+          <p:cNvGraphicFramePr>
+            <a:graphicFrameLocks/>
+          </p:cNvGraphicFramePr>
+          <p:nvPr>
+            <p:extLst>
+              <p:ext uri="{D42A27DB-BD31-4B8C-83A1-F6EECF244321}">
+                <p14:modId xmlns:p14="http://schemas.microsoft.com/office/powerpoint/2010/main" val="1361174441"/>
+              </p:ext>
+            </p:extLst>
+          </p:nvPr>
+        </p:nvGraphicFramePr>
+        <p:xfrm>
+          <a:off x="728133" y="4158507"/>
+          <a:ext cx="4097867" cy="2404532"/>
+        </p:xfrm>
+        <a:graphic>
+          <a:graphicData uri="http://schemas.openxmlformats.org/drawingml/2006/chart">
+            <c:chart xmlns:c="http://schemas.openxmlformats.org/drawingml/2006/chart" xmlns:r="http://schemas.openxmlformats.org/officeDocument/2006/relationships" r:id="rId3"/>
+          </a:graphicData>
+        </a:graphic>
+      </p:graphicFrame>
+      <p:graphicFrame>
+        <p:nvGraphicFramePr>
+          <p:cNvPr id="6" name="图表 5"/>
+          <p:cNvGraphicFramePr>
+            <a:graphicFrameLocks/>
+          </p:cNvGraphicFramePr>
+          <p:nvPr>
+            <p:extLst>
+              <p:ext uri="{D42A27DB-BD31-4B8C-83A1-F6EECF244321}">
+                <p14:modId xmlns:p14="http://schemas.microsoft.com/office/powerpoint/2010/main" val="1025500320"/>
+              </p:ext>
+            </p:extLst>
+          </p:nvPr>
+        </p:nvGraphicFramePr>
+        <p:xfrm>
+          <a:off x="355599" y="1684806"/>
+          <a:ext cx="4470401" cy="2235201"/>
+        </p:xfrm>
+        <a:graphic>
+          <a:graphicData uri="http://schemas.openxmlformats.org/drawingml/2006/chart">
+            <c:chart xmlns:c="http://schemas.openxmlformats.org/drawingml/2006/chart" xmlns:r="http://schemas.openxmlformats.org/officeDocument/2006/relationships" r:id="rId4"/>
+          </a:graphicData>
+        </a:graphic>
+      </p:graphicFrame>
       <p:sp>
         <p:nvSpPr>
-          <p:cNvPr id="4" name="文本框 3"/>
+          <p:cNvPr id="5" name="文本框 4"/>
           <p:cNvSpPr txBox="1"/>
           <p:nvPr/>
         </p:nvSpPr>
         <p:spPr>
           <a:xfrm>
-            <a:off x="927100" y="1993900"/>
-            <a:ext cx="6959600" cy="2031325"/>
+            <a:off x="5638800" y="2317693"/>
+            <a:ext cx="2929466" cy="923330"/>
           </a:xfrm>
           <a:prstGeom prst="rect">
             <a:avLst/>
@@ -49983,40 +52985,21 @@
           </a:bodyPr>
           <a:lstStyle/>
           <a:p>
-            <a:pPr marL="342900" indent="-342900">
-              <a:buAutoNum type="arabicPeriod"/>
-            </a:pPr>
             <a:r>
               <a:rPr lang="zh-CN" altLang="en-US" dirty="0" smtClean="0"/>
-              <a:t>针对流式场景下图算法的归纳，抽象出它们的典型特征，并在该基础上设计了基于状态更新的流式图计算模型，在该模型的基础上设计了流式图算法；</a:t>
-            </a:r>
-            <a:endParaRPr lang="en-US" altLang="zh-CN" dirty="0" smtClean="0"/>
-          </a:p>
-          <a:p>
-            <a:pPr marL="342900" indent="-342900">
-              <a:buAutoNum type="arabicPeriod"/>
-            </a:pPr>
+              <a:t>在</a:t>
+            </a:r>
+            <a:r>
+              <a:rPr lang="en-US" altLang="zh-CN" dirty="0" smtClean="0"/>
+              <a:t>1-10</a:t>
+            </a:r>
             <a:r>
               <a:rPr lang="zh-CN" altLang="en-US" dirty="0" smtClean="0"/>
-              <a:t>设计并实现了基于该模型的系统</a:t>
+              <a:t>个计算节点的扩展中，算法的正确率依旧保持</a:t>
             </a:r>
             <a:r>
               <a:rPr lang="en-US" altLang="zh-CN" dirty="0" smtClean="0"/>
-              <a:t>GraphFlow</a:t>
-            </a:r>
-            <a:r>
-              <a:rPr lang="zh-CN" altLang="en-US" dirty="0" smtClean="0"/>
-              <a:t>，从数据的摄入、计算、存储和访问四个层次构建完备的流式图处理系统；</a:t>
-            </a:r>
-            <a:endParaRPr lang="en-US" altLang="zh-CN" dirty="0" smtClean="0"/>
-          </a:p>
-          <a:p>
-            <a:pPr marL="342900" indent="-342900">
-              <a:buAutoNum type="arabicPeriod"/>
-            </a:pPr>
-            <a:r>
-              <a:rPr lang="zh-CN" altLang="en-US" dirty="0" smtClean="0"/>
-              <a:t>设计实验，在真实数据集上对系统进行实时性、准确性和更新冲突的测试。</a:t>
+              <a:t>100%</a:t>
             </a:r>
             <a:endParaRPr lang="zh-CN" altLang="en-US" dirty="0"/>
           </a:p>
@@ -50024,14 +53007,14 @@
       </p:sp>
       <p:sp>
         <p:nvSpPr>
-          <p:cNvPr id="5" name="文本框 4"/>
+          <p:cNvPr id="8" name="文本框 7"/>
           <p:cNvSpPr txBox="1"/>
           <p:nvPr/>
         </p:nvSpPr>
         <p:spPr>
           <a:xfrm>
-            <a:off x="696768" y="1624568"/>
-            <a:ext cx="1193800" cy="369332"/>
+            <a:off x="5638800" y="4993378"/>
+            <a:ext cx="2929466" cy="923330"/>
           </a:xfrm>
           <a:prstGeom prst="rect">
             <a:avLst/>
@@ -50046,7 +53029,19 @@
           <a:p>
             <a:r>
               <a:rPr lang="zh-CN" altLang="en-US" dirty="0" smtClean="0"/>
-              <a:t>总结：</a:t>
+              <a:t>在</a:t>
+            </a:r>
+            <a:r>
+              <a:rPr lang="en-US" altLang="zh-CN" dirty="0" smtClean="0"/>
+              <a:t>10</a:t>
+            </a:r>
+            <a:r>
+              <a:rPr lang="zh-CN" altLang="en-US" dirty="0" smtClean="0"/>
+              <a:t>个计算节点同时更新过程中，更新冲突概率仍然小于</a:t>
+            </a:r>
+            <a:r>
+              <a:rPr lang="en-US" altLang="zh-CN" dirty="0" smtClean="0"/>
+              <a:t>3%</a:t>
             </a:r>
             <a:endParaRPr lang="zh-CN" altLang="en-US" dirty="0"/>
           </a:p>
@@ -50054,85 +53049,88 @@
       </p:sp>
       <p:sp>
         <p:nvSpPr>
-          <p:cNvPr id="6" name="文本框 5"/>
-          <p:cNvSpPr txBox="1"/>
+          <p:cNvPr id="7" name="右箭头 6"/>
+          <p:cNvSpPr/>
           <p:nvPr/>
         </p:nvSpPr>
         <p:spPr>
           <a:xfrm>
-            <a:off x="696768" y="4325575"/>
-            <a:ext cx="1652732" cy="369332"/>
+            <a:off x="4826000" y="2607733"/>
+            <a:ext cx="694267" cy="440267"/>
           </a:xfrm>
-          <a:prstGeom prst="rect">
+          <a:prstGeom prst="rightArrow">
             <a:avLst/>
           </a:prstGeom>
-          <a:noFill/>
         </p:spPr>
+        <p:style>
+          <a:lnRef idx="2">
+            <a:schemeClr val="accent1">
+              <a:shade val="50000"/>
+            </a:schemeClr>
+          </a:lnRef>
+          <a:fillRef idx="1">
+            <a:schemeClr val="accent1"/>
+          </a:fillRef>
+          <a:effectRef idx="0">
+            <a:schemeClr val="accent1"/>
+          </a:effectRef>
+          <a:fontRef idx="minor">
+            <a:schemeClr val="lt1"/>
+          </a:fontRef>
+        </p:style>
         <p:txBody>
-          <a:bodyPr wrap="square" rtlCol="0">
-            <a:spAutoFit/>
-          </a:bodyPr>
+          <a:bodyPr rtlCol="0" anchor="ctr"/>
           <a:lstStyle/>
           <a:p>
-            <a:r>
-              <a:rPr lang="zh-CN" altLang="en-US" dirty="0" smtClean="0"/>
-              <a:t>下一步工作：</a:t>
-            </a:r>
-            <a:endParaRPr lang="zh-CN" altLang="en-US" dirty="0"/>
+            <a:pPr algn="ctr"/>
+            <a:endParaRPr lang="zh-CN" altLang="en-US"/>
           </a:p>
         </p:txBody>
       </p:sp>
       <p:sp>
         <p:nvSpPr>
-          <p:cNvPr id="7" name="文本框 6"/>
-          <p:cNvSpPr txBox="1"/>
+          <p:cNvPr id="10" name="右箭头 9"/>
+          <p:cNvSpPr/>
           <p:nvPr/>
         </p:nvSpPr>
         <p:spPr>
           <a:xfrm>
-            <a:off x="1130300" y="4826675"/>
-            <a:ext cx="6959600" cy="1200329"/>
+            <a:off x="4820419" y="5283418"/>
+            <a:ext cx="694267" cy="440267"/>
           </a:xfrm>
-          <a:prstGeom prst="rect">
+          <a:prstGeom prst="rightArrow">
             <a:avLst/>
           </a:prstGeom>
-          <a:noFill/>
         </p:spPr>
+        <p:style>
+          <a:lnRef idx="2">
+            <a:schemeClr val="accent1">
+              <a:shade val="50000"/>
+            </a:schemeClr>
+          </a:lnRef>
+          <a:fillRef idx="1">
+            <a:schemeClr val="accent1"/>
+          </a:fillRef>
+          <a:effectRef idx="0">
+            <a:schemeClr val="accent1"/>
+          </a:effectRef>
+          <a:fontRef idx="minor">
+            <a:schemeClr val="lt1"/>
+          </a:fontRef>
+        </p:style>
         <p:txBody>
-          <a:bodyPr wrap="square" rtlCol="0">
-            <a:spAutoFit/>
-          </a:bodyPr>
+          <a:bodyPr rtlCol="0" anchor="ctr"/>
           <a:lstStyle/>
           <a:p>
-            <a:r>
-              <a:rPr lang="zh-CN" altLang="en-US" dirty="0"/>
-              <a:t>模型</a:t>
-            </a:r>
-            <a:r>
-              <a:rPr lang="zh-CN" altLang="en-US" dirty="0" smtClean="0"/>
-              <a:t>方向：通过分析流式场景下更多的图算法，进一步对模型进行完善；</a:t>
-            </a:r>
-            <a:endParaRPr lang="en-US" altLang="zh-CN" dirty="0" smtClean="0"/>
-          </a:p>
-          <a:p>
-            <a:r>
-              <a:rPr lang="zh-CN" altLang="en-US" dirty="0" smtClean="0"/>
-              <a:t>算法方向：利用该模型来实现更多的流式图算法。</a:t>
-            </a:r>
-            <a:endParaRPr lang="en-US" altLang="zh-CN" dirty="0" smtClean="0"/>
-          </a:p>
-          <a:p>
-            <a:pPr marL="342900" indent="-342900">
-              <a:buAutoNum type="arabicPeriod"/>
-            </a:pPr>
-            <a:endParaRPr lang="zh-CN" altLang="en-US" dirty="0"/>
+            <a:pPr algn="ctr"/>
+            <a:endParaRPr lang="zh-CN" altLang="en-US"/>
           </a:p>
         </p:txBody>
       </p:sp>
     </p:spTree>
     <p:extLst>
       <p:ext uri="{BB962C8B-B14F-4D97-AF65-F5344CB8AC3E}">
-        <p14:creationId xmlns:p14="http://schemas.microsoft.com/office/powerpoint/2010/main" val="4171373953"/>
+        <p14:creationId xmlns:p14="http://schemas.microsoft.com/office/powerpoint/2010/main" val="401008585"/>
       </p:ext>
     </p:extLst>
   </p:cSld>
@@ -50141,10 +53139,10 @@
   </p:clrMapOvr>
   <mc:AlternateContent xmlns:mc="http://schemas.openxmlformats.org/markup-compatibility/2006" xmlns:p14="http://schemas.microsoft.com/office/powerpoint/2010/main">
     <mc:Choice Requires="p14">
-      <p:transition spd="slow" p14:dur="2000" advTm="5006"/>
+      <p:transition spd="slow" p14:dur="2000" advTm="3944"/>
     </mc:Choice>
     <mc:Fallback xmlns="">
-      <p:transition spd="slow" advTm="5006"/>
+      <p:transition spd="slow" advTm="3944"/>
     </mc:Fallback>
   </mc:AlternateContent>
   <p:timing>
@@ -50184,6 +53182,283 @@
             <p:ph type="title"/>
           </p:nvPr>
         </p:nvSpPr>
+        <p:spPr>
+          <a:xfrm>
+            <a:off x="0" y="839342"/>
+            <a:ext cx="7886700" cy="649326"/>
+          </a:xfrm>
+        </p:spPr>
+        <p:txBody>
+          <a:bodyPr>
+            <a:normAutofit fontScale="90000"/>
+          </a:bodyPr>
+          <a:lstStyle/>
+          <a:p>
+            <a:r>
+              <a:rPr lang="zh-CN" altLang="en-US" dirty="0" smtClean="0"/>
+              <a:t>六、总结和下一步工作</a:t>
+            </a:r>
+            <a:endParaRPr lang="zh-CN" altLang="en-US" sz="2100" dirty="0"/>
+          </a:p>
+        </p:txBody>
+      </p:sp>
+      <p:sp>
+        <p:nvSpPr>
+          <p:cNvPr id="3" name="矩形 2"/>
+          <p:cNvSpPr/>
+          <p:nvPr/>
+        </p:nvSpPr>
+        <p:spPr>
+          <a:xfrm>
+            <a:off x="1293668" y="5916708"/>
+            <a:ext cx="4909705" cy="646331"/>
+          </a:xfrm>
+          <a:prstGeom prst="rect">
+            <a:avLst/>
+          </a:prstGeom>
+        </p:spPr>
+        <p:txBody>
+          <a:bodyPr wrap="square">
+            <a:spAutoFit/>
+          </a:bodyPr>
+          <a:lstStyle/>
+          <a:p>
+            <a:endParaRPr lang="en-US" altLang="zh-CN" dirty="0">
+              <a:latin typeface="Calibri" panose="020F0502020204030204" pitchFamily="34" charset="0"/>
+              <a:cs typeface="Times New Roman" panose="02020603050405020304" pitchFamily="18" charset="0"/>
+            </a:endParaRPr>
+          </a:p>
+          <a:p>
+            <a:endParaRPr lang="en-US" altLang="zh-CN" dirty="0">
+              <a:latin typeface="Calibri" panose="020F0502020204030204" pitchFamily="34" charset="0"/>
+              <a:cs typeface="Times New Roman" panose="02020603050405020304" pitchFamily="18" charset="0"/>
+            </a:endParaRPr>
+          </a:p>
+        </p:txBody>
+      </p:sp>
+      <p:sp>
+        <p:nvSpPr>
+          <p:cNvPr id="4" name="文本框 3"/>
+          <p:cNvSpPr txBox="1"/>
+          <p:nvPr/>
+        </p:nvSpPr>
+        <p:spPr>
+          <a:xfrm>
+            <a:off x="927100" y="1993900"/>
+            <a:ext cx="6959600" cy="2031325"/>
+          </a:xfrm>
+          <a:prstGeom prst="rect">
+            <a:avLst/>
+          </a:prstGeom>
+          <a:noFill/>
+        </p:spPr>
+        <p:txBody>
+          <a:bodyPr wrap="square" rtlCol="0">
+            <a:spAutoFit/>
+          </a:bodyPr>
+          <a:lstStyle/>
+          <a:p>
+            <a:pPr marL="342900" indent="-342900">
+              <a:buAutoNum type="arabicPeriod"/>
+            </a:pPr>
+            <a:r>
+              <a:rPr lang="zh-CN" altLang="en-US" dirty="0" smtClean="0"/>
+              <a:t>针对流式场景下图算法的归纳，抽象出它们的典型特征，并在该基础上设计了基于状态更新的流式图计算模型，在该模型的基础上设计了流式图算法；</a:t>
+            </a:r>
+            <a:endParaRPr lang="en-US" altLang="zh-CN" dirty="0" smtClean="0"/>
+          </a:p>
+          <a:p>
+            <a:pPr marL="342900" indent="-342900">
+              <a:buAutoNum type="arabicPeriod"/>
+            </a:pPr>
+            <a:r>
+              <a:rPr lang="zh-CN" altLang="en-US" dirty="0" smtClean="0"/>
+              <a:t>设计并实现了基于该模型的系统</a:t>
+            </a:r>
+            <a:r>
+              <a:rPr lang="en-US" altLang="zh-CN" dirty="0" smtClean="0"/>
+              <a:t>GraphFlow</a:t>
+            </a:r>
+            <a:r>
+              <a:rPr lang="zh-CN" altLang="en-US" dirty="0" smtClean="0"/>
+              <a:t>，从数据的摄入、计算、存储和访问四个层次构建完备的流式图处理系统；</a:t>
+            </a:r>
+            <a:endParaRPr lang="en-US" altLang="zh-CN" dirty="0" smtClean="0"/>
+          </a:p>
+          <a:p>
+            <a:pPr marL="342900" indent="-342900">
+              <a:buAutoNum type="arabicPeriod"/>
+            </a:pPr>
+            <a:r>
+              <a:rPr lang="zh-CN" altLang="en-US" dirty="0" smtClean="0"/>
+              <a:t>设计实验，在真实数据集上对系统进行实时性、准确性和更新冲突的测试。</a:t>
+            </a:r>
+            <a:endParaRPr lang="zh-CN" altLang="en-US" dirty="0"/>
+          </a:p>
+        </p:txBody>
+      </p:sp>
+      <p:sp>
+        <p:nvSpPr>
+          <p:cNvPr id="5" name="文本框 4"/>
+          <p:cNvSpPr txBox="1"/>
+          <p:nvPr/>
+        </p:nvSpPr>
+        <p:spPr>
+          <a:xfrm>
+            <a:off x="696768" y="1624568"/>
+            <a:ext cx="1193800" cy="369332"/>
+          </a:xfrm>
+          <a:prstGeom prst="rect">
+            <a:avLst/>
+          </a:prstGeom>
+          <a:noFill/>
+        </p:spPr>
+        <p:txBody>
+          <a:bodyPr wrap="square" rtlCol="0">
+            <a:spAutoFit/>
+          </a:bodyPr>
+          <a:lstStyle/>
+          <a:p>
+            <a:r>
+              <a:rPr lang="zh-CN" altLang="en-US" dirty="0" smtClean="0"/>
+              <a:t>总结：</a:t>
+            </a:r>
+            <a:endParaRPr lang="zh-CN" altLang="en-US" dirty="0"/>
+          </a:p>
+        </p:txBody>
+      </p:sp>
+      <p:sp>
+        <p:nvSpPr>
+          <p:cNvPr id="6" name="文本框 5"/>
+          <p:cNvSpPr txBox="1"/>
+          <p:nvPr/>
+        </p:nvSpPr>
+        <p:spPr>
+          <a:xfrm>
+            <a:off x="696768" y="4325575"/>
+            <a:ext cx="1652732" cy="369332"/>
+          </a:xfrm>
+          <a:prstGeom prst="rect">
+            <a:avLst/>
+          </a:prstGeom>
+          <a:noFill/>
+        </p:spPr>
+        <p:txBody>
+          <a:bodyPr wrap="square" rtlCol="0">
+            <a:spAutoFit/>
+          </a:bodyPr>
+          <a:lstStyle/>
+          <a:p>
+            <a:r>
+              <a:rPr lang="zh-CN" altLang="en-US" dirty="0" smtClean="0"/>
+              <a:t>下一步工作：</a:t>
+            </a:r>
+            <a:endParaRPr lang="zh-CN" altLang="en-US" dirty="0"/>
+          </a:p>
+        </p:txBody>
+      </p:sp>
+      <p:sp>
+        <p:nvSpPr>
+          <p:cNvPr id="7" name="文本框 6"/>
+          <p:cNvSpPr txBox="1"/>
+          <p:nvPr/>
+        </p:nvSpPr>
+        <p:spPr>
+          <a:xfrm>
+            <a:off x="1130300" y="4826675"/>
+            <a:ext cx="6959600" cy="1200329"/>
+          </a:xfrm>
+          <a:prstGeom prst="rect">
+            <a:avLst/>
+          </a:prstGeom>
+          <a:noFill/>
+        </p:spPr>
+        <p:txBody>
+          <a:bodyPr wrap="square" rtlCol="0">
+            <a:spAutoFit/>
+          </a:bodyPr>
+          <a:lstStyle/>
+          <a:p>
+            <a:r>
+              <a:rPr lang="zh-CN" altLang="en-US" dirty="0"/>
+              <a:t>模型</a:t>
+            </a:r>
+            <a:r>
+              <a:rPr lang="zh-CN" altLang="en-US" dirty="0" smtClean="0"/>
+              <a:t>方向：通过分析流式场景下更多的图算法，进一步对模型进行完善；</a:t>
+            </a:r>
+            <a:endParaRPr lang="en-US" altLang="zh-CN" dirty="0" smtClean="0"/>
+          </a:p>
+          <a:p>
+            <a:r>
+              <a:rPr lang="zh-CN" altLang="en-US" dirty="0" smtClean="0"/>
+              <a:t>算法方向：利用该模型来实现更多的流式图算法。</a:t>
+            </a:r>
+            <a:endParaRPr lang="en-US" altLang="zh-CN" dirty="0" smtClean="0"/>
+          </a:p>
+          <a:p>
+            <a:pPr marL="342900" indent="-342900">
+              <a:buAutoNum type="arabicPeriod"/>
+            </a:pPr>
+            <a:endParaRPr lang="zh-CN" altLang="en-US" dirty="0"/>
+          </a:p>
+        </p:txBody>
+      </p:sp>
+    </p:spTree>
+    <p:extLst>
+      <p:ext uri="{BB962C8B-B14F-4D97-AF65-F5344CB8AC3E}">
+        <p14:creationId xmlns:p14="http://schemas.microsoft.com/office/powerpoint/2010/main" val="4171373953"/>
+      </p:ext>
+    </p:extLst>
+  </p:cSld>
+  <p:clrMapOvr>
+    <a:masterClrMapping/>
+  </p:clrMapOvr>
+  <mc:AlternateContent xmlns:mc="http://schemas.openxmlformats.org/markup-compatibility/2006" xmlns:p14="http://schemas.microsoft.com/office/powerpoint/2010/main">
+    <mc:Choice Requires="p14">
+      <p:transition spd="slow" p14:dur="2000" advTm="5006"/>
+    </mc:Choice>
+    <mc:Fallback xmlns="">
+      <p:transition spd="slow" advTm="5006"/>
+    </mc:Fallback>
+  </mc:AlternateContent>
+  <p:timing>
+    <p:tnLst>
+      <p:par>
+        <p:cTn id="1" dur="indefinite" restart="never" nodeType="tmRoot"/>
+      </p:par>
+    </p:tnLst>
+  </p:timing>
+</p:sld>
+</file>
+
+<file path=ppt/slides/slide42.xml><?xml version="1.0" encoding="utf-8"?>
+<p:sld xmlns:a="http://schemas.openxmlformats.org/drawingml/2006/main" xmlns:r="http://schemas.openxmlformats.org/officeDocument/2006/relationships" xmlns:p="http://schemas.openxmlformats.org/presentationml/2006/main">
+  <p:cSld>
+    <p:spTree>
+      <p:nvGrpSpPr>
+        <p:cNvPr id="1" name=""/>
+        <p:cNvGrpSpPr/>
+        <p:nvPr/>
+      </p:nvGrpSpPr>
+      <p:grpSpPr>
+        <a:xfrm>
+          <a:off x="0" y="0"/>
+          <a:ext cx="0" cy="0"/>
+          <a:chOff x="0" y="0"/>
+          <a:chExt cx="0" cy="0"/>
+        </a:xfrm>
+      </p:grpSpPr>
+      <p:sp>
+        <p:nvSpPr>
+          <p:cNvPr id="2" name="标题 1"/>
+          <p:cNvSpPr>
+            <a:spLocks noGrp="1"/>
+          </p:cNvSpPr>
+          <p:nvPr>
+            <p:ph type="title"/>
+          </p:nvPr>
+        </p:nvSpPr>
         <p:spPr/>
         <p:txBody>
           <a:bodyPr/>
@@ -50214,7 +53489,7 @@
           <a:p>
             <a:fld id="{EA0DD783-C42D-4E47-8876-0A845A2BA196}" type="slidenum">
               <a:rPr lang="zh-CN" altLang="en-US" smtClean="0"/>
-              <a:t>41</a:t>
+              <a:t>42</a:t>
             </a:fld>
             <a:endParaRPr lang="zh-CN" altLang="en-US"/>
           </a:p>
@@ -50541,7 +53816,7 @@
 </p:sld>
 </file>
 
-<file path=ppt/slides/slide42.xml><?xml version="1.0" encoding="utf-8"?>
+<file path=ppt/slides/slide43.xml><?xml version="1.0" encoding="utf-8"?>
 <p:sld xmlns:a="http://schemas.openxmlformats.org/drawingml/2006/main" xmlns:r="http://schemas.openxmlformats.org/officeDocument/2006/relationships" xmlns:p="http://schemas.openxmlformats.org/presentationml/2006/main">
   <p:cSld>
     <p:spTree>
@@ -50714,14 +53989,86 @@
       </p:grpSpPr>
       <p:sp>
         <p:nvSpPr>
-          <p:cNvPr id="24" name="文本框 23"/>
+          <p:cNvPr id="43" name="圆角矩形标注 42"/>
+          <p:cNvSpPr/>
+          <p:nvPr/>
+        </p:nvSpPr>
+        <p:spPr>
+          <a:xfrm>
+            <a:off x="6598738" y="1381223"/>
+            <a:ext cx="2279254" cy="698222"/>
+          </a:xfrm>
+          <a:prstGeom prst="wedgeRoundRectCallout">
+            <a:avLst>
+              <a:gd name="adj1" fmla="val -68363"/>
+              <a:gd name="adj2" fmla="val 63743"/>
+              <a:gd name="adj3" fmla="val 16667"/>
+            </a:avLst>
+          </a:prstGeom>
+        </p:spPr>
+        <p:style>
+          <a:lnRef idx="2">
+            <a:schemeClr val="accent3"/>
+          </a:lnRef>
+          <a:fillRef idx="1">
+            <a:schemeClr val="lt1"/>
+          </a:fillRef>
+          <a:effectRef idx="0">
+            <a:schemeClr val="accent3"/>
+          </a:effectRef>
+          <a:fontRef idx="minor">
+            <a:schemeClr val="dk1"/>
+          </a:fontRef>
+        </p:style>
+        <p:txBody>
+          <a:bodyPr rtlCol="0" anchor="ctr"/>
+          <a:lstStyle/>
+          <a:p>
+            <a:r>
+              <a:rPr lang="zh-CN" altLang="en-US" sz="1350" dirty="0"/>
+              <a:t>简单的增加一条边，系统却需要在整个数据集上重跑一遍！</a:t>
+            </a:r>
+            <a:r>
+              <a:rPr lang="zh-CN" altLang="en-US" sz="1350" b="1" dirty="0"/>
+              <a:t>代价较大！</a:t>
+            </a:r>
+          </a:p>
+        </p:txBody>
+      </p:sp>
+      <p:pic>
+        <p:nvPicPr>
+          <p:cNvPr id="44" name="图片 43"/>
+          <p:cNvPicPr>
+            <a:picLocks noChangeAspect="1"/>
+          </p:cNvPicPr>
+          <p:nvPr/>
+        </p:nvPicPr>
+        <p:blipFill>
+          <a:blip r:embed="rId3"/>
+          <a:stretch>
+            <a:fillRect/>
+          </a:stretch>
+        </p:blipFill>
+        <p:spPr>
+          <a:xfrm>
+            <a:off x="1409907" y="2102487"/>
+            <a:ext cx="5992380" cy="4163624"/>
+          </a:xfrm>
+          <a:prstGeom prst="rect">
+            <a:avLst/>
+          </a:prstGeom>
+        </p:spPr>
+      </p:pic>
+      <p:sp>
+        <p:nvSpPr>
+          <p:cNvPr id="9" name="文本框 8"/>
           <p:cNvSpPr txBox="1"/>
           <p:nvPr/>
         </p:nvSpPr>
         <p:spPr>
           <a:xfrm>
             <a:off x="471029" y="1618598"/>
-            <a:ext cx="5961301" cy="415498"/>
+            <a:ext cx="6623454" cy="415498"/>
           </a:xfrm>
           <a:prstGeom prst="rect">
             <a:avLst/>
@@ -50740,18 +54087,23 @@
             </a:r>
             <a:r>
               <a:rPr lang="zh-CN" altLang="en-US" sz="2100" dirty="0" smtClean="0"/>
-              <a:t>：在线分析，解决</a:t>
+              <a:t>：解决</a:t>
             </a:r>
             <a:r>
               <a:rPr lang="zh-CN" altLang="en-US" sz="2100" dirty="0"/>
-              <a:t>动态图计算问题</a:t>
-            </a:r>
+              <a:t>静态图计算</a:t>
+            </a:r>
+            <a:r>
+              <a:rPr lang="zh-CN" altLang="en-US" sz="2100" dirty="0" smtClean="0"/>
+              <a:t>问题，适合离线计算</a:t>
+            </a:r>
+            <a:endParaRPr lang="zh-CN" altLang="en-US" sz="2100" dirty="0"/>
           </a:p>
         </p:txBody>
       </p:sp>
       <p:sp>
         <p:nvSpPr>
-          <p:cNvPr id="31" name="标题 1"/>
+          <p:cNvPr id="10" name="标题 1"/>
           <p:cNvSpPr txBox="1">
             <a:spLocks/>
           </p:cNvSpPr>
@@ -50759,7 +54111,7 @@
         </p:nvSpPr>
         <p:spPr>
           <a:xfrm>
-            <a:off x="0" y="1081008"/>
+            <a:off x="0" y="839342"/>
             <a:ext cx="7886700" cy="649326"/>
           </a:xfrm>
           <a:prstGeom prst="rect">
@@ -50791,12 +54143,8 @@
           </a:lstStyle>
           <a:p>
             <a:r>
-              <a:rPr lang="zh-CN" altLang="en-US" sz="3300" dirty="0"/>
-              <a:t>一</a:t>
-            </a:r>
-            <a:r>
               <a:rPr lang="zh-CN" altLang="en-US" sz="3300" dirty="0" smtClean="0"/>
-              <a:t>、</a:t>
+              <a:t>一、</a:t>
             </a:r>
             <a:r>
               <a:rPr lang="zh-CN" altLang="en-US" sz="3600" dirty="0"/>
@@ -50808,87 +54156,12 @@
             </a:r>
             <a:r>
               <a:rPr lang="zh-CN" altLang="en-US" sz="2100" dirty="0" smtClean="0"/>
-              <a:t>批处理</a:t>
-            </a:r>
-            <a:r>
-              <a:rPr lang="zh-CN" altLang="en-US" sz="2100" dirty="0"/>
-              <a:t>模型</a:t>
-            </a:r>
+              <a:t>批处理模型</a:t>
+            </a:r>
+            <a:endParaRPr lang="zh-CN" altLang="en-US" sz="2100" dirty="0"/>
           </a:p>
         </p:txBody>
       </p:sp>
-      <p:sp>
-        <p:nvSpPr>
-          <p:cNvPr id="43" name="圆角矩形标注 42"/>
-          <p:cNvSpPr/>
-          <p:nvPr/>
-        </p:nvSpPr>
-        <p:spPr>
-          <a:xfrm>
-            <a:off x="6598738" y="1381223"/>
-            <a:ext cx="2279254" cy="698222"/>
-          </a:xfrm>
-          <a:prstGeom prst="wedgeRoundRectCallout">
-            <a:avLst>
-              <a:gd name="adj1" fmla="val -132691"/>
-              <a:gd name="adj2" fmla="val 75033"/>
-              <a:gd name="adj3" fmla="val 16667"/>
-            </a:avLst>
-          </a:prstGeom>
-        </p:spPr>
-        <p:style>
-          <a:lnRef idx="2">
-            <a:schemeClr val="accent3"/>
-          </a:lnRef>
-          <a:fillRef idx="1">
-            <a:schemeClr val="lt1"/>
-          </a:fillRef>
-          <a:effectRef idx="0">
-            <a:schemeClr val="accent3"/>
-          </a:effectRef>
-          <a:fontRef idx="minor">
-            <a:schemeClr val="dk1"/>
-          </a:fontRef>
-        </p:style>
-        <p:txBody>
-          <a:bodyPr rtlCol="0" anchor="ctr"/>
-          <a:lstStyle/>
-          <a:p>
-            <a:r>
-              <a:rPr lang="zh-CN" altLang="en-US" sz="1350" dirty="0"/>
-              <a:t>简单的增加一条边，系统却需要在整个数据集上重跑一遍！</a:t>
-            </a:r>
-            <a:r>
-              <a:rPr lang="zh-CN" altLang="en-US" sz="1350" b="1" dirty="0"/>
-              <a:t>代价较大！</a:t>
-            </a:r>
-          </a:p>
-        </p:txBody>
-      </p:sp>
-      <p:pic>
-        <p:nvPicPr>
-          <p:cNvPr id="44" name="图片 43"/>
-          <p:cNvPicPr>
-            <a:picLocks noChangeAspect="1"/>
-          </p:cNvPicPr>
-          <p:nvPr/>
-        </p:nvPicPr>
-        <p:blipFill>
-          <a:blip r:embed="rId3"/>
-          <a:stretch>
-            <a:fillRect/>
-          </a:stretch>
-        </p:blipFill>
-        <p:spPr>
-          <a:xfrm>
-            <a:off x="1409907" y="2102487"/>
-            <a:ext cx="5992380" cy="4163624"/>
-          </a:xfrm>
-          <a:prstGeom prst="rect">
-            <a:avLst/>
-          </a:prstGeom>
-        </p:spPr>
-      </p:pic>
     </p:spTree>
     <p:extLst>
       <p:ext uri="{BB962C8B-B14F-4D97-AF65-F5344CB8AC3E}">
@@ -50971,35 +54244,6 @@
             <a:r>
               <a:rPr lang="zh-CN" altLang="en-US" sz="2100" dirty="0"/>
               <a:t>流处理模型</a:t>
-            </a:r>
-          </a:p>
-        </p:txBody>
-      </p:sp>
-      <p:sp>
-        <p:nvSpPr>
-          <p:cNvPr id="32" name="文本框 31"/>
-          <p:cNvSpPr txBox="1"/>
-          <p:nvPr/>
-        </p:nvSpPr>
-        <p:spPr>
-          <a:xfrm>
-            <a:off x="471030" y="1618598"/>
-            <a:ext cx="4359730" cy="415498"/>
-          </a:xfrm>
-          <a:prstGeom prst="rect">
-            <a:avLst/>
-          </a:prstGeom>
-          <a:noFill/>
-        </p:spPr>
-        <p:txBody>
-          <a:bodyPr wrap="square" rtlCol="0">
-            <a:spAutoFit/>
-          </a:bodyPr>
-          <a:lstStyle/>
-          <a:p>
-            <a:r>
-              <a:rPr lang="zh-CN" altLang="en-US" sz="2100" dirty="0"/>
-              <a:t>流处理模型：解决动态图计算问题</a:t>
             </a:r>
           </a:p>
         </p:txBody>
@@ -51272,6 +54516,52 @@
               <a:rPr lang="zh-CN" altLang="en-US" b="1" dirty="0"/>
               <a:t>构成了动态变化的图</a:t>
             </a:r>
+          </a:p>
+        </p:txBody>
+      </p:sp>
+      <p:sp>
+        <p:nvSpPr>
+          <p:cNvPr id="9" name="文本框 8"/>
+          <p:cNvSpPr txBox="1"/>
+          <p:nvPr/>
+        </p:nvSpPr>
+        <p:spPr>
+          <a:xfrm>
+            <a:off x="471029" y="1618598"/>
+            <a:ext cx="6127709" cy="415498"/>
+          </a:xfrm>
+          <a:prstGeom prst="rect">
+            <a:avLst/>
+          </a:prstGeom>
+          <a:noFill/>
+        </p:spPr>
+        <p:txBody>
+          <a:bodyPr wrap="square" rtlCol="0">
+            <a:spAutoFit/>
+          </a:bodyPr>
+          <a:lstStyle/>
+          <a:p>
+            <a:r>
+              <a:rPr lang="zh-CN" altLang="en-US" sz="2100" dirty="0" smtClean="0"/>
+              <a:t>流处理</a:t>
+            </a:r>
+            <a:r>
+              <a:rPr lang="zh-CN" altLang="en-US" sz="2100" dirty="0"/>
+              <a:t>模型</a:t>
+            </a:r>
+            <a:r>
+              <a:rPr lang="zh-CN" altLang="en-US" sz="2100" dirty="0" smtClean="0"/>
+              <a:t>：解决</a:t>
+            </a:r>
+            <a:r>
+              <a:rPr lang="zh-CN" altLang="en-US" sz="2100" dirty="0"/>
+              <a:t>动态图计算</a:t>
+            </a:r>
+            <a:r>
+              <a:rPr lang="zh-CN" altLang="en-US" sz="2100" dirty="0" smtClean="0"/>
+              <a:t>问题，适合在线分析</a:t>
+            </a:r>
+            <a:endParaRPr lang="zh-CN" altLang="en-US" sz="2100" dirty="0"/>
           </a:p>
         </p:txBody>
       </p:sp>
